--- a/hw02/Data Mining Project 2.pptx
+++ b/hw02/Data Mining Project 2.pptx
@@ -7,16 +7,9 @@
   <p:sldIdLst>
     <p:sldId id="256" r:id="rId2"/>
     <p:sldId id="257" r:id="rId3"/>
-    <p:sldId id="267" r:id="rId4"/>
-    <p:sldId id="258" r:id="rId5"/>
-    <p:sldId id="261" r:id="rId6"/>
-    <p:sldId id="260" r:id="rId7"/>
-    <p:sldId id="262" r:id="rId8"/>
-    <p:sldId id="263" r:id="rId9"/>
-    <p:sldId id="264" r:id="rId10"/>
-    <p:sldId id="265" r:id="rId11"/>
-    <p:sldId id="266" r:id="rId12"/>
-    <p:sldId id="268" r:id="rId13"/>
+    <p:sldId id="269" r:id="rId4"/>
+    <p:sldId id="267" r:id="rId5"/>
+    <p:sldId id="270" r:id="rId6"/>
   </p:sldIdLst>
   <p:sldSz cx="12192000" cy="6858000"/>
   <p:notesSz cx="6858000" cy="9144000"/>
@@ -117,2333 +110,10 @@
   </p:defaultTextStyle>
   <p:extLst>
     <p:ext uri="{EFAFB233-063F-42B5-8137-9DF3F51BA10A}">
-      <p15:sldGuideLst xmlns:p15="http://schemas.microsoft.com/office/powerpoint/2012/main"/>
+      <p15:sldGuideLst xmlns="" xmlns:p15="http://schemas.microsoft.com/office/powerpoint/2012/main"/>
     </p:ext>
   </p:extLst>
 </p:presentation>
-</file>
-
-<file path=ppt/charts/chart1.xml><?xml version="1.0" encoding="utf-8"?>
-<c:chartSpace xmlns:c="http://schemas.openxmlformats.org/drawingml/2006/chart" xmlns:a="http://schemas.openxmlformats.org/drawingml/2006/main" xmlns:r="http://schemas.openxmlformats.org/officeDocument/2006/relationships">
-  <c:date1904 val="0"/>
-  <c:lang val="en-US"/>
-  <c:roundedCorners val="0"/>
-  <mc:AlternateContent xmlns:mc="http://schemas.openxmlformats.org/markup-compatibility/2006">
-    <mc:Choice xmlns:c14="http://schemas.microsoft.com/office/drawing/2007/8/2/chart" Requires="c14">
-      <c14:style val="102"/>
-    </mc:Choice>
-    <mc:Fallback>
-      <c:style val="2"/>
-    </mc:Fallback>
-  </mc:AlternateContent>
-  <c:chart>
-    <c:title>
-      <c:tx>
-        <c:rich>
-          <a:bodyPr rot="0" spcFirstLastPara="1" vertOverflow="ellipsis" vert="horz" wrap="square" anchor="ctr" anchorCtr="1"/>
-          <a:lstStyle/>
-          <a:p>
-            <a:pPr>
-              <a:defRPr sz="1862" b="0" i="0" u="none" strike="noStrike" kern="1200" spc="0" baseline="0">
-                <a:solidFill>
-                  <a:schemeClr val="tx1">
-                    <a:lumMod val="65000"/>
-                    <a:lumOff val="35000"/>
-                  </a:schemeClr>
-                </a:solidFill>
-                <a:latin typeface="+mn-lt"/>
-                <a:ea typeface="+mn-ea"/>
-                <a:cs typeface="+mn-cs"/>
-              </a:defRPr>
-            </a:pPr>
-            <a:r>
-              <a:rPr lang="en-US"/>
-              <a:t>ATNT 50 KNN Correct Classification</a:t>
-            </a:r>
-          </a:p>
-        </c:rich>
-      </c:tx>
-      <c:layout/>
-      <c:overlay val="0"/>
-      <c:spPr>
-        <a:noFill/>
-        <a:ln>
-          <a:noFill/>
-        </a:ln>
-        <a:effectLst/>
-      </c:spPr>
-      <c:txPr>
-        <a:bodyPr rot="0" spcFirstLastPara="1" vertOverflow="ellipsis" vert="horz" wrap="square" anchor="ctr" anchorCtr="1"/>
-        <a:lstStyle/>
-        <a:p>
-          <a:pPr>
-            <a:defRPr sz="1862" b="0" i="0" u="none" strike="noStrike" kern="1200" spc="0" baseline="0">
-              <a:solidFill>
-                <a:schemeClr val="tx1">
-                  <a:lumMod val="65000"/>
-                  <a:lumOff val="35000"/>
-                </a:schemeClr>
-              </a:solidFill>
-              <a:latin typeface="+mn-lt"/>
-              <a:ea typeface="+mn-ea"/>
-              <a:cs typeface="+mn-cs"/>
-            </a:defRPr>
-          </a:pPr>
-          <a:endParaRPr lang="en-US"/>
-        </a:p>
-      </c:txPr>
-    </c:title>
-    <c:autoTitleDeleted val="0"/>
-    <c:plotArea>
-      <c:layout/>
-      <c:lineChart>
-        <c:grouping val="standard"/>
-        <c:varyColors val="0"/>
-        <c:ser>
-          <c:idx val="0"/>
-          <c:order val="0"/>
-          <c:spPr>
-            <a:ln w="47625" cap="rnd">
-              <a:solidFill>
-                <a:schemeClr val="bg1"/>
-              </a:solidFill>
-              <a:round/>
-            </a:ln>
-            <a:effectLst/>
-          </c:spPr>
-          <c:marker>
-            <c:symbol val="none"/>
-          </c:marker>
-          <c:cat>
-            <c:numRef>
-              <c:f>Sheet1!$A$1:$A$22</c:f>
-              <c:numCache>
-                <c:formatCode>General</c:formatCode>
-                <c:ptCount val="22"/>
-                <c:pt idx="0">
-                  <c:v>3</c:v>
-                </c:pt>
-                <c:pt idx="1">
-                  <c:v>5</c:v>
-                </c:pt>
-                <c:pt idx="2">
-                  <c:v>7</c:v>
-                </c:pt>
-                <c:pt idx="3">
-                  <c:v>9</c:v>
-                </c:pt>
-                <c:pt idx="4">
-                  <c:v>11</c:v>
-                </c:pt>
-                <c:pt idx="5">
-                  <c:v>13</c:v>
-                </c:pt>
-                <c:pt idx="6">
-                  <c:v>15</c:v>
-                </c:pt>
-                <c:pt idx="7">
-                  <c:v>17</c:v>
-                </c:pt>
-                <c:pt idx="8">
-                  <c:v>19</c:v>
-                </c:pt>
-                <c:pt idx="9">
-                  <c:v>21</c:v>
-                </c:pt>
-                <c:pt idx="10">
-                  <c:v>23</c:v>
-                </c:pt>
-                <c:pt idx="11">
-                  <c:v>25</c:v>
-                </c:pt>
-                <c:pt idx="12">
-                  <c:v>27</c:v>
-                </c:pt>
-                <c:pt idx="13">
-                  <c:v>29</c:v>
-                </c:pt>
-                <c:pt idx="14">
-                  <c:v>31</c:v>
-                </c:pt>
-                <c:pt idx="15">
-                  <c:v>33</c:v>
-                </c:pt>
-                <c:pt idx="16">
-                  <c:v>35</c:v>
-                </c:pt>
-                <c:pt idx="17">
-                  <c:v>37</c:v>
-                </c:pt>
-                <c:pt idx="18">
-                  <c:v>39</c:v>
-                </c:pt>
-                <c:pt idx="19">
-                  <c:v>41</c:v>
-                </c:pt>
-                <c:pt idx="20">
-                  <c:v>43</c:v>
-                </c:pt>
-                <c:pt idx="21">
-                  <c:v>45</c:v>
-                </c:pt>
-              </c:numCache>
-            </c:numRef>
-          </c:cat>
-          <c:val>
-            <c:numRef>
-              <c:f>Sheet1!$B$1:$B$22</c:f>
-              <c:numCache>
-                <c:formatCode>General</c:formatCode>
-                <c:ptCount val="22"/>
-                <c:pt idx="0">
-                  <c:v>1</c:v>
-                </c:pt>
-                <c:pt idx="1">
-                  <c:v>1</c:v>
-                </c:pt>
-                <c:pt idx="2">
-                  <c:v>1</c:v>
-                </c:pt>
-                <c:pt idx="3">
-                  <c:v>1</c:v>
-                </c:pt>
-                <c:pt idx="4">
-                  <c:v>0.8</c:v>
-                </c:pt>
-                <c:pt idx="5">
-                  <c:v>0.8</c:v>
-                </c:pt>
-                <c:pt idx="6">
-                  <c:v>1</c:v>
-                </c:pt>
-                <c:pt idx="7">
-                  <c:v>0.6</c:v>
-                </c:pt>
-                <c:pt idx="8">
-                  <c:v>0.6</c:v>
-                </c:pt>
-                <c:pt idx="9">
-                  <c:v>0.6</c:v>
-                </c:pt>
-                <c:pt idx="10">
-                  <c:v>0.8</c:v>
-                </c:pt>
-                <c:pt idx="11">
-                  <c:v>0.6</c:v>
-                </c:pt>
-                <c:pt idx="12">
-                  <c:v>0.4</c:v>
-                </c:pt>
-                <c:pt idx="13">
-                  <c:v>0.4</c:v>
-                </c:pt>
-                <c:pt idx="14">
-                  <c:v>0.4</c:v>
-                </c:pt>
-                <c:pt idx="15">
-                  <c:v>0.4</c:v>
-                </c:pt>
-                <c:pt idx="16">
-                  <c:v>0.4</c:v>
-                </c:pt>
-                <c:pt idx="17">
-                  <c:v>0.2</c:v>
-                </c:pt>
-                <c:pt idx="18">
-                  <c:v>0.2</c:v>
-                </c:pt>
-                <c:pt idx="19">
-                  <c:v>0.2</c:v>
-                </c:pt>
-                <c:pt idx="20">
-                  <c:v>0.2</c:v>
-                </c:pt>
-                <c:pt idx="21">
-                  <c:v>0.2</c:v>
-                </c:pt>
-              </c:numCache>
-            </c:numRef>
-          </c:val>
-          <c:smooth val="0"/>
-        </c:ser>
-        <c:dLbls>
-          <c:showLegendKey val="0"/>
-          <c:showVal val="0"/>
-          <c:showCatName val="0"/>
-          <c:showSerName val="0"/>
-          <c:showPercent val="0"/>
-          <c:showBubbleSize val="0"/>
-        </c:dLbls>
-        <c:smooth val="0"/>
-        <c:axId val="343166552"/>
-        <c:axId val="342874888"/>
-      </c:lineChart>
-      <c:catAx>
-        <c:axId val="343166552"/>
-        <c:scaling>
-          <c:orientation val="minMax"/>
-        </c:scaling>
-        <c:delete val="0"/>
-        <c:axPos val="b"/>
-        <c:numFmt formatCode="General" sourceLinked="1"/>
-        <c:majorTickMark val="none"/>
-        <c:minorTickMark val="none"/>
-        <c:tickLblPos val="nextTo"/>
-        <c:spPr>
-          <a:noFill/>
-          <a:ln w="9525" cap="flat" cmpd="sng" algn="ctr">
-            <a:solidFill>
-              <a:schemeClr val="tx1">
-                <a:lumMod val="15000"/>
-                <a:lumOff val="85000"/>
-              </a:schemeClr>
-            </a:solidFill>
-            <a:round/>
-          </a:ln>
-          <a:effectLst/>
-        </c:spPr>
-        <c:txPr>
-          <a:bodyPr rot="-60000000" spcFirstLastPara="1" vertOverflow="ellipsis" vert="horz" wrap="square" anchor="ctr" anchorCtr="1"/>
-          <a:lstStyle/>
-          <a:p>
-            <a:pPr>
-              <a:defRPr sz="1197" b="0" i="0" u="none" strike="noStrike" kern="1200" baseline="0">
-                <a:solidFill>
-                  <a:schemeClr val="tx1">
-                    <a:lumMod val="65000"/>
-                    <a:lumOff val="35000"/>
-                  </a:schemeClr>
-                </a:solidFill>
-                <a:latin typeface="+mn-lt"/>
-                <a:ea typeface="+mn-ea"/>
-                <a:cs typeface="+mn-cs"/>
-              </a:defRPr>
-            </a:pPr>
-            <a:endParaRPr lang="en-US"/>
-          </a:p>
-        </c:txPr>
-        <c:crossAx val="342874888"/>
-        <c:crosses val="autoZero"/>
-        <c:auto val="1"/>
-        <c:lblAlgn val="ctr"/>
-        <c:lblOffset val="100"/>
-        <c:noMultiLvlLbl val="0"/>
-      </c:catAx>
-      <c:valAx>
-        <c:axId val="342874888"/>
-        <c:scaling>
-          <c:orientation val="minMax"/>
-        </c:scaling>
-        <c:delete val="0"/>
-        <c:axPos val="l"/>
-        <c:majorGridlines>
-          <c:spPr>
-            <a:ln w="9525" cap="flat" cmpd="sng" algn="ctr">
-              <a:solidFill>
-                <a:schemeClr val="tx1">
-                  <a:lumMod val="15000"/>
-                  <a:lumOff val="85000"/>
-                </a:schemeClr>
-              </a:solidFill>
-              <a:round/>
-            </a:ln>
-            <a:effectLst/>
-          </c:spPr>
-        </c:majorGridlines>
-        <c:numFmt formatCode="General" sourceLinked="1"/>
-        <c:majorTickMark val="none"/>
-        <c:minorTickMark val="none"/>
-        <c:tickLblPos val="nextTo"/>
-        <c:spPr>
-          <a:noFill/>
-          <a:ln>
-            <a:noFill/>
-          </a:ln>
-          <a:effectLst/>
-        </c:spPr>
-        <c:txPr>
-          <a:bodyPr rot="-60000000" spcFirstLastPara="1" vertOverflow="ellipsis" vert="horz" wrap="square" anchor="ctr" anchorCtr="1"/>
-          <a:lstStyle/>
-          <a:p>
-            <a:pPr>
-              <a:defRPr sz="1197" b="0" i="0" u="none" strike="noStrike" kern="1200" baseline="0">
-                <a:solidFill>
-                  <a:schemeClr val="tx1">
-                    <a:lumMod val="65000"/>
-                    <a:lumOff val="35000"/>
-                  </a:schemeClr>
-                </a:solidFill>
-                <a:latin typeface="+mn-lt"/>
-                <a:ea typeface="+mn-ea"/>
-                <a:cs typeface="+mn-cs"/>
-              </a:defRPr>
-            </a:pPr>
-            <a:endParaRPr lang="en-US"/>
-          </a:p>
-        </c:txPr>
-        <c:crossAx val="343166552"/>
-        <c:crosses val="autoZero"/>
-        <c:crossBetween val="between"/>
-      </c:valAx>
-      <c:spPr>
-        <a:noFill/>
-        <a:ln>
-          <a:noFill/>
-        </a:ln>
-        <a:effectLst/>
-      </c:spPr>
-    </c:plotArea>
-    <c:plotVisOnly val="1"/>
-    <c:dispBlanksAs val="gap"/>
-    <c:showDLblsOverMax val="0"/>
-  </c:chart>
-  <c:spPr>
-    <a:noFill/>
-    <a:ln>
-      <a:noFill/>
-    </a:ln>
-    <a:effectLst/>
-  </c:spPr>
-  <c:txPr>
-    <a:bodyPr/>
-    <a:lstStyle/>
-    <a:p>
-      <a:pPr>
-        <a:defRPr/>
-      </a:pPr>
-      <a:endParaRPr lang="en-US"/>
-    </a:p>
-  </c:txPr>
-  <c:externalData r:id="rId3">
-    <c:autoUpdate val="0"/>
-  </c:externalData>
-</c:chartSpace>
-</file>
-
-<file path=ppt/charts/chart2.xml><?xml version="1.0" encoding="utf-8"?>
-<c:chartSpace xmlns:c="http://schemas.openxmlformats.org/drawingml/2006/chart" xmlns:a="http://schemas.openxmlformats.org/drawingml/2006/main" xmlns:r="http://schemas.openxmlformats.org/officeDocument/2006/relationships">
-  <c:date1904 val="0"/>
-  <c:lang val="en-US"/>
-  <c:roundedCorners val="0"/>
-  <mc:AlternateContent xmlns:mc="http://schemas.openxmlformats.org/markup-compatibility/2006">
-    <mc:Choice xmlns:c14="http://schemas.microsoft.com/office/drawing/2007/8/2/chart" Requires="c14">
-      <c14:style val="102"/>
-    </mc:Choice>
-    <mc:Fallback>
-      <c:style val="2"/>
-    </mc:Fallback>
-  </mc:AlternateContent>
-  <c:chart>
-    <c:title>
-      <c:tx>
-        <c:rich>
-          <a:bodyPr rot="0" spcFirstLastPara="1" vertOverflow="ellipsis" vert="horz" wrap="square" anchor="ctr" anchorCtr="1"/>
-          <a:lstStyle/>
-          <a:p>
-            <a:pPr>
-              <a:defRPr sz="1400" b="0" i="0" u="none" strike="noStrike" kern="1200" spc="0" baseline="0">
-                <a:solidFill>
-                  <a:schemeClr val="tx1">
-                    <a:lumMod val="65000"/>
-                    <a:lumOff val="35000"/>
-                  </a:schemeClr>
-                </a:solidFill>
-                <a:latin typeface="+mn-lt"/>
-                <a:ea typeface="+mn-ea"/>
-                <a:cs typeface="+mn-cs"/>
-              </a:defRPr>
-            </a:pPr>
-            <a:r>
-              <a:rPr lang="en-US"/>
-              <a:t>ATNT200</a:t>
-            </a:r>
-            <a:r>
-              <a:rPr lang="en-US" baseline="0"/>
-              <a:t> KNN Correct Classification</a:t>
-            </a:r>
-            <a:endParaRPr lang="en-US"/>
-          </a:p>
-        </c:rich>
-      </c:tx>
-      <c:layout/>
-      <c:overlay val="0"/>
-      <c:spPr>
-        <a:noFill/>
-        <a:ln>
-          <a:noFill/>
-        </a:ln>
-        <a:effectLst/>
-      </c:spPr>
-      <c:txPr>
-        <a:bodyPr rot="0" spcFirstLastPara="1" vertOverflow="ellipsis" vert="horz" wrap="square" anchor="ctr" anchorCtr="1"/>
-        <a:lstStyle/>
-        <a:p>
-          <a:pPr>
-            <a:defRPr sz="1400" b="0" i="0" u="none" strike="noStrike" kern="1200" spc="0" baseline="0">
-              <a:solidFill>
-                <a:schemeClr val="tx1">
-                  <a:lumMod val="65000"/>
-                  <a:lumOff val="35000"/>
-                </a:schemeClr>
-              </a:solidFill>
-              <a:latin typeface="+mn-lt"/>
-              <a:ea typeface="+mn-ea"/>
-              <a:cs typeface="+mn-cs"/>
-            </a:defRPr>
-          </a:pPr>
-          <a:endParaRPr lang="en-US"/>
-        </a:p>
-      </c:txPr>
-    </c:title>
-    <c:autoTitleDeleted val="0"/>
-    <c:plotArea>
-      <c:layout>
-        <c:manualLayout>
-          <c:layoutTarget val="inner"/>
-          <c:xMode val="edge"/>
-          <c:yMode val="edge"/>
-          <c:x val="3.4731391960706043E-2"/>
-          <c:y val="9.3639576331042779E-2"/>
-          <c:w val="0.94780218761466173"/>
-          <c:h val="0.84803242371939302"/>
-        </c:manualLayout>
-      </c:layout>
-      <c:lineChart>
-        <c:grouping val="standard"/>
-        <c:varyColors val="0"/>
-        <c:ser>
-          <c:idx val="0"/>
-          <c:order val="0"/>
-          <c:spPr>
-            <a:ln w="28575" cap="rnd">
-              <a:solidFill>
-                <a:schemeClr val="bg1"/>
-              </a:solidFill>
-              <a:round/>
-            </a:ln>
-            <a:effectLst/>
-          </c:spPr>
-          <c:marker>
-            <c:symbol val="none"/>
-          </c:marker>
-          <c:cat>
-            <c:numRef>
-              <c:f>Sheet1!$A$1:$A$89</c:f>
-              <c:numCache>
-                <c:formatCode>General</c:formatCode>
-                <c:ptCount val="89"/>
-                <c:pt idx="0">
-                  <c:v>3</c:v>
-                </c:pt>
-                <c:pt idx="1">
-                  <c:v>5</c:v>
-                </c:pt>
-                <c:pt idx="2">
-                  <c:v>7</c:v>
-                </c:pt>
-                <c:pt idx="3">
-                  <c:v>9</c:v>
-                </c:pt>
-                <c:pt idx="4">
-                  <c:v>11</c:v>
-                </c:pt>
-                <c:pt idx="5">
-                  <c:v>13</c:v>
-                </c:pt>
-                <c:pt idx="6">
-                  <c:v>15</c:v>
-                </c:pt>
-                <c:pt idx="7">
-                  <c:v>17</c:v>
-                </c:pt>
-                <c:pt idx="8">
-                  <c:v>19</c:v>
-                </c:pt>
-                <c:pt idx="9">
-                  <c:v>21</c:v>
-                </c:pt>
-                <c:pt idx="10">
-                  <c:v>23</c:v>
-                </c:pt>
-                <c:pt idx="11">
-                  <c:v>25</c:v>
-                </c:pt>
-                <c:pt idx="12">
-                  <c:v>27</c:v>
-                </c:pt>
-                <c:pt idx="13">
-                  <c:v>29</c:v>
-                </c:pt>
-                <c:pt idx="14">
-                  <c:v>31</c:v>
-                </c:pt>
-                <c:pt idx="15">
-                  <c:v>33</c:v>
-                </c:pt>
-                <c:pt idx="16">
-                  <c:v>35</c:v>
-                </c:pt>
-                <c:pt idx="17">
-                  <c:v>37</c:v>
-                </c:pt>
-                <c:pt idx="18">
-                  <c:v>39</c:v>
-                </c:pt>
-                <c:pt idx="19">
-                  <c:v>41</c:v>
-                </c:pt>
-                <c:pt idx="20">
-                  <c:v>43</c:v>
-                </c:pt>
-                <c:pt idx="21">
-                  <c:v>45</c:v>
-                </c:pt>
-                <c:pt idx="22">
-                  <c:v>47</c:v>
-                </c:pt>
-                <c:pt idx="23">
-                  <c:v>49</c:v>
-                </c:pt>
-                <c:pt idx="24">
-                  <c:v>51</c:v>
-                </c:pt>
-                <c:pt idx="25">
-                  <c:v>53</c:v>
-                </c:pt>
-                <c:pt idx="26">
-                  <c:v>55</c:v>
-                </c:pt>
-                <c:pt idx="27">
-                  <c:v>57</c:v>
-                </c:pt>
-                <c:pt idx="28">
-                  <c:v>59</c:v>
-                </c:pt>
-                <c:pt idx="29">
-                  <c:v>61</c:v>
-                </c:pt>
-                <c:pt idx="30">
-                  <c:v>63</c:v>
-                </c:pt>
-                <c:pt idx="31">
-                  <c:v>65</c:v>
-                </c:pt>
-                <c:pt idx="32">
-                  <c:v>67</c:v>
-                </c:pt>
-                <c:pt idx="33">
-                  <c:v>69</c:v>
-                </c:pt>
-                <c:pt idx="34">
-                  <c:v>71</c:v>
-                </c:pt>
-                <c:pt idx="35">
-                  <c:v>73</c:v>
-                </c:pt>
-                <c:pt idx="36">
-                  <c:v>75</c:v>
-                </c:pt>
-                <c:pt idx="37">
-                  <c:v>77</c:v>
-                </c:pt>
-                <c:pt idx="38">
-                  <c:v>79</c:v>
-                </c:pt>
-                <c:pt idx="39">
-                  <c:v>81</c:v>
-                </c:pt>
-                <c:pt idx="40">
-                  <c:v>83</c:v>
-                </c:pt>
-                <c:pt idx="41">
-                  <c:v>85</c:v>
-                </c:pt>
-                <c:pt idx="42">
-                  <c:v>87</c:v>
-                </c:pt>
-                <c:pt idx="43">
-                  <c:v>89</c:v>
-                </c:pt>
-                <c:pt idx="44">
-                  <c:v>91</c:v>
-                </c:pt>
-                <c:pt idx="45">
-                  <c:v>93</c:v>
-                </c:pt>
-                <c:pt idx="46">
-                  <c:v>95</c:v>
-                </c:pt>
-                <c:pt idx="47">
-                  <c:v>97</c:v>
-                </c:pt>
-                <c:pt idx="48">
-                  <c:v>99</c:v>
-                </c:pt>
-                <c:pt idx="49">
-                  <c:v>101</c:v>
-                </c:pt>
-                <c:pt idx="50">
-                  <c:v>103</c:v>
-                </c:pt>
-                <c:pt idx="51">
-                  <c:v>105</c:v>
-                </c:pt>
-                <c:pt idx="52">
-                  <c:v>107</c:v>
-                </c:pt>
-                <c:pt idx="53">
-                  <c:v>109</c:v>
-                </c:pt>
-                <c:pt idx="54">
-                  <c:v>111</c:v>
-                </c:pt>
-                <c:pt idx="55">
-                  <c:v>113</c:v>
-                </c:pt>
-                <c:pt idx="56">
-                  <c:v>115</c:v>
-                </c:pt>
-                <c:pt idx="57">
-                  <c:v>117</c:v>
-                </c:pt>
-                <c:pt idx="58">
-                  <c:v>119</c:v>
-                </c:pt>
-                <c:pt idx="59">
-                  <c:v>121</c:v>
-                </c:pt>
-                <c:pt idx="60">
-                  <c:v>123</c:v>
-                </c:pt>
-                <c:pt idx="61">
-                  <c:v>125</c:v>
-                </c:pt>
-                <c:pt idx="62">
-                  <c:v>127</c:v>
-                </c:pt>
-                <c:pt idx="63">
-                  <c:v>129</c:v>
-                </c:pt>
-                <c:pt idx="64">
-                  <c:v>131</c:v>
-                </c:pt>
-                <c:pt idx="65">
-                  <c:v>133</c:v>
-                </c:pt>
-                <c:pt idx="66">
-                  <c:v>135</c:v>
-                </c:pt>
-                <c:pt idx="67">
-                  <c:v>137</c:v>
-                </c:pt>
-                <c:pt idx="68">
-                  <c:v>139</c:v>
-                </c:pt>
-                <c:pt idx="69">
-                  <c:v>141</c:v>
-                </c:pt>
-                <c:pt idx="70">
-                  <c:v>143</c:v>
-                </c:pt>
-                <c:pt idx="71">
-                  <c:v>145</c:v>
-                </c:pt>
-                <c:pt idx="72">
-                  <c:v>147</c:v>
-                </c:pt>
-                <c:pt idx="73">
-                  <c:v>149</c:v>
-                </c:pt>
-                <c:pt idx="74">
-                  <c:v>151</c:v>
-                </c:pt>
-                <c:pt idx="75">
-                  <c:v>153</c:v>
-                </c:pt>
-                <c:pt idx="76">
-                  <c:v>155</c:v>
-                </c:pt>
-                <c:pt idx="77">
-                  <c:v>157</c:v>
-                </c:pt>
-                <c:pt idx="78">
-                  <c:v>159</c:v>
-                </c:pt>
-                <c:pt idx="79">
-                  <c:v>161</c:v>
-                </c:pt>
-                <c:pt idx="80">
-                  <c:v>163</c:v>
-                </c:pt>
-                <c:pt idx="81">
-                  <c:v>165</c:v>
-                </c:pt>
-                <c:pt idx="82">
-                  <c:v>167</c:v>
-                </c:pt>
-                <c:pt idx="83">
-                  <c:v>169</c:v>
-                </c:pt>
-                <c:pt idx="84">
-                  <c:v>171</c:v>
-                </c:pt>
-                <c:pt idx="85">
-                  <c:v>173</c:v>
-                </c:pt>
-                <c:pt idx="86">
-                  <c:v>175</c:v>
-                </c:pt>
-                <c:pt idx="87">
-                  <c:v>177</c:v>
-                </c:pt>
-                <c:pt idx="88">
-                  <c:v>179</c:v>
-                </c:pt>
-              </c:numCache>
-            </c:numRef>
-          </c:cat>
-          <c:val>
-            <c:numRef>
-              <c:f>Sheet1!$B$1:$B$89</c:f>
-              <c:numCache>
-                <c:formatCode>General</c:formatCode>
-                <c:ptCount val="89"/>
-                <c:pt idx="0">
-                  <c:v>0.95</c:v>
-                </c:pt>
-                <c:pt idx="1">
-                  <c:v>0.95</c:v>
-                </c:pt>
-                <c:pt idx="2">
-                  <c:v>0.9</c:v>
-                </c:pt>
-                <c:pt idx="3">
-                  <c:v>0.9</c:v>
-                </c:pt>
-                <c:pt idx="4">
-                  <c:v>0.85</c:v>
-                </c:pt>
-                <c:pt idx="5">
-                  <c:v>0.8</c:v>
-                </c:pt>
-                <c:pt idx="6">
-                  <c:v>0.8</c:v>
-                </c:pt>
-                <c:pt idx="7">
-                  <c:v>0.8</c:v>
-                </c:pt>
-                <c:pt idx="8">
-                  <c:v>0.8</c:v>
-                </c:pt>
-                <c:pt idx="9">
-                  <c:v>0.8</c:v>
-                </c:pt>
-                <c:pt idx="10">
-                  <c:v>0.8</c:v>
-                </c:pt>
-                <c:pt idx="11">
-                  <c:v>0.8</c:v>
-                </c:pt>
-                <c:pt idx="12">
-                  <c:v>0.8</c:v>
-                </c:pt>
-                <c:pt idx="13">
-                  <c:v>0.75</c:v>
-                </c:pt>
-                <c:pt idx="14">
-                  <c:v>0.75</c:v>
-                </c:pt>
-                <c:pt idx="15">
-                  <c:v>0.8</c:v>
-                </c:pt>
-                <c:pt idx="16">
-                  <c:v>0.8</c:v>
-                </c:pt>
-                <c:pt idx="17">
-                  <c:v>0.8</c:v>
-                </c:pt>
-                <c:pt idx="18">
-                  <c:v>0.7</c:v>
-                </c:pt>
-                <c:pt idx="19">
-                  <c:v>0.6</c:v>
-                </c:pt>
-                <c:pt idx="20">
-                  <c:v>0.55000000000000004</c:v>
-                </c:pt>
-                <c:pt idx="21">
-                  <c:v>0.55000000000000004</c:v>
-                </c:pt>
-                <c:pt idx="22">
-                  <c:v>0.55000000000000004</c:v>
-                </c:pt>
-                <c:pt idx="23">
-                  <c:v>0.5</c:v>
-                </c:pt>
-                <c:pt idx="24">
-                  <c:v>0.55000000000000004</c:v>
-                </c:pt>
-                <c:pt idx="25">
-                  <c:v>0.55000000000000004</c:v>
-                </c:pt>
-                <c:pt idx="26">
-                  <c:v>0.55000000000000004</c:v>
-                </c:pt>
-                <c:pt idx="27">
-                  <c:v>0.5</c:v>
-                </c:pt>
-                <c:pt idx="28">
-                  <c:v>0.3</c:v>
-                </c:pt>
-                <c:pt idx="29">
-                  <c:v>0.35</c:v>
-                </c:pt>
-                <c:pt idx="30">
-                  <c:v>0.3</c:v>
-                </c:pt>
-                <c:pt idx="31">
-                  <c:v>0.3</c:v>
-                </c:pt>
-                <c:pt idx="32">
-                  <c:v>0.3</c:v>
-                </c:pt>
-                <c:pt idx="33">
-                  <c:v>0.3</c:v>
-                </c:pt>
-                <c:pt idx="34">
-                  <c:v>0.3</c:v>
-                </c:pt>
-                <c:pt idx="35">
-                  <c:v>0.3</c:v>
-                </c:pt>
-                <c:pt idx="36">
-                  <c:v>0.3</c:v>
-                </c:pt>
-                <c:pt idx="37">
-                  <c:v>0.3</c:v>
-                </c:pt>
-                <c:pt idx="38">
-                  <c:v>0.25</c:v>
-                </c:pt>
-                <c:pt idx="39">
-                  <c:v>0.2</c:v>
-                </c:pt>
-                <c:pt idx="40">
-                  <c:v>0.2</c:v>
-                </c:pt>
-                <c:pt idx="41">
-                  <c:v>0.2</c:v>
-                </c:pt>
-                <c:pt idx="42">
-                  <c:v>0.25</c:v>
-                </c:pt>
-                <c:pt idx="43">
-                  <c:v>0.25</c:v>
-                </c:pt>
-                <c:pt idx="44">
-                  <c:v>0.2</c:v>
-                </c:pt>
-                <c:pt idx="45">
-                  <c:v>0.2</c:v>
-                </c:pt>
-                <c:pt idx="46">
-                  <c:v>0.2</c:v>
-                </c:pt>
-                <c:pt idx="47">
-                  <c:v>0.2</c:v>
-                </c:pt>
-                <c:pt idx="48">
-                  <c:v>0.2</c:v>
-                </c:pt>
-                <c:pt idx="49">
-                  <c:v>0.2</c:v>
-                </c:pt>
-                <c:pt idx="50">
-                  <c:v>0.2</c:v>
-                </c:pt>
-                <c:pt idx="51">
-                  <c:v>0.2</c:v>
-                </c:pt>
-                <c:pt idx="52">
-                  <c:v>0.2</c:v>
-                </c:pt>
-                <c:pt idx="53">
-                  <c:v>0.2</c:v>
-                </c:pt>
-                <c:pt idx="54">
-                  <c:v>0.2</c:v>
-                </c:pt>
-                <c:pt idx="55">
-                  <c:v>0.2</c:v>
-                </c:pt>
-                <c:pt idx="56">
-                  <c:v>0.2</c:v>
-                </c:pt>
-                <c:pt idx="57">
-                  <c:v>0.15</c:v>
-                </c:pt>
-                <c:pt idx="58">
-                  <c:v>0.15</c:v>
-                </c:pt>
-                <c:pt idx="59">
-                  <c:v>0.15</c:v>
-                </c:pt>
-                <c:pt idx="60">
-                  <c:v>0.15</c:v>
-                </c:pt>
-                <c:pt idx="61">
-                  <c:v>0.15</c:v>
-                </c:pt>
-                <c:pt idx="62">
-                  <c:v>0.15</c:v>
-                </c:pt>
-                <c:pt idx="63">
-                  <c:v>0.15</c:v>
-                </c:pt>
-                <c:pt idx="64">
-                  <c:v>0.15</c:v>
-                </c:pt>
-                <c:pt idx="65">
-                  <c:v>0.15</c:v>
-                </c:pt>
-                <c:pt idx="66">
-                  <c:v>0.15</c:v>
-                </c:pt>
-                <c:pt idx="67">
-                  <c:v>0.15</c:v>
-                </c:pt>
-                <c:pt idx="68">
-                  <c:v>0.15</c:v>
-                </c:pt>
-                <c:pt idx="69">
-                  <c:v>0.15</c:v>
-                </c:pt>
-                <c:pt idx="70">
-                  <c:v>0.15</c:v>
-                </c:pt>
-                <c:pt idx="71">
-                  <c:v>0.1</c:v>
-                </c:pt>
-                <c:pt idx="72">
-                  <c:v>0.1</c:v>
-                </c:pt>
-                <c:pt idx="73">
-                  <c:v>0.1</c:v>
-                </c:pt>
-                <c:pt idx="74">
-                  <c:v>0.1</c:v>
-                </c:pt>
-                <c:pt idx="75">
-                  <c:v>0.1</c:v>
-                </c:pt>
-                <c:pt idx="76">
-                  <c:v>0.1</c:v>
-                </c:pt>
-                <c:pt idx="77">
-                  <c:v>0.1</c:v>
-                </c:pt>
-                <c:pt idx="78">
-                  <c:v>0.1</c:v>
-                </c:pt>
-                <c:pt idx="79">
-                  <c:v>0.1</c:v>
-                </c:pt>
-                <c:pt idx="80">
-                  <c:v>0.1</c:v>
-                </c:pt>
-                <c:pt idx="81">
-                  <c:v>0.1</c:v>
-                </c:pt>
-                <c:pt idx="82">
-                  <c:v>0.1</c:v>
-                </c:pt>
-                <c:pt idx="83">
-                  <c:v>0.1</c:v>
-                </c:pt>
-                <c:pt idx="84">
-                  <c:v>0.05</c:v>
-                </c:pt>
-                <c:pt idx="85">
-                  <c:v>0.05</c:v>
-                </c:pt>
-                <c:pt idx="86">
-                  <c:v>0.05</c:v>
-                </c:pt>
-                <c:pt idx="87">
-                  <c:v>0.05</c:v>
-                </c:pt>
-                <c:pt idx="88">
-                  <c:v>0.05</c:v>
-                </c:pt>
-              </c:numCache>
-            </c:numRef>
-          </c:val>
-          <c:smooth val="0"/>
-        </c:ser>
-        <c:dLbls>
-          <c:showLegendKey val="0"/>
-          <c:showVal val="0"/>
-          <c:showCatName val="0"/>
-          <c:showSerName val="0"/>
-          <c:showPercent val="0"/>
-          <c:showBubbleSize val="0"/>
-        </c:dLbls>
-        <c:smooth val="0"/>
-        <c:axId val="407762096"/>
-        <c:axId val="344182728"/>
-      </c:lineChart>
-      <c:catAx>
-        <c:axId val="407762096"/>
-        <c:scaling>
-          <c:orientation val="minMax"/>
-        </c:scaling>
-        <c:delete val="0"/>
-        <c:axPos val="b"/>
-        <c:numFmt formatCode="General" sourceLinked="1"/>
-        <c:majorTickMark val="none"/>
-        <c:minorTickMark val="none"/>
-        <c:tickLblPos val="nextTo"/>
-        <c:spPr>
-          <a:noFill/>
-          <a:ln w="9525" cap="flat" cmpd="sng" algn="ctr">
-            <a:solidFill>
-              <a:schemeClr val="tx1">
-                <a:lumMod val="15000"/>
-                <a:lumOff val="85000"/>
-              </a:schemeClr>
-            </a:solidFill>
-            <a:round/>
-          </a:ln>
-          <a:effectLst/>
-        </c:spPr>
-        <c:txPr>
-          <a:bodyPr rot="-60000000" spcFirstLastPara="1" vertOverflow="ellipsis" vert="horz" wrap="square" anchor="ctr" anchorCtr="1"/>
-          <a:lstStyle/>
-          <a:p>
-            <a:pPr>
-              <a:defRPr sz="900" b="0" i="0" u="none" strike="noStrike" kern="1200" baseline="0">
-                <a:solidFill>
-                  <a:schemeClr val="tx1">
-                    <a:lumMod val="65000"/>
-                    <a:lumOff val="35000"/>
-                  </a:schemeClr>
-                </a:solidFill>
-                <a:latin typeface="+mn-lt"/>
-                <a:ea typeface="+mn-ea"/>
-                <a:cs typeface="+mn-cs"/>
-              </a:defRPr>
-            </a:pPr>
-            <a:endParaRPr lang="en-US"/>
-          </a:p>
-        </c:txPr>
-        <c:crossAx val="344182728"/>
-        <c:crosses val="autoZero"/>
-        <c:auto val="1"/>
-        <c:lblAlgn val="ctr"/>
-        <c:lblOffset val="100"/>
-        <c:noMultiLvlLbl val="0"/>
-      </c:catAx>
-      <c:valAx>
-        <c:axId val="344182728"/>
-        <c:scaling>
-          <c:orientation val="minMax"/>
-        </c:scaling>
-        <c:delete val="0"/>
-        <c:axPos val="l"/>
-        <c:majorGridlines>
-          <c:spPr>
-            <a:ln w="9525" cap="flat" cmpd="sng" algn="ctr">
-              <a:solidFill>
-                <a:schemeClr val="tx1">
-                  <a:lumMod val="15000"/>
-                  <a:lumOff val="85000"/>
-                </a:schemeClr>
-              </a:solidFill>
-              <a:round/>
-            </a:ln>
-            <a:effectLst/>
-          </c:spPr>
-        </c:majorGridlines>
-        <c:numFmt formatCode="General" sourceLinked="1"/>
-        <c:majorTickMark val="none"/>
-        <c:minorTickMark val="none"/>
-        <c:tickLblPos val="nextTo"/>
-        <c:spPr>
-          <a:noFill/>
-          <a:ln>
-            <a:noFill/>
-          </a:ln>
-          <a:effectLst/>
-        </c:spPr>
-        <c:txPr>
-          <a:bodyPr rot="-60000000" spcFirstLastPara="1" vertOverflow="ellipsis" vert="horz" wrap="square" anchor="ctr" anchorCtr="1"/>
-          <a:lstStyle/>
-          <a:p>
-            <a:pPr>
-              <a:defRPr sz="900" b="0" i="0" u="none" strike="noStrike" kern="1200" baseline="0">
-                <a:solidFill>
-                  <a:schemeClr val="tx1">
-                    <a:lumMod val="65000"/>
-                    <a:lumOff val="35000"/>
-                  </a:schemeClr>
-                </a:solidFill>
-                <a:latin typeface="+mn-lt"/>
-                <a:ea typeface="+mn-ea"/>
-                <a:cs typeface="+mn-cs"/>
-              </a:defRPr>
-            </a:pPr>
-            <a:endParaRPr lang="en-US"/>
-          </a:p>
-        </c:txPr>
-        <c:crossAx val="407762096"/>
-        <c:crosses val="autoZero"/>
-        <c:crossBetween val="between"/>
-      </c:valAx>
-      <c:spPr>
-        <a:noFill/>
-        <a:ln>
-          <a:noFill/>
-        </a:ln>
-        <a:effectLst/>
-      </c:spPr>
-    </c:plotArea>
-    <c:plotVisOnly val="1"/>
-    <c:dispBlanksAs val="gap"/>
-    <c:showDLblsOverMax val="0"/>
-  </c:chart>
-  <c:spPr>
-    <a:noFill/>
-    <a:ln>
-      <a:noFill/>
-    </a:ln>
-    <a:effectLst/>
-  </c:spPr>
-  <c:txPr>
-    <a:bodyPr/>
-    <a:lstStyle/>
-    <a:p>
-      <a:pPr>
-        <a:defRPr/>
-      </a:pPr>
-      <a:endParaRPr lang="en-US"/>
-    </a:p>
-  </c:txPr>
-  <c:externalData r:id="rId3">
-    <c:autoUpdate val="0"/>
-  </c:externalData>
-</c:chartSpace>
-</file>
-
-<file path=ppt/charts/colors1.xml><?xml version="1.0" encoding="utf-8"?>
-<cs:colorStyle xmlns:cs="http://schemas.microsoft.com/office/drawing/2012/chartStyle" xmlns:a="http://schemas.openxmlformats.org/drawingml/2006/main" meth="cycle" id="10">
-  <a:schemeClr val="accent1"/>
-  <a:schemeClr val="accent2"/>
-  <a:schemeClr val="accent3"/>
-  <a:schemeClr val="accent4"/>
-  <a:schemeClr val="accent5"/>
-  <a:schemeClr val="accent6"/>
-  <cs:variation/>
-  <cs:variation>
-    <a:lumMod val="60000"/>
-  </cs:variation>
-  <cs:variation>
-    <a:lumMod val="80000"/>
-    <a:lumOff val="20000"/>
-  </cs:variation>
-  <cs:variation>
-    <a:lumMod val="80000"/>
-  </cs:variation>
-  <cs:variation>
-    <a:lumMod val="60000"/>
-    <a:lumOff val="40000"/>
-  </cs:variation>
-  <cs:variation>
-    <a:lumMod val="50000"/>
-  </cs:variation>
-  <cs:variation>
-    <a:lumMod val="70000"/>
-    <a:lumOff val="30000"/>
-  </cs:variation>
-  <cs:variation>
-    <a:lumMod val="70000"/>
-  </cs:variation>
-  <cs:variation>
-    <a:lumMod val="50000"/>
-    <a:lumOff val="50000"/>
-  </cs:variation>
-</cs:colorStyle>
-</file>
-
-<file path=ppt/charts/colors2.xml><?xml version="1.0" encoding="utf-8"?>
-<cs:colorStyle xmlns:cs="http://schemas.microsoft.com/office/drawing/2012/chartStyle" xmlns:a="http://schemas.openxmlformats.org/drawingml/2006/main" meth="cycle" id="10">
-  <a:schemeClr val="accent1"/>
-  <a:schemeClr val="accent2"/>
-  <a:schemeClr val="accent3"/>
-  <a:schemeClr val="accent4"/>
-  <a:schemeClr val="accent5"/>
-  <a:schemeClr val="accent6"/>
-  <cs:variation/>
-  <cs:variation>
-    <a:lumMod val="60000"/>
-  </cs:variation>
-  <cs:variation>
-    <a:lumMod val="80000"/>
-    <a:lumOff val="20000"/>
-  </cs:variation>
-  <cs:variation>
-    <a:lumMod val="80000"/>
-  </cs:variation>
-  <cs:variation>
-    <a:lumMod val="60000"/>
-    <a:lumOff val="40000"/>
-  </cs:variation>
-  <cs:variation>
-    <a:lumMod val="50000"/>
-  </cs:variation>
-  <cs:variation>
-    <a:lumMod val="70000"/>
-    <a:lumOff val="30000"/>
-  </cs:variation>
-  <cs:variation>
-    <a:lumMod val="70000"/>
-  </cs:variation>
-  <cs:variation>
-    <a:lumMod val="50000"/>
-    <a:lumOff val="50000"/>
-  </cs:variation>
-</cs:colorStyle>
-</file>
-
-<file path=ppt/charts/style1.xml><?xml version="1.0" encoding="utf-8"?>
-<cs:chartStyle xmlns:cs="http://schemas.microsoft.com/office/drawing/2012/chartStyle" xmlns:a="http://schemas.openxmlformats.org/drawingml/2006/main" id="227">
-  <cs:axisTitle>
-    <cs:lnRef idx="0"/>
-    <cs:fillRef idx="0"/>
-    <cs:effectRef idx="0"/>
-    <cs:fontRef idx="minor">
-      <a:schemeClr val="tx1">
-        <a:lumMod val="65000"/>
-        <a:lumOff val="35000"/>
-      </a:schemeClr>
-    </cs:fontRef>
-    <cs:defRPr sz="1330" kern="1200"/>
-  </cs:axisTitle>
-  <cs:categoryAxis>
-    <cs:lnRef idx="0"/>
-    <cs:fillRef idx="0"/>
-    <cs:effectRef idx="0"/>
-    <cs:fontRef idx="minor">
-      <a:schemeClr val="tx1">
-        <a:lumMod val="65000"/>
-        <a:lumOff val="35000"/>
-      </a:schemeClr>
-    </cs:fontRef>
-    <cs:spPr>
-      <a:ln w="9525" cap="flat" cmpd="sng" algn="ctr">
-        <a:solidFill>
-          <a:schemeClr val="tx1">
-            <a:lumMod val="15000"/>
-            <a:lumOff val="85000"/>
-          </a:schemeClr>
-        </a:solidFill>
-        <a:round/>
-      </a:ln>
-    </cs:spPr>
-    <cs:defRPr sz="1197" kern="1200"/>
-  </cs:categoryAxis>
-  <cs:chartArea mods="allowNoFillOverride allowNoLineOverride">
-    <cs:lnRef idx="0"/>
-    <cs:fillRef idx="0"/>
-    <cs:effectRef idx="0"/>
-    <cs:fontRef idx="minor">
-      <a:schemeClr val="tx1"/>
-    </cs:fontRef>
-    <cs:spPr>
-      <a:solidFill>
-        <a:schemeClr val="bg1"/>
-      </a:solidFill>
-      <a:ln w="9525" cap="flat" cmpd="sng" algn="ctr">
-        <a:solidFill>
-          <a:schemeClr val="tx1">
-            <a:lumMod val="15000"/>
-            <a:lumOff val="85000"/>
-          </a:schemeClr>
-        </a:solidFill>
-        <a:round/>
-      </a:ln>
-    </cs:spPr>
-    <cs:defRPr sz="1330" kern="1200"/>
-  </cs:chartArea>
-  <cs:dataLabel>
-    <cs:lnRef idx="0"/>
-    <cs:fillRef idx="0"/>
-    <cs:effectRef idx="0"/>
-    <cs:fontRef idx="minor">
-      <a:schemeClr val="tx1">
-        <a:lumMod val="75000"/>
-        <a:lumOff val="25000"/>
-      </a:schemeClr>
-    </cs:fontRef>
-    <cs:defRPr sz="1197" kern="1200"/>
-  </cs:dataLabel>
-  <cs:dataLabelCallout>
-    <cs:lnRef idx="0"/>
-    <cs:fillRef idx="0"/>
-    <cs:effectRef idx="0"/>
-    <cs:fontRef idx="minor">
-      <a:schemeClr val="dk1">
-        <a:lumMod val="65000"/>
-        <a:lumOff val="35000"/>
-      </a:schemeClr>
-    </cs:fontRef>
-    <cs:spPr>
-      <a:solidFill>
-        <a:schemeClr val="lt1"/>
-      </a:solidFill>
-      <a:ln>
-        <a:solidFill>
-          <a:schemeClr val="dk1">
-            <a:lumMod val="25000"/>
-            <a:lumOff val="75000"/>
-          </a:schemeClr>
-        </a:solidFill>
-      </a:ln>
-    </cs:spPr>
-    <cs:defRPr sz="1197" kern="1200"/>
-    <cs:bodyPr rot="0" spcFirstLastPara="1" vertOverflow="clip" horzOverflow="clip" vert="horz" wrap="square" lIns="36576" tIns="18288" rIns="36576" bIns="18288" anchor="ctr" anchorCtr="1">
-      <a:spAutoFit/>
-    </cs:bodyPr>
-  </cs:dataLabelCallout>
-  <cs:dataPoint>
-    <cs:lnRef idx="0"/>
-    <cs:fillRef idx="1">
-      <cs:styleClr val="auto"/>
-    </cs:fillRef>
-    <cs:effectRef idx="0"/>
-    <cs:fontRef idx="minor">
-      <a:schemeClr val="tx1"/>
-    </cs:fontRef>
-    <cs:spPr>
-      <a:solidFill>
-        <a:schemeClr val="phClr"/>
-      </a:solidFill>
-    </cs:spPr>
-  </cs:dataPoint>
-  <cs:dataPoint3D>
-    <cs:lnRef idx="0"/>
-    <cs:fillRef idx="1">
-      <cs:styleClr val="auto"/>
-    </cs:fillRef>
-    <cs:effectRef idx="0"/>
-    <cs:fontRef idx="minor">
-      <a:schemeClr val="tx1"/>
-    </cs:fontRef>
-    <cs:spPr>
-      <a:solidFill>
-        <a:schemeClr val="phClr"/>
-      </a:solidFill>
-    </cs:spPr>
-  </cs:dataPoint3D>
-  <cs:dataPointLine>
-    <cs:lnRef idx="0">
-      <cs:styleClr val="auto"/>
-    </cs:lnRef>
-    <cs:fillRef idx="1"/>
-    <cs:effectRef idx="0"/>
-    <cs:fontRef idx="minor">
-      <a:schemeClr val="tx1"/>
-    </cs:fontRef>
-    <cs:spPr>
-      <a:ln w="28575" cap="rnd">
-        <a:solidFill>
-          <a:schemeClr val="phClr"/>
-        </a:solidFill>
-        <a:round/>
-      </a:ln>
-    </cs:spPr>
-  </cs:dataPointLine>
-  <cs:dataPointMarker>
-    <cs:lnRef idx="0">
-      <cs:styleClr val="auto"/>
-    </cs:lnRef>
-    <cs:fillRef idx="1">
-      <cs:styleClr val="auto"/>
-    </cs:fillRef>
-    <cs:effectRef idx="0"/>
-    <cs:fontRef idx="minor">
-      <a:schemeClr val="tx1"/>
-    </cs:fontRef>
-    <cs:spPr>
-      <a:solidFill>
-        <a:schemeClr val="phClr"/>
-      </a:solidFill>
-      <a:ln w="9525">
-        <a:solidFill>
-          <a:schemeClr val="phClr"/>
-        </a:solidFill>
-      </a:ln>
-    </cs:spPr>
-  </cs:dataPointMarker>
-  <cs:dataPointMarkerLayout symbol="circle" size="5"/>
-  <cs:dataPointWireframe>
-    <cs:lnRef idx="0">
-      <cs:styleClr val="auto"/>
-    </cs:lnRef>
-    <cs:fillRef idx="1"/>
-    <cs:effectRef idx="0"/>
-    <cs:fontRef idx="minor">
-      <a:schemeClr val="tx1"/>
-    </cs:fontRef>
-    <cs:spPr>
-      <a:ln w="9525" cap="rnd">
-        <a:solidFill>
-          <a:schemeClr val="phClr"/>
-        </a:solidFill>
-        <a:round/>
-      </a:ln>
-    </cs:spPr>
-  </cs:dataPointWireframe>
-  <cs:dataTable>
-    <cs:lnRef idx="0"/>
-    <cs:fillRef idx="0"/>
-    <cs:effectRef idx="0"/>
-    <cs:fontRef idx="minor">
-      <a:schemeClr val="tx1">
-        <a:lumMod val="65000"/>
-        <a:lumOff val="35000"/>
-      </a:schemeClr>
-    </cs:fontRef>
-    <cs:spPr>
-      <a:noFill/>
-      <a:ln w="9525" cap="flat" cmpd="sng" algn="ctr">
-        <a:solidFill>
-          <a:schemeClr val="tx1">
-            <a:lumMod val="15000"/>
-            <a:lumOff val="85000"/>
-          </a:schemeClr>
-        </a:solidFill>
-        <a:round/>
-      </a:ln>
-    </cs:spPr>
-    <cs:defRPr sz="1197" kern="1200"/>
-  </cs:dataTable>
-  <cs:downBar>
-    <cs:lnRef idx="0"/>
-    <cs:fillRef idx="0"/>
-    <cs:effectRef idx="0"/>
-    <cs:fontRef idx="minor">
-      <a:schemeClr val="dk1"/>
-    </cs:fontRef>
-    <cs:spPr>
-      <a:solidFill>
-        <a:schemeClr val="dk1">
-          <a:lumMod val="65000"/>
-          <a:lumOff val="35000"/>
-        </a:schemeClr>
-      </a:solidFill>
-      <a:ln w="9525">
-        <a:solidFill>
-          <a:schemeClr val="tx1">
-            <a:lumMod val="65000"/>
-            <a:lumOff val="35000"/>
-          </a:schemeClr>
-        </a:solidFill>
-      </a:ln>
-    </cs:spPr>
-  </cs:downBar>
-  <cs:dropLine>
-    <cs:lnRef idx="0"/>
-    <cs:fillRef idx="0"/>
-    <cs:effectRef idx="0"/>
-    <cs:fontRef idx="minor">
-      <a:schemeClr val="tx1"/>
-    </cs:fontRef>
-    <cs:spPr>
-      <a:ln w="9525" cap="flat" cmpd="sng" algn="ctr">
-        <a:solidFill>
-          <a:schemeClr val="tx1">
-            <a:lumMod val="35000"/>
-            <a:lumOff val="65000"/>
-          </a:schemeClr>
-        </a:solidFill>
-        <a:round/>
-      </a:ln>
-    </cs:spPr>
-  </cs:dropLine>
-  <cs:errorBar>
-    <cs:lnRef idx="0"/>
-    <cs:fillRef idx="0"/>
-    <cs:effectRef idx="0"/>
-    <cs:fontRef idx="minor">
-      <a:schemeClr val="tx1"/>
-    </cs:fontRef>
-    <cs:spPr>
-      <a:ln w="9525" cap="flat" cmpd="sng" algn="ctr">
-        <a:solidFill>
-          <a:schemeClr val="tx1">
-            <a:lumMod val="65000"/>
-            <a:lumOff val="35000"/>
-          </a:schemeClr>
-        </a:solidFill>
-        <a:round/>
-      </a:ln>
-    </cs:spPr>
-  </cs:errorBar>
-  <cs:floor>
-    <cs:lnRef idx="0"/>
-    <cs:fillRef idx="0"/>
-    <cs:effectRef idx="0"/>
-    <cs:fontRef idx="minor">
-      <a:schemeClr val="tx1"/>
-    </cs:fontRef>
-    <cs:spPr>
-      <a:noFill/>
-      <a:ln>
-        <a:noFill/>
-      </a:ln>
-    </cs:spPr>
-  </cs:floor>
-  <cs:gridlineMajor>
-    <cs:lnRef idx="0"/>
-    <cs:fillRef idx="0"/>
-    <cs:effectRef idx="0"/>
-    <cs:fontRef idx="minor">
-      <a:schemeClr val="tx1"/>
-    </cs:fontRef>
-    <cs:spPr>
-      <a:ln w="9525" cap="flat" cmpd="sng" algn="ctr">
-        <a:solidFill>
-          <a:schemeClr val="tx1">
-            <a:lumMod val="15000"/>
-            <a:lumOff val="85000"/>
-          </a:schemeClr>
-        </a:solidFill>
-        <a:round/>
-      </a:ln>
-    </cs:spPr>
-  </cs:gridlineMajor>
-  <cs:gridlineMinor>
-    <cs:lnRef idx="0"/>
-    <cs:fillRef idx="0"/>
-    <cs:effectRef idx="0"/>
-    <cs:fontRef idx="minor">
-      <a:schemeClr val="tx1"/>
-    </cs:fontRef>
-    <cs:spPr>
-      <a:ln w="9525" cap="flat" cmpd="sng" algn="ctr">
-        <a:solidFill>
-          <a:schemeClr val="tx1">
-            <a:lumMod val="5000"/>
-            <a:lumOff val="95000"/>
-          </a:schemeClr>
-        </a:solidFill>
-        <a:round/>
-      </a:ln>
-    </cs:spPr>
-  </cs:gridlineMinor>
-  <cs:hiLoLine>
-    <cs:lnRef idx="0"/>
-    <cs:fillRef idx="0"/>
-    <cs:effectRef idx="0"/>
-    <cs:fontRef idx="minor">
-      <a:schemeClr val="tx1"/>
-    </cs:fontRef>
-    <cs:spPr>
-      <a:ln w="9525" cap="flat" cmpd="sng" algn="ctr">
-        <a:solidFill>
-          <a:schemeClr val="tx1">
-            <a:lumMod val="75000"/>
-            <a:lumOff val="25000"/>
-          </a:schemeClr>
-        </a:solidFill>
-        <a:round/>
-      </a:ln>
-    </cs:spPr>
-  </cs:hiLoLine>
-  <cs:leaderLine>
-    <cs:lnRef idx="0"/>
-    <cs:fillRef idx="0"/>
-    <cs:effectRef idx="0"/>
-    <cs:fontRef idx="minor">
-      <a:schemeClr val="tx1"/>
-    </cs:fontRef>
-    <cs:spPr>
-      <a:ln w="9525" cap="flat" cmpd="sng" algn="ctr">
-        <a:solidFill>
-          <a:schemeClr val="tx1">
-            <a:lumMod val="35000"/>
-            <a:lumOff val="65000"/>
-          </a:schemeClr>
-        </a:solidFill>
-        <a:round/>
-      </a:ln>
-    </cs:spPr>
-  </cs:leaderLine>
-  <cs:legend>
-    <cs:lnRef idx="0"/>
-    <cs:fillRef idx="0"/>
-    <cs:effectRef idx="0"/>
-    <cs:fontRef idx="minor">
-      <a:schemeClr val="tx1">
-        <a:lumMod val="65000"/>
-        <a:lumOff val="35000"/>
-      </a:schemeClr>
-    </cs:fontRef>
-    <cs:defRPr sz="1197" kern="1200"/>
-  </cs:legend>
-  <cs:plotArea mods="allowNoFillOverride allowNoLineOverride">
-    <cs:lnRef idx="0"/>
-    <cs:fillRef idx="0"/>
-    <cs:effectRef idx="0"/>
-    <cs:fontRef idx="minor">
-      <a:schemeClr val="tx1"/>
-    </cs:fontRef>
-  </cs:plotArea>
-  <cs:plotArea3D mods="allowNoFillOverride allowNoLineOverride">
-    <cs:lnRef idx="0"/>
-    <cs:fillRef idx="0"/>
-    <cs:effectRef idx="0"/>
-    <cs:fontRef idx="minor">
-      <a:schemeClr val="tx1"/>
-    </cs:fontRef>
-  </cs:plotArea3D>
-  <cs:seriesAxis>
-    <cs:lnRef idx="0"/>
-    <cs:fillRef idx="0"/>
-    <cs:effectRef idx="0"/>
-    <cs:fontRef idx="minor">
-      <a:schemeClr val="tx1">
-        <a:lumMod val="65000"/>
-        <a:lumOff val="35000"/>
-      </a:schemeClr>
-    </cs:fontRef>
-    <cs:defRPr sz="1197" kern="1200"/>
-  </cs:seriesAxis>
-  <cs:seriesLine>
-    <cs:lnRef idx="0"/>
-    <cs:fillRef idx="0"/>
-    <cs:effectRef idx="0"/>
-    <cs:fontRef idx="minor">
-      <a:schemeClr val="tx1"/>
-    </cs:fontRef>
-    <cs:spPr>
-      <a:ln w="9525" cap="flat" cmpd="sng" algn="ctr">
-        <a:solidFill>
-          <a:schemeClr val="tx1">
-            <a:lumMod val="35000"/>
-            <a:lumOff val="65000"/>
-          </a:schemeClr>
-        </a:solidFill>
-        <a:round/>
-      </a:ln>
-    </cs:spPr>
-  </cs:seriesLine>
-  <cs:title>
-    <cs:lnRef idx="0"/>
-    <cs:fillRef idx="0"/>
-    <cs:effectRef idx="0"/>
-    <cs:fontRef idx="minor">
-      <a:schemeClr val="tx1">
-        <a:lumMod val="65000"/>
-        <a:lumOff val="35000"/>
-      </a:schemeClr>
-    </cs:fontRef>
-    <cs:defRPr sz="1862" b="0" kern="1200" spc="0" baseline="0"/>
-  </cs:title>
-  <cs:trendline>
-    <cs:lnRef idx="0">
-      <cs:styleClr val="auto"/>
-    </cs:lnRef>
-    <cs:fillRef idx="0"/>
-    <cs:effectRef idx="0"/>
-    <cs:fontRef idx="minor">
-      <a:schemeClr val="tx1"/>
-    </cs:fontRef>
-    <cs:spPr>
-      <a:ln w="19050" cap="rnd">
-        <a:solidFill>
-          <a:schemeClr val="phClr"/>
-        </a:solidFill>
-        <a:prstDash val="sysDot"/>
-      </a:ln>
-    </cs:spPr>
-  </cs:trendline>
-  <cs:trendlineLabel>
-    <cs:lnRef idx="0"/>
-    <cs:fillRef idx="0"/>
-    <cs:effectRef idx="0"/>
-    <cs:fontRef idx="minor">
-      <a:schemeClr val="tx1">
-        <a:lumMod val="65000"/>
-        <a:lumOff val="35000"/>
-      </a:schemeClr>
-    </cs:fontRef>
-    <cs:defRPr sz="1197" kern="1200"/>
-  </cs:trendlineLabel>
-  <cs:upBar>
-    <cs:lnRef idx="0"/>
-    <cs:fillRef idx="0"/>
-    <cs:effectRef idx="0"/>
-    <cs:fontRef idx="minor">
-      <a:schemeClr val="dk1"/>
-    </cs:fontRef>
-    <cs:spPr>
-      <a:solidFill>
-        <a:schemeClr val="lt1"/>
-      </a:solidFill>
-      <a:ln w="9525">
-        <a:solidFill>
-          <a:schemeClr val="tx1">
-            <a:lumMod val="15000"/>
-            <a:lumOff val="85000"/>
-          </a:schemeClr>
-        </a:solidFill>
-      </a:ln>
-    </cs:spPr>
-  </cs:upBar>
-  <cs:valueAxis>
-    <cs:lnRef idx="0"/>
-    <cs:fillRef idx="0"/>
-    <cs:effectRef idx="0"/>
-    <cs:fontRef idx="minor">
-      <a:schemeClr val="tx1">
-        <a:lumMod val="65000"/>
-        <a:lumOff val="35000"/>
-      </a:schemeClr>
-    </cs:fontRef>
-    <cs:defRPr sz="1197" kern="1200"/>
-  </cs:valueAxis>
-  <cs:wall>
-    <cs:lnRef idx="0"/>
-    <cs:fillRef idx="0"/>
-    <cs:effectRef idx="0"/>
-    <cs:fontRef idx="minor">
-      <a:schemeClr val="tx1"/>
-    </cs:fontRef>
-    <cs:spPr>
-      <a:noFill/>
-      <a:ln>
-        <a:noFill/>
-      </a:ln>
-    </cs:spPr>
-  </cs:wall>
-</cs:chartStyle>
-</file>
-
-<file path=ppt/charts/style2.xml><?xml version="1.0" encoding="utf-8"?>
-<cs:chartStyle xmlns:cs="http://schemas.microsoft.com/office/drawing/2012/chartStyle" xmlns:a="http://schemas.openxmlformats.org/drawingml/2006/main" id="227">
-  <cs:axisTitle>
-    <cs:lnRef idx="0"/>
-    <cs:fillRef idx="0"/>
-    <cs:effectRef idx="0"/>
-    <cs:fontRef idx="minor">
-      <a:schemeClr val="tx1">
-        <a:lumMod val="65000"/>
-        <a:lumOff val="35000"/>
-      </a:schemeClr>
-    </cs:fontRef>
-    <cs:defRPr sz="1000" kern="1200"/>
-  </cs:axisTitle>
-  <cs:categoryAxis>
-    <cs:lnRef idx="0"/>
-    <cs:fillRef idx="0"/>
-    <cs:effectRef idx="0"/>
-    <cs:fontRef idx="minor">
-      <a:schemeClr val="tx1">
-        <a:lumMod val="65000"/>
-        <a:lumOff val="35000"/>
-      </a:schemeClr>
-    </cs:fontRef>
-    <cs:spPr>
-      <a:ln w="9525" cap="flat" cmpd="sng" algn="ctr">
-        <a:solidFill>
-          <a:schemeClr val="tx1">
-            <a:lumMod val="15000"/>
-            <a:lumOff val="85000"/>
-          </a:schemeClr>
-        </a:solidFill>
-        <a:round/>
-      </a:ln>
-    </cs:spPr>
-    <cs:defRPr sz="900" kern="1200"/>
-  </cs:categoryAxis>
-  <cs:chartArea mods="allowNoFillOverride allowNoLineOverride">
-    <cs:lnRef idx="0"/>
-    <cs:fillRef idx="0"/>
-    <cs:effectRef idx="0"/>
-    <cs:fontRef idx="minor">
-      <a:schemeClr val="tx1"/>
-    </cs:fontRef>
-    <cs:spPr>
-      <a:solidFill>
-        <a:schemeClr val="bg1"/>
-      </a:solidFill>
-      <a:ln w="9525" cap="flat" cmpd="sng" algn="ctr">
-        <a:solidFill>
-          <a:schemeClr val="tx1">
-            <a:lumMod val="15000"/>
-            <a:lumOff val="85000"/>
-          </a:schemeClr>
-        </a:solidFill>
-        <a:round/>
-      </a:ln>
-    </cs:spPr>
-    <cs:defRPr sz="1000" kern="1200"/>
-  </cs:chartArea>
-  <cs:dataLabel>
-    <cs:lnRef idx="0"/>
-    <cs:fillRef idx="0"/>
-    <cs:effectRef idx="0"/>
-    <cs:fontRef idx="minor">
-      <a:schemeClr val="tx1">
-        <a:lumMod val="75000"/>
-        <a:lumOff val="25000"/>
-      </a:schemeClr>
-    </cs:fontRef>
-    <cs:defRPr sz="900" kern="1200"/>
-  </cs:dataLabel>
-  <cs:dataLabelCallout>
-    <cs:lnRef idx="0"/>
-    <cs:fillRef idx="0"/>
-    <cs:effectRef idx="0"/>
-    <cs:fontRef idx="minor">
-      <a:schemeClr val="dk1">
-        <a:lumMod val="65000"/>
-        <a:lumOff val="35000"/>
-      </a:schemeClr>
-    </cs:fontRef>
-    <cs:spPr>
-      <a:solidFill>
-        <a:schemeClr val="lt1"/>
-      </a:solidFill>
-      <a:ln>
-        <a:solidFill>
-          <a:schemeClr val="dk1">
-            <a:lumMod val="25000"/>
-            <a:lumOff val="75000"/>
-          </a:schemeClr>
-        </a:solidFill>
-      </a:ln>
-    </cs:spPr>
-    <cs:defRPr sz="900" kern="1200"/>
-    <cs:bodyPr rot="0" spcFirstLastPara="1" vertOverflow="clip" horzOverflow="clip" vert="horz" wrap="square" lIns="36576" tIns="18288" rIns="36576" bIns="18288" anchor="ctr" anchorCtr="1">
-      <a:spAutoFit/>
-    </cs:bodyPr>
-  </cs:dataLabelCallout>
-  <cs:dataPoint>
-    <cs:lnRef idx="0"/>
-    <cs:fillRef idx="1">
-      <cs:styleClr val="auto"/>
-    </cs:fillRef>
-    <cs:effectRef idx="0"/>
-    <cs:fontRef idx="minor">
-      <a:schemeClr val="tx1"/>
-    </cs:fontRef>
-    <cs:spPr>
-      <a:solidFill>
-        <a:schemeClr val="phClr"/>
-      </a:solidFill>
-    </cs:spPr>
-  </cs:dataPoint>
-  <cs:dataPoint3D>
-    <cs:lnRef idx="0"/>
-    <cs:fillRef idx="1">
-      <cs:styleClr val="auto"/>
-    </cs:fillRef>
-    <cs:effectRef idx="0"/>
-    <cs:fontRef idx="minor">
-      <a:schemeClr val="tx1"/>
-    </cs:fontRef>
-    <cs:spPr>
-      <a:solidFill>
-        <a:schemeClr val="phClr"/>
-      </a:solidFill>
-    </cs:spPr>
-  </cs:dataPoint3D>
-  <cs:dataPointLine>
-    <cs:lnRef idx="0">
-      <cs:styleClr val="auto"/>
-    </cs:lnRef>
-    <cs:fillRef idx="1"/>
-    <cs:effectRef idx="0"/>
-    <cs:fontRef idx="minor">
-      <a:schemeClr val="tx1"/>
-    </cs:fontRef>
-    <cs:spPr>
-      <a:ln w="28575" cap="rnd">
-        <a:solidFill>
-          <a:schemeClr val="phClr"/>
-        </a:solidFill>
-        <a:round/>
-      </a:ln>
-    </cs:spPr>
-  </cs:dataPointLine>
-  <cs:dataPointMarker>
-    <cs:lnRef idx="0">
-      <cs:styleClr val="auto"/>
-    </cs:lnRef>
-    <cs:fillRef idx="1">
-      <cs:styleClr val="auto"/>
-    </cs:fillRef>
-    <cs:effectRef idx="0"/>
-    <cs:fontRef idx="minor">
-      <a:schemeClr val="tx1"/>
-    </cs:fontRef>
-    <cs:spPr>
-      <a:solidFill>
-        <a:schemeClr val="phClr"/>
-      </a:solidFill>
-      <a:ln w="9525">
-        <a:solidFill>
-          <a:schemeClr val="phClr"/>
-        </a:solidFill>
-      </a:ln>
-    </cs:spPr>
-  </cs:dataPointMarker>
-  <cs:dataPointMarkerLayout symbol="circle" size="5"/>
-  <cs:dataPointWireframe>
-    <cs:lnRef idx="0">
-      <cs:styleClr val="auto"/>
-    </cs:lnRef>
-    <cs:fillRef idx="1"/>
-    <cs:effectRef idx="0"/>
-    <cs:fontRef idx="minor">
-      <a:schemeClr val="tx1"/>
-    </cs:fontRef>
-    <cs:spPr>
-      <a:ln w="9525" cap="rnd">
-        <a:solidFill>
-          <a:schemeClr val="phClr"/>
-        </a:solidFill>
-        <a:round/>
-      </a:ln>
-    </cs:spPr>
-  </cs:dataPointWireframe>
-  <cs:dataTable>
-    <cs:lnRef idx="0"/>
-    <cs:fillRef idx="0"/>
-    <cs:effectRef idx="0"/>
-    <cs:fontRef idx="minor">
-      <a:schemeClr val="tx1">
-        <a:lumMod val="65000"/>
-        <a:lumOff val="35000"/>
-      </a:schemeClr>
-    </cs:fontRef>
-    <cs:spPr>
-      <a:noFill/>
-      <a:ln w="9525" cap="flat" cmpd="sng" algn="ctr">
-        <a:solidFill>
-          <a:schemeClr val="tx1">
-            <a:lumMod val="15000"/>
-            <a:lumOff val="85000"/>
-          </a:schemeClr>
-        </a:solidFill>
-        <a:round/>
-      </a:ln>
-    </cs:spPr>
-    <cs:defRPr sz="900" kern="1200"/>
-  </cs:dataTable>
-  <cs:downBar>
-    <cs:lnRef idx="0"/>
-    <cs:fillRef idx="0"/>
-    <cs:effectRef idx="0"/>
-    <cs:fontRef idx="minor">
-      <a:schemeClr val="dk1"/>
-    </cs:fontRef>
-    <cs:spPr>
-      <a:solidFill>
-        <a:schemeClr val="dk1">
-          <a:lumMod val="65000"/>
-          <a:lumOff val="35000"/>
-        </a:schemeClr>
-      </a:solidFill>
-      <a:ln w="9525">
-        <a:solidFill>
-          <a:schemeClr val="tx1">
-            <a:lumMod val="65000"/>
-            <a:lumOff val="35000"/>
-          </a:schemeClr>
-        </a:solidFill>
-      </a:ln>
-    </cs:spPr>
-  </cs:downBar>
-  <cs:dropLine>
-    <cs:lnRef idx="0"/>
-    <cs:fillRef idx="0"/>
-    <cs:effectRef idx="0"/>
-    <cs:fontRef idx="minor">
-      <a:schemeClr val="tx1"/>
-    </cs:fontRef>
-    <cs:spPr>
-      <a:ln w="9525" cap="flat" cmpd="sng" algn="ctr">
-        <a:solidFill>
-          <a:schemeClr val="tx1">
-            <a:lumMod val="35000"/>
-            <a:lumOff val="65000"/>
-          </a:schemeClr>
-        </a:solidFill>
-        <a:round/>
-      </a:ln>
-    </cs:spPr>
-  </cs:dropLine>
-  <cs:errorBar>
-    <cs:lnRef idx="0"/>
-    <cs:fillRef idx="0"/>
-    <cs:effectRef idx="0"/>
-    <cs:fontRef idx="minor">
-      <a:schemeClr val="tx1"/>
-    </cs:fontRef>
-    <cs:spPr>
-      <a:ln w="9525" cap="flat" cmpd="sng" algn="ctr">
-        <a:solidFill>
-          <a:schemeClr val="tx1">
-            <a:lumMod val="65000"/>
-            <a:lumOff val="35000"/>
-          </a:schemeClr>
-        </a:solidFill>
-        <a:round/>
-      </a:ln>
-    </cs:spPr>
-  </cs:errorBar>
-  <cs:floor>
-    <cs:lnRef idx="0"/>
-    <cs:fillRef idx="0"/>
-    <cs:effectRef idx="0"/>
-    <cs:fontRef idx="minor">
-      <a:schemeClr val="tx1"/>
-    </cs:fontRef>
-    <cs:spPr>
-      <a:noFill/>
-      <a:ln>
-        <a:noFill/>
-      </a:ln>
-    </cs:spPr>
-  </cs:floor>
-  <cs:gridlineMajor>
-    <cs:lnRef idx="0"/>
-    <cs:fillRef idx="0"/>
-    <cs:effectRef idx="0"/>
-    <cs:fontRef idx="minor">
-      <a:schemeClr val="tx1"/>
-    </cs:fontRef>
-    <cs:spPr>
-      <a:ln w="9525" cap="flat" cmpd="sng" algn="ctr">
-        <a:solidFill>
-          <a:schemeClr val="tx1">
-            <a:lumMod val="15000"/>
-            <a:lumOff val="85000"/>
-          </a:schemeClr>
-        </a:solidFill>
-        <a:round/>
-      </a:ln>
-    </cs:spPr>
-  </cs:gridlineMajor>
-  <cs:gridlineMinor>
-    <cs:lnRef idx="0"/>
-    <cs:fillRef idx="0"/>
-    <cs:effectRef idx="0"/>
-    <cs:fontRef idx="minor">
-      <a:schemeClr val="tx1"/>
-    </cs:fontRef>
-    <cs:spPr>
-      <a:ln w="9525" cap="flat" cmpd="sng" algn="ctr">
-        <a:solidFill>
-          <a:schemeClr val="tx1">
-            <a:lumMod val="5000"/>
-            <a:lumOff val="95000"/>
-          </a:schemeClr>
-        </a:solidFill>
-        <a:round/>
-      </a:ln>
-    </cs:spPr>
-  </cs:gridlineMinor>
-  <cs:hiLoLine>
-    <cs:lnRef idx="0"/>
-    <cs:fillRef idx="0"/>
-    <cs:effectRef idx="0"/>
-    <cs:fontRef idx="minor">
-      <a:schemeClr val="tx1"/>
-    </cs:fontRef>
-    <cs:spPr>
-      <a:ln w="9525" cap="flat" cmpd="sng" algn="ctr">
-        <a:solidFill>
-          <a:schemeClr val="tx1">
-            <a:lumMod val="75000"/>
-            <a:lumOff val="25000"/>
-          </a:schemeClr>
-        </a:solidFill>
-        <a:round/>
-      </a:ln>
-    </cs:spPr>
-  </cs:hiLoLine>
-  <cs:leaderLine>
-    <cs:lnRef idx="0"/>
-    <cs:fillRef idx="0"/>
-    <cs:effectRef idx="0"/>
-    <cs:fontRef idx="minor">
-      <a:schemeClr val="tx1"/>
-    </cs:fontRef>
-    <cs:spPr>
-      <a:ln w="9525" cap="flat" cmpd="sng" algn="ctr">
-        <a:solidFill>
-          <a:schemeClr val="tx1">
-            <a:lumMod val="35000"/>
-            <a:lumOff val="65000"/>
-          </a:schemeClr>
-        </a:solidFill>
-        <a:round/>
-      </a:ln>
-    </cs:spPr>
-  </cs:leaderLine>
-  <cs:legend>
-    <cs:lnRef idx="0"/>
-    <cs:fillRef idx="0"/>
-    <cs:effectRef idx="0"/>
-    <cs:fontRef idx="minor">
-      <a:schemeClr val="tx1">
-        <a:lumMod val="65000"/>
-        <a:lumOff val="35000"/>
-      </a:schemeClr>
-    </cs:fontRef>
-    <cs:defRPr sz="900" kern="1200"/>
-  </cs:legend>
-  <cs:plotArea mods="allowNoFillOverride allowNoLineOverride">
-    <cs:lnRef idx="0"/>
-    <cs:fillRef idx="0"/>
-    <cs:effectRef idx="0"/>
-    <cs:fontRef idx="minor">
-      <a:schemeClr val="tx1"/>
-    </cs:fontRef>
-  </cs:plotArea>
-  <cs:plotArea3D mods="allowNoFillOverride allowNoLineOverride">
-    <cs:lnRef idx="0"/>
-    <cs:fillRef idx="0"/>
-    <cs:effectRef idx="0"/>
-    <cs:fontRef idx="minor">
-      <a:schemeClr val="tx1"/>
-    </cs:fontRef>
-  </cs:plotArea3D>
-  <cs:seriesAxis>
-    <cs:lnRef idx="0"/>
-    <cs:fillRef idx="0"/>
-    <cs:effectRef idx="0"/>
-    <cs:fontRef idx="minor">
-      <a:schemeClr val="tx1">
-        <a:lumMod val="65000"/>
-        <a:lumOff val="35000"/>
-      </a:schemeClr>
-    </cs:fontRef>
-    <cs:defRPr sz="900" kern="1200"/>
-  </cs:seriesAxis>
-  <cs:seriesLine>
-    <cs:lnRef idx="0"/>
-    <cs:fillRef idx="0"/>
-    <cs:effectRef idx="0"/>
-    <cs:fontRef idx="minor">
-      <a:schemeClr val="tx1"/>
-    </cs:fontRef>
-    <cs:spPr>
-      <a:ln w="9525" cap="flat" cmpd="sng" algn="ctr">
-        <a:solidFill>
-          <a:schemeClr val="tx1">
-            <a:lumMod val="35000"/>
-            <a:lumOff val="65000"/>
-          </a:schemeClr>
-        </a:solidFill>
-        <a:round/>
-      </a:ln>
-    </cs:spPr>
-  </cs:seriesLine>
-  <cs:title>
-    <cs:lnRef idx="0"/>
-    <cs:fillRef idx="0"/>
-    <cs:effectRef idx="0"/>
-    <cs:fontRef idx="minor">
-      <a:schemeClr val="tx1">
-        <a:lumMod val="65000"/>
-        <a:lumOff val="35000"/>
-      </a:schemeClr>
-    </cs:fontRef>
-    <cs:defRPr sz="1400" b="0" kern="1200" spc="0" baseline="0"/>
-  </cs:title>
-  <cs:trendline>
-    <cs:lnRef idx="0">
-      <cs:styleClr val="auto"/>
-    </cs:lnRef>
-    <cs:fillRef idx="0"/>
-    <cs:effectRef idx="0"/>
-    <cs:fontRef idx="minor">
-      <a:schemeClr val="tx1"/>
-    </cs:fontRef>
-    <cs:spPr>
-      <a:ln w="19050" cap="rnd">
-        <a:solidFill>
-          <a:schemeClr val="phClr"/>
-        </a:solidFill>
-        <a:prstDash val="sysDot"/>
-      </a:ln>
-    </cs:spPr>
-  </cs:trendline>
-  <cs:trendlineLabel>
-    <cs:lnRef idx="0"/>
-    <cs:fillRef idx="0"/>
-    <cs:effectRef idx="0"/>
-    <cs:fontRef idx="minor">
-      <a:schemeClr val="tx1">
-        <a:lumMod val="65000"/>
-        <a:lumOff val="35000"/>
-      </a:schemeClr>
-    </cs:fontRef>
-    <cs:defRPr sz="900" kern="1200"/>
-  </cs:trendlineLabel>
-  <cs:upBar>
-    <cs:lnRef idx="0"/>
-    <cs:fillRef idx="0"/>
-    <cs:effectRef idx="0"/>
-    <cs:fontRef idx="minor">
-      <a:schemeClr val="dk1"/>
-    </cs:fontRef>
-    <cs:spPr>
-      <a:solidFill>
-        <a:schemeClr val="lt1"/>
-      </a:solidFill>
-      <a:ln w="9525">
-        <a:solidFill>
-          <a:schemeClr val="tx1">
-            <a:lumMod val="15000"/>
-            <a:lumOff val="85000"/>
-          </a:schemeClr>
-        </a:solidFill>
-      </a:ln>
-    </cs:spPr>
-  </cs:upBar>
-  <cs:valueAxis>
-    <cs:lnRef idx="0"/>
-    <cs:fillRef idx="0"/>
-    <cs:effectRef idx="0"/>
-    <cs:fontRef idx="minor">
-      <a:schemeClr val="tx1">
-        <a:lumMod val="65000"/>
-        <a:lumOff val="35000"/>
-      </a:schemeClr>
-    </cs:fontRef>
-    <cs:defRPr sz="900" kern="1200"/>
-  </cs:valueAxis>
-  <cs:wall>
-    <cs:lnRef idx="0"/>
-    <cs:fillRef idx="0"/>
-    <cs:effectRef idx="0"/>
-    <cs:fontRef idx="minor">
-      <a:schemeClr val="tx1"/>
-    </cs:fontRef>
-    <cs:spPr>
-      <a:noFill/>
-      <a:ln>
-        <a:noFill/>
-      </a:ln>
-    </cs:spPr>
-  </cs:wall>
-</cs:chartStyle>
 </file>
 
 <file path=ppt/slideLayouts/slideLayout1.xml><?xml version="1.0" encoding="utf-8"?>
@@ -2720,7 +390,7 @@
           <a:p>
             <a:fld id="{03953C3F-D36F-4B1A-A959-B36391D1B06D}" type="datetimeFigureOut">
               <a:rPr lang="en-US" smtClean="0"/>
-              <a:t>3/2/2016</a:t>
+              <a:t>3/22/2016</a:t>
             </a:fld>
             <a:endParaRPr lang="en-US" dirty="0"/>
           </a:p>
@@ -3134,7 +804,7 @@
           <a:p>
             <a:fld id="{03953C3F-D36F-4B1A-A959-B36391D1B06D}" type="datetimeFigureOut">
               <a:rPr lang="en-US" smtClean="0"/>
-              <a:t>3/2/2016</a:t>
+              <a:t>3/22/2016</a:t>
             </a:fld>
             <a:endParaRPr lang="en-US" dirty="0"/>
           </a:p>
@@ -3470,7 +1140,7 @@
           <a:p>
             <a:fld id="{03953C3F-D36F-4B1A-A959-B36391D1B06D}" type="datetimeFigureOut">
               <a:rPr lang="en-US" smtClean="0"/>
-              <a:t>3/2/2016</a:t>
+              <a:t>3/22/2016</a:t>
             </a:fld>
             <a:endParaRPr lang="en-US" dirty="0"/>
           </a:p>
@@ -3875,7 +1545,7 @@
           <a:p>
             <a:fld id="{03953C3F-D36F-4B1A-A959-B36391D1B06D}" type="datetimeFigureOut">
               <a:rPr lang="en-US" smtClean="0"/>
-              <a:t>3/2/2016</a:t>
+              <a:t>3/22/2016</a:t>
             </a:fld>
             <a:endParaRPr lang="en-US" dirty="0"/>
           </a:p>
@@ -4443,7 +2113,7 @@
           <a:p>
             <a:fld id="{03953C3F-D36F-4B1A-A959-B36391D1B06D}" type="datetimeFigureOut">
               <a:rPr lang="en-US" smtClean="0"/>
-              <a:t>3/2/2016</a:t>
+              <a:t>3/22/2016</a:t>
             </a:fld>
             <a:endParaRPr lang="en-US" dirty="0"/>
           </a:p>
@@ -5124,7 +2794,7 @@
           <a:p>
             <a:fld id="{03953C3F-D36F-4B1A-A959-B36391D1B06D}" type="datetimeFigureOut">
               <a:rPr lang="en-US" smtClean="0"/>
-              <a:t>3/2/2016</a:t>
+              <a:t>3/22/2016</a:t>
             </a:fld>
             <a:endParaRPr lang="en-US" dirty="0"/>
           </a:p>
@@ -6037,7 +3707,7 @@
           <a:p>
             <a:fld id="{03953C3F-D36F-4B1A-A959-B36391D1B06D}" type="datetimeFigureOut">
               <a:rPr lang="en-US" smtClean="0"/>
-              <a:t>3/2/2016</a:t>
+              <a:t>3/22/2016</a:t>
             </a:fld>
             <a:endParaRPr lang="en-US" dirty="0"/>
           </a:p>
@@ -6350,7 +4020,7 @@
           <a:p>
             <a:fld id="{03953C3F-D36F-4B1A-A959-B36391D1B06D}" type="datetimeFigureOut">
               <a:rPr lang="en-US" smtClean="0"/>
-              <a:t>3/2/2016</a:t>
+              <a:t>3/22/2016</a:t>
             </a:fld>
             <a:endParaRPr lang="en-US" dirty="0"/>
           </a:p>
@@ -6614,7 +4284,7 @@
           <a:p>
             <a:fld id="{03953C3F-D36F-4B1A-A959-B36391D1B06D}" type="datetimeFigureOut">
               <a:rPr lang="en-US" smtClean="0"/>
-              <a:t>3/2/2016</a:t>
+              <a:t>3/22/2016</a:t>
             </a:fld>
             <a:endParaRPr lang="en-US" dirty="0"/>
           </a:p>
@@ -6937,7 +4607,7 @@
           <a:p>
             <a:fld id="{03953C3F-D36F-4B1A-A959-B36391D1B06D}" type="datetimeFigureOut">
               <a:rPr lang="en-US" smtClean="0"/>
-              <a:t>3/2/2016</a:t>
+              <a:t>3/22/2016</a:t>
             </a:fld>
             <a:endParaRPr lang="en-US" dirty="0"/>
           </a:p>
@@ -7326,7 +4996,7 @@
           <a:p>
             <a:fld id="{03953C3F-D36F-4B1A-A959-B36391D1B06D}" type="datetimeFigureOut">
               <a:rPr lang="en-US" smtClean="0"/>
-              <a:t>3/2/2016</a:t>
+              <a:t>3/22/2016</a:t>
             </a:fld>
             <a:endParaRPr lang="en-US" dirty="0"/>
           </a:p>
@@ -7702,7 +5372,7 @@
           <a:p>
             <a:fld id="{03953C3F-D36F-4B1A-A959-B36391D1B06D}" type="datetimeFigureOut">
               <a:rPr lang="en-US" smtClean="0"/>
-              <a:t>3/2/2016</a:t>
+              <a:t>3/22/2016</a:t>
             </a:fld>
             <a:endParaRPr lang="en-US" dirty="0"/>
           </a:p>
@@ -8208,7 +5878,7 @@
           <a:p>
             <a:fld id="{03953C3F-D36F-4B1A-A959-B36391D1B06D}" type="datetimeFigureOut">
               <a:rPr lang="en-US" smtClean="0"/>
-              <a:t>3/2/2016</a:t>
+              <a:t>3/22/2016</a:t>
             </a:fld>
             <a:endParaRPr lang="en-US" dirty="0"/>
           </a:p>
@@ -8465,7 +6135,7 @@
           <a:p>
             <a:fld id="{03953C3F-D36F-4B1A-A959-B36391D1B06D}" type="datetimeFigureOut">
               <a:rPr lang="en-US" smtClean="0"/>
-              <a:t>3/2/2016</a:t>
+              <a:t>3/22/2016</a:t>
             </a:fld>
             <a:endParaRPr lang="en-US" dirty="0"/>
           </a:p>
@@ -8628,7 +6298,7 @@
           <a:p>
             <a:fld id="{03953C3F-D36F-4B1A-A959-B36391D1B06D}" type="datetimeFigureOut">
               <a:rPr lang="en-US" smtClean="0"/>
-              <a:t>3/2/2016</a:t>
+              <a:t>3/22/2016</a:t>
             </a:fld>
             <a:endParaRPr lang="en-US" dirty="0"/>
           </a:p>
@@ -9018,7 +6688,7 @@
           <a:p>
             <a:fld id="{03953C3F-D36F-4B1A-A959-B36391D1B06D}" type="datetimeFigureOut">
               <a:rPr lang="en-US" smtClean="0"/>
-              <a:t>3/2/2016</a:t>
+              <a:t>3/22/2016</a:t>
             </a:fld>
             <a:endParaRPr lang="en-US" dirty="0"/>
           </a:p>
@@ -9427,7 +7097,7 @@
           <a:p>
             <a:fld id="{03953C3F-D36F-4B1A-A959-B36391D1B06D}" type="datetimeFigureOut">
               <a:rPr lang="en-US" smtClean="0"/>
-              <a:t>3/2/2016</a:t>
+              <a:t>3/22/2016</a:t>
             </a:fld>
             <a:endParaRPr lang="en-US" dirty="0"/>
           </a:p>
@@ -9671,7 +7341,7 @@
           <a:p>
             <a:fld id="{03953C3F-D36F-4B1A-A959-B36391D1B06D}" type="datetimeFigureOut">
               <a:rPr lang="en-US" smtClean="0"/>
-              <a:t>3/2/2016</a:t>
+              <a:t>3/22/2016</a:t>
             </a:fld>
             <a:endParaRPr lang="en-US" dirty="0"/>
           </a:p>
@@ -10099,7 +7769,7 @@
           <a:p>
             <a:r>
               <a:rPr lang="en-US" dirty="0" smtClean="0"/>
-              <a:t>Data Mining Project 1</a:t>
+              <a:t>Data Mining Project 2</a:t>
             </a:r>
             <a:endParaRPr lang="en-US" dirty="0"/>
           </a:p>
@@ -10154,270 +7824,6 @@
 </p:sld>
 </file>
 
-<file path=ppt/slides/slide10.xml><?xml version="1.0" encoding="utf-8"?>
-<p:sld xmlns:a="http://schemas.openxmlformats.org/drawingml/2006/main" xmlns:r="http://schemas.openxmlformats.org/officeDocument/2006/relationships" xmlns:p="http://schemas.openxmlformats.org/presentationml/2006/main">
-  <p:cSld>
-    <p:spTree>
-      <p:nvGrpSpPr>
-        <p:cNvPr id="1" name=""/>
-        <p:cNvGrpSpPr/>
-        <p:nvPr/>
-      </p:nvGrpSpPr>
-      <p:grpSpPr>
-        <a:xfrm>
-          <a:off x="0" y="0"/>
-          <a:ext cx="0" cy="0"/>
-          <a:chOff x="0" y="0"/>
-          <a:chExt cx="0" cy="0"/>
-        </a:xfrm>
-      </p:grpSpPr>
-      <p:sp>
-        <p:nvSpPr>
-          <p:cNvPr id="2" name="Title 1"/>
-          <p:cNvSpPr>
-            <a:spLocks noGrp="1"/>
-          </p:cNvSpPr>
-          <p:nvPr>
-            <p:ph type="title"/>
-          </p:nvPr>
-        </p:nvSpPr>
-        <p:spPr/>
-        <p:txBody>
-          <a:bodyPr/>
-          <a:lstStyle/>
-          <a:p>
-            <a:r>
-              <a:rPr lang="en-US" dirty="0" smtClean="0"/>
-              <a:t>ANTN200 Results</a:t>
-            </a:r>
-            <a:endParaRPr lang="en-US" dirty="0"/>
-          </a:p>
-        </p:txBody>
-      </p:sp>
-      <p:sp>
-        <p:nvSpPr>
-          <p:cNvPr id="3" name="Content Placeholder 2"/>
-          <p:cNvSpPr>
-            <a:spLocks noGrp="1"/>
-          </p:cNvSpPr>
-          <p:nvPr>
-            <p:ph idx="1"/>
-          </p:nvPr>
-        </p:nvSpPr>
-        <p:spPr/>
-        <p:txBody>
-          <a:bodyPr/>
-          <a:lstStyle/>
-          <a:p>
-            <a:pPr marL="228600" lvl="1">
-              <a:spcBef>
-                <a:spcPts val="1000"/>
-              </a:spcBef>
-            </a:pPr>
-            <a:r>
-              <a:rPr lang="en-US" sz="2800" dirty="0"/>
-              <a:t>Centroid</a:t>
-            </a:r>
-          </a:p>
-          <a:p>
-            <a:pPr marL="685800" lvl="2">
-              <a:spcBef>
-                <a:spcPts val="1000"/>
-              </a:spcBef>
-            </a:pPr>
-            <a:r>
-              <a:rPr lang="en-US" sz="2400" dirty="0"/>
-              <a:t>100% classified correctly</a:t>
-            </a:r>
-          </a:p>
-          <a:p>
-            <a:endParaRPr lang="en-US" dirty="0" smtClean="0"/>
-          </a:p>
-          <a:p>
-            <a:r>
-              <a:rPr lang="en-US" dirty="0" smtClean="0"/>
-              <a:t>Linear Regression</a:t>
-            </a:r>
-          </a:p>
-          <a:p>
-            <a:pPr lvl="1"/>
-            <a:r>
-              <a:rPr lang="en-US" dirty="0"/>
-              <a:t>100% classified </a:t>
-            </a:r>
-            <a:r>
-              <a:rPr lang="en-US" dirty="0" smtClean="0"/>
-              <a:t>correctly</a:t>
-            </a:r>
-            <a:endParaRPr lang="en-US" dirty="0"/>
-          </a:p>
-        </p:txBody>
-      </p:sp>
-    </p:spTree>
-    <p:extLst>
-      <p:ext uri="{BB962C8B-B14F-4D97-AF65-F5344CB8AC3E}">
-        <p14:creationId xmlns:p14="http://schemas.microsoft.com/office/powerpoint/2010/main" val="1726233385"/>
-      </p:ext>
-    </p:extLst>
-  </p:cSld>
-  <p:clrMapOvr>
-    <a:masterClrMapping/>
-  </p:clrMapOvr>
-  <p:timing>
-    <p:tnLst>
-      <p:par>
-        <p:cTn id="1" dur="indefinite" restart="never" nodeType="tmRoot"/>
-      </p:par>
-    </p:tnLst>
-  </p:timing>
-</p:sld>
-</file>
-
-<file path=ppt/slides/slide11.xml><?xml version="1.0" encoding="utf-8"?>
-<p:sld xmlns:a="http://schemas.openxmlformats.org/drawingml/2006/main" xmlns:r="http://schemas.openxmlformats.org/officeDocument/2006/relationships" xmlns:p="http://schemas.openxmlformats.org/presentationml/2006/main">
-  <p:cSld>
-    <p:spTree>
-      <p:nvGrpSpPr>
-        <p:cNvPr id="1" name=""/>
-        <p:cNvGrpSpPr/>
-        <p:nvPr/>
-      </p:nvGrpSpPr>
-      <p:grpSpPr>
-        <a:xfrm>
-          <a:off x="0" y="0"/>
-          <a:ext cx="0" cy="0"/>
-          <a:chOff x="0" y="0"/>
-          <a:chExt cx="0" cy="0"/>
-        </a:xfrm>
-      </p:grpSpPr>
-      <p:sp>
-        <p:nvSpPr>
-          <p:cNvPr id="2" name="Title 1"/>
-          <p:cNvSpPr>
-            <a:spLocks noGrp="1"/>
-          </p:cNvSpPr>
-          <p:nvPr>
-            <p:ph type="title"/>
-          </p:nvPr>
-        </p:nvSpPr>
-        <p:spPr/>
-        <p:txBody>
-          <a:bodyPr/>
-          <a:lstStyle/>
-          <a:p>
-            <a:r>
-              <a:rPr lang="en-US" dirty="0" smtClean="0"/>
-              <a:t>ATNT200 Results (</a:t>
-            </a:r>
-            <a:r>
-              <a:rPr lang="en-US" dirty="0" err="1" smtClean="0"/>
-              <a:t>Cont</a:t>
-            </a:r>
-            <a:r>
-              <a:rPr lang="en-US" dirty="0" smtClean="0"/>
-              <a:t>)</a:t>
-            </a:r>
-            <a:endParaRPr lang="en-US" dirty="0"/>
-          </a:p>
-        </p:txBody>
-      </p:sp>
-      <p:graphicFrame>
-        <p:nvGraphicFramePr>
-          <p:cNvPr id="4" name="Chart 3"/>
-          <p:cNvGraphicFramePr>
-            <a:graphicFrameLocks/>
-          </p:cNvGraphicFramePr>
-          <p:nvPr>
-            <p:extLst>
-              <p:ext uri="{D42A27DB-BD31-4B8C-83A1-F6EECF244321}">
-                <p14:modId xmlns:p14="http://schemas.microsoft.com/office/powerpoint/2010/main" val="1124569852"/>
-              </p:ext>
-            </p:extLst>
-          </p:nvPr>
-        </p:nvGraphicFramePr>
-        <p:xfrm>
-          <a:off x="493058" y="1940858"/>
-          <a:ext cx="9977717" cy="4917141"/>
-        </p:xfrm>
-        <a:graphic>
-          <a:graphicData uri="http://schemas.openxmlformats.org/drawingml/2006/chart">
-            <c:chart xmlns:c="http://schemas.openxmlformats.org/drawingml/2006/chart" xmlns:r="http://schemas.openxmlformats.org/officeDocument/2006/relationships" r:id="rId2"/>
-          </a:graphicData>
-        </a:graphic>
-      </p:graphicFrame>
-    </p:spTree>
-    <p:extLst>
-      <p:ext uri="{BB962C8B-B14F-4D97-AF65-F5344CB8AC3E}">
-        <p14:creationId xmlns:p14="http://schemas.microsoft.com/office/powerpoint/2010/main" val="1696358199"/>
-      </p:ext>
-    </p:extLst>
-  </p:cSld>
-  <p:clrMapOvr>
-    <a:masterClrMapping/>
-  </p:clrMapOvr>
-  <p:timing>
-    <p:tnLst>
-      <p:par>
-        <p:cTn id="1" dur="indefinite" restart="never" nodeType="tmRoot"/>
-      </p:par>
-    </p:tnLst>
-  </p:timing>
-</p:sld>
-</file>
-
-<file path=ppt/slides/slide12.xml><?xml version="1.0" encoding="utf-8"?>
-<p:sld xmlns:a="http://schemas.openxmlformats.org/drawingml/2006/main" xmlns:r="http://schemas.openxmlformats.org/officeDocument/2006/relationships" xmlns:p="http://schemas.openxmlformats.org/presentationml/2006/main">
-  <p:cSld>
-    <p:spTree>
-      <p:nvGrpSpPr>
-        <p:cNvPr id="1" name=""/>
-        <p:cNvGrpSpPr/>
-        <p:nvPr/>
-      </p:nvGrpSpPr>
-      <p:grpSpPr>
-        <a:xfrm>
-          <a:off x="0" y="0"/>
-          <a:ext cx="0" cy="0"/>
-          <a:chOff x="0" y="0"/>
-          <a:chExt cx="0" cy="0"/>
-        </a:xfrm>
-      </p:grpSpPr>
-      <p:sp>
-        <p:nvSpPr>
-          <p:cNvPr id="2" name="Title 1"/>
-          <p:cNvSpPr>
-            <a:spLocks noGrp="1"/>
-          </p:cNvSpPr>
-          <p:nvPr>
-            <p:ph type="title"/>
-          </p:nvPr>
-        </p:nvSpPr>
-        <p:spPr/>
-        <p:txBody>
-          <a:bodyPr/>
-          <a:lstStyle/>
-          <a:p>
-            <a:r>
-              <a:rPr lang="en-US" dirty="0" smtClean="0"/>
-              <a:t>Demo</a:t>
-            </a:r>
-            <a:endParaRPr lang="en-US" dirty="0"/>
-          </a:p>
-        </p:txBody>
-      </p:sp>
-    </p:spTree>
-    <p:extLst>
-      <p:ext uri="{BB962C8B-B14F-4D97-AF65-F5344CB8AC3E}">
-        <p14:creationId xmlns:p14="http://schemas.microsoft.com/office/powerpoint/2010/main" val="1106094050"/>
-      </p:ext>
-    </p:extLst>
-  </p:cSld>
-  <p:clrMapOvr>
-    <a:masterClrMapping/>
-  </p:clrMapOvr>
-</p:sld>
-</file>
-
 <file path=ppt/slides/slide2.xml><?xml version="1.0" encoding="utf-8"?>
 <p:sld xmlns:a="http://schemas.openxmlformats.org/drawingml/2006/main" xmlns:r="http://schemas.openxmlformats.org/officeDocument/2006/relationships" xmlns:p="http://schemas.openxmlformats.org/presentationml/2006/main">
   <p:cSld>
@@ -10452,9 +7858,17 @@
           <a:p>
             <a:r>
               <a:rPr lang="en-US" dirty="0" smtClean="0"/>
-              <a:t>Algorithms</a:t>
-            </a:r>
-            <a:endParaRPr lang="en-US" dirty="0"/>
+              <a:t>Dataset </a:t>
+            </a:r>
+            <a:r>
+              <a:rPr lang="en-US" dirty="0"/>
+              <a:t>– </a:t>
+            </a:r>
+            <a:r>
+              <a:rPr lang="en-US" i="1" dirty="0" smtClean="0"/>
+              <a:t>ATNTFaceImages400.txt</a:t>
+            </a:r>
+            <a:endParaRPr lang="en-US" i="1" dirty="0"/>
           </a:p>
         </p:txBody>
       </p:sp>
@@ -10473,56 +7887,64 @@
           <a:bodyPr/>
           <a:lstStyle/>
           <a:p>
-            <a:pPr marL="0" indent="0">
-              <a:buNone/>
-            </a:pPr>
             <a:r>
               <a:rPr lang="en-US" dirty="0" smtClean="0"/>
-              <a:t>K-nearest neighbors</a:t>
+              <a:t>400 data points</a:t>
             </a:r>
           </a:p>
           <a:p>
             <a:pPr lvl="1"/>
             <a:r>
               <a:rPr lang="en-US" dirty="0" smtClean="0"/>
-              <a:t>Training and Classification on based on variable K, where K is identified by the number of nearest neighbors (points).</a:t>
-            </a:r>
-          </a:p>
-          <a:p>
-            <a:pPr marL="0" indent="0">
-              <a:buNone/>
-            </a:pPr>
+              <a:t>40 classes</a:t>
+            </a:r>
+          </a:p>
+          <a:p>
             <a:r>
               <a:rPr lang="en-US" dirty="0" smtClean="0"/>
-              <a:t>Centroid</a:t>
+              <a:t>644 Length vector</a:t>
             </a:r>
           </a:p>
           <a:p>
             <a:pPr lvl="1"/>
             <a:r>
               <a:rPr lang="en-US" dirty="0" smtClean="0"/>
-              <a:t>Average of all points in a classification.</a:t>
-            </a:r>
-          </a:p>
-          <a:p>
-            <a:pPr marL="0" indent="0">
-              <a:buNone/>
-            </a:pPr>
-            <a:r>
-              <a:rPr lang="en-US" dirty="0" smtClean="0"/>
-              <a:t>Linear Regression</a:t>
-            </a:r>
-          </a:p>
-          <a:p>
-            <a:pPr lvl="1"/>
-            <a:r>
-              <a:rPr lang="en-US" dirty="0" smtClean="0"/>
-              <a:t>Fitting a line or plane in a feature space in an attempt to determine the best class indicators.</a:t>
-            </a:r>
-            <a:endParaRPr lang="en-US" dirty="0"/>
-          </a:p>
-        </p:txBody>
-      </p:sp>
+              <a:t>28 x 23 sized images</a:t>
+            </a:r>
+            <a:endParaRPr lang="en-US" dirty="0"/>
+          </a:p>
+        </p:txBody>
+      </p:sp>
+      <p:pic>
+        <p:nvPicPr>
+          <p:cNvPr id="6" name="Picture 5"/>
+          <p:cNvPicPr>
+            <a:picLocks noChangeAspect="1"/>
+          </p:cNvPicPr>
+          <p:nvPr/>
+        </p:nvPicPr>
+        <p:blipFill>
+          <a:blip r:embed="rId2">
+            <a:extLst>
+              <a:ext uri="{28A0092B-C50C-407E-A947-70E740481C1C}">
+                <a14:useLocalDpi xmlns:a14="http://schemas.microsoft.com/office/drawing/2010/main" val="0"/>
+              </a:ext>
+            </a:extLst>
+          </a:blip>
+          <a:stretch>
+            <a:fillRect/>
+          </a:stretch>
+        </p:blipFill>
+        <p:spPr>
+          <a:xfrm>
+            <a:off x="5766117" y="2531979"/>
+            <a:ext cx="4671106" cy="3791043"/>
+          </a:xfrm>
+          <a:prstGeom prst="rect">
+            <a:avLst/>
+          </a:prstGeom>
+        </p:spPr>
+      </p:pic>
     </p:spTree>
     <p:extLst>
       <p:ext uri="{BB962C8B-B14F-4D97-AF65-F5344CB8AC3E}">
@@ -10577,17 +7999,17 @@
           <a:p>
             <a:r>
               <a:rPr lang="en-US" dirty="0" smtClean="0"/>
-              <a:t>Algorithms (</a:t>
-            </a:r>
-            <a:r>
-              <a:rPr lang="en-US" dirty="0" err="1" smtClean="0"/>
-              <a:t>Cont</a:t>
-            </a:r>
-            <a:r>
-              <a:rPr lang="en-US" dirty="0" smtClean="0"/>
-              <a:t>)</a:t>
-            </a:r>
-            <a:endParaRPr lang="en-US" dirty="0"/>
+              <a:t>Dataset </a:t>
+            </a:r>
+            <a:r>
+              <a:rPr lang="en-US" dirty="0"/>
+              <a:t>– </a:t>
+            </a:r>
+            <a:r>
+              <a:rPr lang="en-US" i="1" dirty="0" smtClean="0"/>
+              <a:t>HandWrittenLetters.txt</a:t>
+            </a:r>
+            <a:endParaRPr lang="en-US" i="1" dirty="0"/>
           </a:p>
         </p:txBody>
       </p:sp>
@@ -10608,43 +8030,66 @@
           <a:p>
             <a:r>
               <a:rPr lang="en-US" dirty="0" smtClean="0"/>
-              <a:t>We tested the algorithms against 2-dimensional features.</a:t>
-            </a:r>
-          </a:p>
-          <a:p>
-            <a:endParaRPr lang="en-US" dirty="0" smtClean="0"/>
-          </a:p>
-          <a:p>
+              <a:t>1,014 data points</a:t>
+            </a:r>
+          </a:p>
+          <a:p>
+            <a:pPr lvl="1"/>
             <a:r>
               <a:rPr lang="en-US" dirty="0" smtClean="0"/>
-              <a:t>The data sets included 46-dimensional feature vectors.</a:t>
-            </a:r>
-          </a:p>
-          <a:p>
-            <a:endParaRPr lang="en-US" dirty="0"/>
+              <a:t>26 classes</a:t>
+            </a:r>
           </a:p>
           <a:p>
             <a:r>
               <a:rPr lang="en-US" dirty="0" smtClean="0"/>
-              <a:t>Can these algorithms handle N-dimensional vector spaces?!</a:t>
-            </a:r>
-          </a:p>
-          <a:p>
-            <a:endParaRPr lang="en-US" dirty="0"/>
-          </a:p>
-          <a:p>
+              <a:t>644 Length vector</a:t>
+            </a:r>
+          </a:p>
+          <a:p>
+            <a:pPr lvl="1"/>
             <a:r>
               <a:rPr lang="en-US" dirty="0" smtClean="0"/>
-              <a:t>Here is some examples of what our algorithms look like on 2-dimensional features.</a:t>
-            </a:r>
-            <a:endParaRPr lang="en-US" dirty="0"/>
-          </a:p>
-        </p:txBody>
-      </p:sp>
+              <a:t>20 x 16 sized images</a:t>
+            </a:r>
+            <a:endParaRPr lang="en-US" dirty="0"/>
+          </a:p>
+        </p:txBody>
+      </p:sp>
+      <p:pic>
+        <p:nvPicPr>
+          <p:cNvPr id="4" name="Picture 3"/>
+          <p:cNvPicPr>
+            <a:picLocks noChangeAspect="1"/>
+          </p:cNvPicPr>
+          <p:nvPr/>
+        </p:nvPicPr>
+        <p:blipFill>
+          <a:blip r:embed="rId2">
+            <a:extLst>
+              <a:ext uri="{28A0092B-C50C-407E-A947-70E740481C1C}">
+                <a14:useLocalDpi xmlns:a14="http://schemas.microsoft.com/office/drawing/2010/main" val="0"/>
+              </a:ext>
+            </a:extLst>
+          </a:blip>
+          <a:stretch>
+            <a:fillRect/>
+          </a:stretch>
+        </p:blipFill>
+        <p:spPr>
+          <a:xfrm>
+            <a:off x="6927641" y="2892853"/>
+            <a:ext cx="2843376" cy="2807832"/>
+          </a:xfrm>
+          <a:prstGeom prst="rect">
+            <a:avLst/>
+          </a:prstGeom>
+        </p:spPr>
+      </p:pic>
     </p:spTree>
     <p:extLst>
       <p:ext uri="{BB962C8B-B14F-4D97-AF65-F5344CB8AC3E}">
-        <p14:creationId xmlns:p14="http://schemas.microsoft.com/office/powerpoint/2010/main" val="1650197353"/>
+        <p14:creationId xmlns:p14="http://schemas.microsoft.com/office/powerpoint/2010/main" val="1323154189"/>
       </p:ext>
     </p:extLst>
   </p:cSld>
@@ -10695,45 +8140,312 @@
           <a:p>
             <a:r>
               <a:rPr lang="en-US" dirty="0" smtClean="0"/>
-              <a:t>Results – Linear Regression</a:t>
-            </a:r>
-            <a:endParaRPr lang="en-US" dirty="0"/>
-          </a:p>
-        </p:txBody>
-      </p:sp>
-      <p:pic>
-        <p:nvPicPr>
-          <p:cNvPr id="4" name="Content Placeholder 3"/>
-          <p:cNvPicPr>
-            <a:picLocks noGrp="1" noChangeAspect="1"/>
-          </p:cNvPicPr>
-          <p:nvPr>
-            <p:ph idx="1"/>
-          </p:nvPr>
-        </p:nvPicPr>
-        <p:blipFill>
-          <a:blip r:embed="rId2">
-            <a:extLst>
-              <a:ext uri="{28A0092B-C50C-407E-A947-70E740481C1C}">
-                <a14:useLocalDpi xmlns:a14="http://schemas.microsoft.com/office/drawing/2010/main" val="0"/>
-              </a:ext>
-            </a:extLst>
-          </a:blip>
-          <a:stretch>
-            <a:fillRect/>
-          </a:stretch>
-        </p:blipFill>
-        <p:spPr>
-          <a:xfrm>
-            <a:off x="3088746" y="2336800"/>
-            <a:ext cx="4798483" cy="3598863"/>
-          </a:xfrm>
-        </p:spPr>
-      </p:pic>
+              <a:t>K-Fold Algorithm</a:t>
+            </a:r>
+            <a:endParaRPr lang="en-US" dirty="0"/>
+          </a:p>
+        </p:txBody>
+      </p:sp>
+      <mc:AlternateContent xmlns:mc="http://schemas.openxmlformats.org/markup-compatibility/2006" xmlns:a14="http://schemas.microsoft.com/office/drawing/2010/main">
+        <mc:Choice Requires="a14">
+          <p:sp>
+            <p:nvSpPr>
+              <p:cNvPr id="3" name="Content Placeholder 2"/>
+              <p:cNvSpPr>
+                <a:spLocks noGrp="1"/>
+              </p:cNvSpPr>
+              <p:nvPr>
+                <p:ph idx="1"/>
+              </p:nvPr>
+            </p:nvSpPr>
+            <p:spPr/>
+            <p:txBody>
+              <a:bodyPr/>
+              <a:lstStyle/>
+              <a:p>
+                <a:r>
+                  <a:rPr lang="en-US" dirty="0" smtClean="0"/>
+                  <a:t>Originally tested Idea of all discrete combinations</a:t>
+                </a:r>
+              </a:p>
+              <a:p>
+                <a:pPr lvl="1"/>
+                <a:r>
+                  <a:rPr lang="en-US" dirty="0" smtClean="0"/>
+                  <a:t>Results in </a:t>
+                </a:r>
+                <a14:m>
+                  <m:oMath xmlns:m="http://schemas.openxmlformats.org/officeDocument/2006/math">
+                    <m:f>
+                      <m:fPr>
+                        <m:ctrlPr>
+                          <a:rPr lang="en-US" i="1" smtClean="0">
+                            <a:latin typeface="Cambria Math"/>
+                          </a:rPr>
+                        </m:ctrlPr>
+                      </m:fPr>
+                      <m:num>
+                        <m:r>
+                          <a:rPr lang="en-US" b="0" i="1" smtClean="0">
+                            <a:latin typeface="Cambria Math"/>
+                          </a:rPr>
+                          <m:t>𝑛</m:t>
+                        </m:r>
+                        <m:r>
+                          <a:rPr lang="en-US" b="0" i="1" smtClean="0">
+                            <a:latin typeface="Cambria Math"/>
+                          </a:rPr>
+                          <m:t>!</m:t>
+                        </m:r>
+                      </m:num>
+                      <m:den>
+                        <m:r>
+                          <a:rPr lang="en-US" b="0" i="1" smtClean="0">
+                            <a:latin typeface="Cambria Math"/>
+                          </a:rPr>
+                          <m:t>𝑠</m:t>
+                        </m:r>
+                        <m:r>
+                          <a:rPr lang="en-US" b="0" i="1" smtClean="0">
+                            <a:latin typeface="Cambria Math"/>
+                          </a:rPr>
+                          <m:t>! </m:t>
+                        </m:r>
+                        <m:d>
+                          <m:dPr>
+                            <m:ctrlPr>
+                              <a:rPr lang="en-US" b="0" i="1" smtClean="0">
+                                <a:latin typeface="Cambria Math"/>
+                              </a:rPr>
+                            </m:ctrlPr>
+                          </m:dPr>
+                          <m:e>
+                            <m:r>
+                              <a:rPr lang="en-US" b="0" i="1" smtClean="0">
+                                <a:latin typeface="Cambria Math"/>
+                              </a:rPr>
+                              <m:t>𝑛</m:t>
+                            </m:r>
+                            <m:r>
+                              <a:rPr lang="en-US" b="0" i="1" smtClean="0">
+                                <a:latin typeface="Cambria Math"/>
+                              </a:rPr>
+                              <m:t>−</m:t>
+                            </m:r>
+                            <m:r>
+                              <a:rPr lang="en-US" b="0" i="1" smtClean="0">
+                                <a:latin typeface="Cambria Math"/>
+                              </a:rPr>
+                              <m:t>𝑠</m:t>
+                            </m:r>
+                          </m:e>
+                        </m:d>
+                        <m:r>
+                          <a:rPr lang="en-US" b="0" i="1" smtClean="0">
+                            <a:latin typeface="Cambria Math"/>
+                          </a:rPr>
+                          <m:t>!</m:t>
+                        </m:r>
+                      </m:den>
+                    </m:f>
+                  </m:oMath>
+                </a14:m>
+                <a:r>
+                  <a:rPr lang="en-US" dirty="0" smtClean="0"/>
+                  <a:t> subsets to test where:</a:t>
+                </a:r>
+              </a:p>
+              <a:p>
+                <a:pPr lvl="2"/>
+                <a14:m>
+                  <m:oMath xmlns:m="http://schemas.openxmlformats.org/officeDocument/2006/math">
+                    <m:r>
+                      <a:rPr lang="en-US" b="0" i="1" smtClean="0">
+                        <a:latin typeface="Cambria Math"/>
+                      </a:rPr>
+                      <m:t>𝑛</m:t>
+                    </m:r>
+                  </m:oMath>
+                </a14:m>
+                <a:r>
+                  <a:rPr lang="en-US" dirty="0" smtClean="0"/>
+                  <a:t> is the number of </a:t>
+                </a:r>
+                <a:r>
+                  <a:rPr lang="en-US" dirty="0" err="1" smtClean="0"/>
+                  <a:t>datapoints</a:t>
+                </a:r>
+                <a:endParaRPr lang="en-US" dirty="0" smtClean="0"/>
+              </a:p>
+              <a:p>
+                <a:pPr lvl="2"/>
+                <a14:m>
+                  <m:oMath xmlns:m="http://schemas.openxmlformats.org/officeDocument/2006/math">
+                    <m:r>
+                      <a:rPr lang="en-US" b="0" i="1" smtClean="0">
+                        <a:latin typeface="Cambria Math"/>
+                      </a:rPr>
+                      <m:t>𝑠</m:t>
+                    </m:r>
+                  </m:oMath>
+                </a14:m>
+                <a:r>
+                  <a:rPr lang="en-US" dirty="0"/>
+                  <a:t> </a:t>
+                </a:r>
+                <a:r>
+                  <a:rPr lang="en-US" dirty="0" smtClean="0"/>
+                  <a:t>is the subset size</a:t>
+                </a:r>
+              </a:p>
+              <a:p>
+                <a:pPr lvl="1"/>
+                <a:r>
+                  <a:rPr lang="en-US" dirty="0" smtClean="0"/>
+                  <a:t>Impractical using </a:t>
+                </a:r>
+                <a:r>
+                  <a:rPr lang="en-US" dirty="0" err="1" smtClean="0"/>
+                  <a:t>MatLab</a:t>
+                </a:r>
+                <a:endParaRPr lang="en-US" dirty="0" smtClean="0"/>
+              </a:p>
+              <a:p>
+                <a:r>
+                  <a:rPr lang="en-US" dirty="0" smtClean="0"/>
+                  <a:t>Implemented </a:t>
+                </a:r>
+                <a:r>
+                  <a:rPr lang="en-US" i="1" dirty="0" smtClean="0"/>
+                  <a:t>k</a:t>
+                </a:r>
+                <a:r>
+                  <a:rPr lang="en-US" dirty="0" smtClean="0"/>
+                  <a:t>-fold</a:t>
+                </a:r>
+              </a:p>
+              <a:p>
+                <a:pPr lvl="1"/>
+                <a:r>
+                  <a:rPr lang="en-US" dirty="0" smtClean="0"/>
+                  <a:t>Results in </a:t>
+                </a:r>
+                <a:r>
+                  <a:rPr lang="en-US" i="1" dirty="0" smtClean="0"/>
+                  <a:t>k</a:t>
+                </a:r>
+                <a:r>
+                  <a:rPr lang="en-US" dirty="0" smtClean="0"/>
+                  <a:t> subsets</a:t>
+                </a:r>
+              </a:p>
+              <a:p>
+                <a:pPr lvl="1"/>
+                <a:r>
+                  <a:rPr lang="en-US" dirty="0" smtClean="0"/>
+                  <a:t>Subsets of size </a:t>
+                </a:r>
+                <a14:m>
+                  <m:oMath xmlns:m="http://schemas.openxmlformats.org/officeDocument/2006/math">
+                    <m:r>
+                      <m:rPr>
+                        <m:sty m:val="p"/>
+                      </m:rPr>
+                      <a:rPr lang="en-US" b="0" i="0" smtClean="0">
+                        <a:latin typeface="Cambria Math"/>
+                      </a:rPr>
+                      <m:t>s</m:t>
+                    </m:r>
+                    <m:r>
+                      <a:rPr lang="en-US" b="0" i="0" smtClean="0">
+                        <a:latin typeface="Cambria Math"/>
+                      </a:rPr>
+                      <m:t>=</m:t>
+                    </m:r>
+                    <m:f>
+                      <m:fPr>
+                        <m:ctrlPr>
+                          <a:rPr lang="en-US" i="1">
+                            <a:latin typeface="Cambria Math"/>
+                          </a:rPr>
+                        </m:ctrlPr>
+                      </m:fPr>
+                      <m:num>
+                        <m:r>
+                          <a:rPr lang="en-US" i="1">
+                            <a:latin typeface="Cambria Math"/>
+                          </a:rPr>
+                          <m:t>𝑛</m:t>
+                        </m:r>
+                      </m:num>
+                      <m:den>
+                        <m:r>
+                          <a:rPr lang="en-US" b="0" i="1" smtClean="0">
+                            <a:latin typeface="Cambria Math"/>
+                          </a:rPr>
+                          <m:t>𝑘</m:t>
+                        </m:r>
+                      </m:den>
+                    </m:f>
+                  </m:oMath>
+                </a14:m>
+                <a:r>
+                  <a:rPr lang="en-US" dirty="0"/>
+                  <a:t> </a:t>
+                </a:r>
+              </a:p>
+              <a:p>
+                <a:pPr lvl="1"/>
+                <a:endParaRPr lang="en-US" dirty="0" smtClean="0"/>
+              </a:p>
+              <a:p>
+                <a:pPr lvl="1"/>
+                <a:endParaRPr lang="en-US" dirty="0" smtClean="0"/>
+              </a:p>
+              <a:p>
+                <a:endParaRPr lang="en-US" dirty="0" smtClean="0"/>
+              </a:p>
+            </p:txBody>
+          </p:sp>
+        </mc:Choice>
+        <mc:Fallback xmlns="">
+          <p:sp>
+            <p:nvSpPr>
+              <p:cNvPr id="3" name="Content Placeholder 2"/>
+              <p:cNvSpPr>
+                <a:spLocks noGrp="1" noRot="1" noChangeAspect="1" noMove="1" noResize="1" noEditPoints="1" noAdjustHandles="1" noChangeArrowheads="1" noChangeShapeType="1" noTextEdit="1"/>
+              </p:cNvSpPr>
+              <p:nvPr>
+                <p:ph idx="1"/>
+              </p:nvPr>
+            </p:nvSpPr>
+            <p:spPr>
+              <a:blipFill rotWithShape="1">
+                <a:blip r:embed="rId2"/>
+                <a:stretch>
+                  <a:fillRect l="-888" t="-2369"/>
+                </a:stretch>
+              </a:blipFill>
+            </p:spPr>
+            <p:txBody>
+              <a:bodyPr/>
+              <a:lstStyle/>
+              <a:p>
+                <a:r>
+                  <a:rPr lang="en-US">
+                    <a:noFill/>
+                  </a:rPr>
+                  <a:t> </a:t>
+                </a:r>
+              </a:p>
+            </p:txBody>
+          </p:sp>
+        </mc:Fallback>
+      </mc:AlternateContent>
     </p:spTree>
     <p:extLst>
       <p:ext uri="{BB962C8B-B14F-4D97-AF65-F5344CB8AC3E}">
-        <p14:creationId xmlns:p14="http://schemas.microsoft.com/office/powerpoint/2010/main" val="29731600"/>
+        <p14:creationId xmlns:p14="http://schemas.microsoft.com/office/powerpoint/2010/main" val="1650197353"/>
       </p:ext>
     </p:extLst>
   </p:cSld>
@@ -10784,877 +8496,312 @@
           <a:p>
             <a:r>
               <a:rPr lang="en-US" dirty="0" smtClean="0"/>
-              <a:t>Results – K-nearest Neighbors (k=3)</a:t>
-            </a:r>
-            <a:endParaRPr lang="en-US" dirty="0"/>
-          </a:p>
-        </p:txBody>
-      </p:sp>
-      <p:pic>
-        <p:nvPicPr>
-          <p:cNvPr id="6" name="Content Placeholder 5"/>
-          <p:cNvPicPr>
-            <a:picLocks noGrp="1" noChangeAspect="1"/>
-          </p:cNvPicPr>
-          <p:nvPr>
-            <p:ph idx="1"/>
-          </p:nvPr>
-        </p:nvPicPr>
-        <p:blipFill>
-          <a:blip r:embed="rId2">
-            <a:extLst>
-              <a:ext uri="{28A0092B-C50C-407E-A947-70E740481C1C}">
-                <a14:useLocalDpi xmlns:a14="http://schemas.microsoft.com/office/drawing/2010/main" val="0"/>
-              </a:ext>
-            </a:extLst>
-          </a:blip>
-          <a:stretch>
-            <a:fillRect/>
-          </a:stretch>
-        </p:blipFill>
-        <p:spPr>
-          <a:xfrm>
-            <a:off x="3088746" y="2336800"/>
-            <a:ext cx="4798483" cy="3598863"/>
-          </a:xfrm>
-        </p:spPr>
-      </p:pic>
+              <a:t>Clustering of Data</a:t>
+            </a:r>
+            <a:endParaRPr lang="en-US" dirty="0"/>
+          </a:p>
+        </p:txBody>
+      </p:sp>
+      <mc:AlternateContent xmlns:mc="http://schemas.openxmlformats.org/markup-compatibility/2006" xmlns:a14="http://schemas.microsoft.com/office/drawing/2010/main">
+        <mc:Choice Requires="a14">
+          <p:sp>
+            <p:nvSpPr>
+              <p:cNvPr id="3" name="Content Placeholder 2"/>
+              <p:cNvSpPr>
+                <a:spLocks noGrp="1"/>
+              </p:cNvSpPr>
+              <p:nvPr>
+                <p:ph idx="1"/>
+              </p:nvPr>
+            </p:nvSpPr>
+            <p:spPr/>
+            <p:txBody>
+              <a:bodyPr/>
+              <a:lstStyle/>
+              <a:p>
+                <a:r>
+                  <a:rPr lang="en-US" dirty="0" smtClean="0"/>
+                  <a:t>Originally tested Idea of all discrete combinations</a:t>
+                </a:r>
+              </a:p>
+              <a:p>
+                <a:pPr lvl="1"/>
+                <a:r>
+                  <a:rPr lang="en-US" dirty="0" smtClean="0"/>
+                  <a:t>Results in </a:t>
+                </a:r>
+                <a14:m>
+                  <m:oMath xmlns:m="http://schemas.openxmlformats.org/officeDocument/2006/math">
+                    <m:f>
+                      <m:fPr>
+                        <m:ctrlPr>
+                          <a:rPr lang="en-US" i="1" smtClean="0">
+                            <a:latin typeface="Cambria Math"/>
+                          </a:rPr>
+                        </m:ctrlPr>
+                      </m:fPr>
+                      <m:num>
+                        <m:r>
+                          <a:rPr lang="en-US" b="0" i="1" smtClean="0">
+                            <a:latin typeface="Cambria Math"/>
+                          </a:rPr>
+                          <m:t>𝑛</m:t>
+                        </m:r>
+                        <m:r>
+                          <a:rPr lang="en-US" b="0" i="1" smtClean="0">
+                            <a:latin typeface="Cambria Math"/>
+                          </a:rPr>
+                          <m:t>!</m:t>
+                        </m:r>
+                      </m:num>
+                      <m:den>
+                        <m:r>
+                          <a:rPr lang="en-US" b="0" i="1" smtClean="0">
+                            <a:latin typeface="Cambria Math"/>
+                          </a:rPr>
+                          <m:t>𝑠</m:t>
+                        </m:r>
+                        <m:r>
+                          <a:rPr lang="en-US" b="0" i="1" smtClean="0">
+                            <a:latin typeface="Cambria Math"/>
+                          </a:rPr>
+                          <m:t>! </m:t>
+                        </m:r>
+                        <m:d>
+                          <m:dPr>
+                            <m:ctrlPr>
+                              <a:rPr lang="en-US" b="0" i="1" smtClean="0">
+                                <a:latin typeface="Cambria Math"/>
+                              </a:rPr>
+                            </m:ctrlPr>
+                          </m:dPr>
+                          <m:e>
+                            <m:r>
+                              <a:rPr lang="en-US" b="0" i="1" smtClean="0">
+                                <a:latin typeface="Cambria Math"/>
+                              </a:rPr>
+                              <m:t>𝑛</m:t>
+                            </m:r>
+                            <m:r>
+                              <a:rPr lang="en-US" b="0" i="1" smtClean="0">
+                                <a:latin typeface="Cambria Math"/>
+                              </a:rPr>
+                              <m:t>−</m:t>
+                            </m:r>
+                            <m:r>
+                              <a:rPr lang="en-US" b="0" i="1" smtClean="0">
+                                <a:latin typeface="Cambria Math"/>
+                              </a:rPr>
+                              <m:t>𝑠</m:t>
+                            </m:r>
+                          </m:e>
+                        </m:d>
+                        <m:r>
+                          <a:rPr lang="en-US" b="0" i="1" smtClean="0">
+                            <a:latin typeface="Cambria Math"/>
+                          </a:rPr>
+                          <m:t>!</m:t>
+                        </m:r>
+                      </m:den>
+                    </m:f>
+                  </m:oMath>
+                </a14:m>
+                <a:r>
+                  <a:rPr lang="en-US" dirty="0" smtClean="0"/>
+                  <a:t> subsets to test where:</a:t>
+                </a:r>
+              </a:p>
+              <a:p>
+                <a:pPr lvl="2"/>
+                <a14:m>
+                  <m:oMath xmlns:m="http://schemas.openxmlformats.org/officeDocument/2006/math">
+                    <m:r>
+                      <a:rPr lang="en-US" b="0" i="1" smtClean="0">
+                        <a:latin typeface="Cambria Math"/>
+                      </a:rPr>
+                      <m:t>𝑛</m:t>
+                    </m:r>
+                  </m:oMath>
+                </a14:m>
+                <a:r>
+                  <a:rPr lang="en-US" dirty="0" smtClean="0"/>
+                  <a:t> is the number of </a:t>
+                </a:r>
+                <a:r>
+                  <a:rPr lang="en-US" dirty="0" err="1" smtClean="0"/>
+                  <a:t>datapoints</a:t>
+                </a:r>
+                <a:endParaRPr lang="en-US" dirty="0" smtClean="0"/>
+              </a:p>
+              <a:p>
+                <a:pPr lvl="2"/>
+                <a14:m>
+                  <m:oMath xmlns:m="http://schemas.openxmlformats.org/officeDocument/2006/math">
+                    <m:r>
+                      <a:rPr lang="en-US" b="0" i="1" smtClean="0">
+                        <a:latin typeface="Cambria Math"/>
+                      </a:rPr>
+                      <m:t>𝑠</m:t>
+                    </m:r>
+                  </m:oMath>
+                </a14:m>
+                <a:r>
+                  <a:rPr lang="en-US" dirty="0"/>
+                  <a:t> </a:t>
+                </a:r>
+                <a:r>
+                  <a:rPr lang="en-US" dirty="0" smtClean="0"/>
+                  <a:t>is the subset size</a:t>
+                </a:r>
+              </a:p>
+              <a:p>
+                <a:pPr lvl="1"/>
+                <a:r>
+                  <a:rPr lang="en-US" dirty="0" smtClean="0"/>
+                  <a:t>Impractical using </a:t>
+                </a:r>
+                <a:r>
+                  <a:rPr lang="en-US" dirty="0" err="1" smtClean="0"/>
+                  <a:t>MatLab</a:t>
+                </a:r>
+                <a:endParaRPr lang="en-US" dirty="0" smtClean="0"/>
+              </a:p>
+              <a:p>
+                <a:r>
+                  <a:rPr lang="en-US" dirty="0" smtClean="0"/>
+                  <a:t>Implemented </a:t>
+                </a:r>
+                <a:r>
+                  <a:rPr lang="en-US" i="1" dirty="0" smtClean="0"/>
+                  <a:t>k</a:t>
+                </a:r>
+                <a:r>
+                  <a:rPr lang="en-US" dirty="0" smtClean="0"/>
+                  <a:t>-fold</a:t>
+                </a:r>
+              </a:p>
+              <a:p>
+                <a:pPr lvl="1"/>
+                <a:r>
+                  <a:rPr lang="en-US" dirty="0" smtClean="0"/>
+                  <a:t>Results in </a:t>
+                </a:r>
+                <a:r>
+                  <a:rPr lang="en-US" i="1" dirty="0" smtClean="0"/>
+                  <a:t>k</a:t>
+                </a:r>
+                <a:r>
+                  <a:rPr lang="en-US" dirty="0" smtClean="0"/>
+                  <a:t> subsets</a:t>
+                </a:r>
+              </a:p>
+              <a:p>
+                <a:pPr lvl="1"/>
+                <a:r>
+                  <a:rPr lang="en-US" dirty="0" smtClean="0"/>
+                  <a:t>Subsets of size </a:t>
+                </a:r>
+                <a14:m>
+                  <m:oMath xmlns:m="http://schemas.openxmlformats.org/officeDocument/2006/math">
+                    <m:r>
+                      <m:rPr>
+                        <m:sty m:val="p"/>
+                      </m:rPr>
+                      <a:rPr lang="en-US" b="0" i="0" smtClean="0">
+                        <a:latin typeface="Cambria Math"/>
+                      </a:rPr>
+                      <m:t>s</m:t>
+                    </m:r>
+                    <m:r>
+                      <a:rPr lang="en-US" b="0" i="0" smtClean="0">
+                        <a:latin typeface="Cambria Math"/>
+                      </a:rPr>
+                      <m:t>=</m:t>
+                    </m:r>
+                    <m:f>
+                      <m:fPr>
+                        <m:ctrlPr>
+                          <a:rPr lang="en-US" i="1">
+                            <a:latin typeface="Cambria Math"/>
+                          </a:rPr>
+                        </m:ctrlPr>
+                      </m:fPr>
+                      <m:num>
+                        <m:r>
+                          <a:rPr lang="en-US" i="1">
+                            <a:latin typeface="Cambria Math"/>
+                          </a:rPr>
+                          <m:t>𝑛</m:t>
+                        </m:r>
+                      </m:num>
+                      <m:den>
+                        <m:r>
+                          <a:rPr lang="en-US" b="0" i="1" smtClean="0">
+                            <a:latin typeface="Cambria Math"/>
+                          </a:rPr>
+                          <m:t>𝑘</m:t>
+                        </m:r>
+                      </m:den>
+                    </m:f>
+                  </m:oMath>
+                </a14:m>
+                <a:r>
+                  <a:rPr lang="en-US" dirty="0"/>
+                  <a:t> </a:t>
+                </a:r>
+              </a:p>
+              <a:p>
+                <a:pPr lvl="1"/>
+                <a:endParaRPr lang="en-US" dirty="0" smtClean="0"/>
+              </a:p>
+              <a:p>
+                <a:pPr lvl="1"/>
+                <a:endParaRPr lang="en-US" dirty="0" smtClean="0"/>
+              </a:p>
+              <a:p>
+                <a:endParaRPr lang="en-US" dirty="0" smtClean="0"/>
+              </a:p>
+            </p:txBody>
+          </p:sp>
+        </mc:Choice>
+        <mc:Fallback xmlns="">
+          <p:sp>
+            <p:nvSpPr>
+              <p:cNvPr id="3" name="Content Placeholder 2"/>
+              <p:cNvSpPr>
+                <a:spLocks noGrp="1" noRot="1" noChangeAspect="1" noMove="1" noResize="1" noEditPoints="1" noAdjustHandles="1" noChangeArrowheads="1" noChangeShapeType="1" noTextEdit="1"/>
+              </p:cNvSpPr>
+              <p:nvPr>
+                <p:ph idx="1"/>
+              </p:nvPr>
+            </p:nvSpPr>
+            <p:spPr>
+              <a:blipFill rotWithShape="1">
+                <a:blip r:embed="rId2"/>
+                <a:stretch>
+                  <a:fillRect l="-888" t="-2369"/>
+                </a:stretch>
+              </a:blipFill>
+            </p:spPr>
+            <p:txBody>
+              <a:bodyPr/>
+              <a:lstStyle/>
+              <a:p>
+                <a:r>
+                  <a:rPr lang="en-US">
+                    <a:noFill/>
+                  </a:rPr>
+                  <a:t> </a:t>
+                </a:r>
+              </a:p>
+            </p:txBody>
+          </p:sp>
+        </mc:Fallback>
+      </mc:AlternateContent>
     </p:spTree>
     <p:extLst>
       <p:ext uri="{BB962C8B-B14F-4D97-AF65-F5344CB8AC3E}">
-        <p14:creationId xmlns:p14="http://schemas.microsoft.com/office/powerpoint/2010/main" val="1005949494"/>
-      </p:ext>
-    </p:extLst>
-  </p:cSld>
-  <p:clrMapOvr>
-    <a:masterClrMapping/>
-  </p:clrMapOvr>
-  <p:timing>
-    <p:tnLst>
-      <p:par>
-        <p:cTn id="1" dur="indefinite" restart="never" nodeType="tmRoot"/>
-      </p:par>
-    </p:tnLst>
-  </p:timing>
-</p:sld>
-</file>
-
-<file path=ppt/slides/slide6.xml><?xml version="1.0" encoding="utf-8"?>
-<p:sld xmlns:a="http://schemas.openxmlformats.org/drawingml/2006/main" xmlns:r="http://schemas.openxmlformats.org/officeDocument/2006/relationships" xmlns:p="http://schemas.openxmlformats.org/presentationml/2006/main">
-  <p:cSld>
-    <p:spTree>
-      <p:nvGrpSpPr>
-        <p:cNvPr id="1" name=""/>
-        <p:cNvGrpSpPr/>
-        <p:nvPr/>
-      </p:nvGrpSpPr>
-      <p:grpSpPr>
-        <a:xfrm>
-          <a:off x="0" y="0"/>
-          <a:ext cx="0" cy="0"/>
-          <a:chOff x="0" y="0"/>
-          <a:chExt cx="0" cy="0"/>
-        </a:xfrm>
-      </p:grpSpPr>
-      <p:sp>
-        <p:nvSpPr>
-          <p:cNvPr id="2" name="Title 1"/>
-          <p:cNvSpPr>
-            <a:spLocks noGrp="1"/>
-          </p:cNvSpPr>
-          <p:nvPr>
-            <p:ph type="title"/>
-          </p:nvPr>
-        </p:nvSpPr>
-        <p:spPr/>
-        <p:txBody>
-          <a:bodyPr/>
-          <a:lstStyle/>
-          <a:p>
-            <a:r>
-              <a:rPr lang="en-US" dirty="0" smtClean="0"/>
-              <a:t>Results – Centroid</a:t>
-            </a:r>
-            <a:endParaRPr lang="en-US" dirty="0"/>
-          </a:p>
-        </p:txBody>
-      </p:sp>
-      <p:pic>
-        <p:nvPicPr>
-          <p:cNvPr id="6" name="Content Placeholder 5"/>
-          <p:cNvPicPr>
-            <a:picLocks noGrp="1" noChangeAspect="1"/>
-          </p:cNvPicPr>
-          <p:nvPr>
-            <p:ph idx="1"/>
-          </p:nvPr>
-        </p:nvPicPr>
-        <p:blipFill>
-          <a:blip r:embed="rId2">
-            <a:extLst>
-              <a:ext uri="{28A0092B-C50C-407E-A947-70E740481C1C}">
-                <a14:useLocalDpi xmlns:a14="http://schemas.microsoft.com/office/drawing/2010/main" val="0"/>
-              </a:ext>
-            </a:extLst>
-          </a:blip>
-          <a:stretch>
-            <a:fillRect/>
-          </a:stretch>
-        </p:blipFill>
-        <p:spPr>
-          <a:xfrm>
-            <a:off x="3088746" y="2336800"/>
-            <a:ext cx="4798483" cy="3598863"/>
-          </a:xfrm>
-        </p:spPr>
-      </p:pic>
-    </p:spTree>
-    <p:extLst>
-      <p:ext uri="{BB962C8B-B14F-4D97-AF65-F5344CB8AC3E}">
-        <p14:creationId xmlns:p14="http://schemas.microsoft.com/office/powerpoint/2010/main" val="1667741794"/>
-      </p:ext>
-    </p:extLst>
-  </p:cSld>
-  <p:clrMapOvr>
-    <a:masterClrMapping/>
-  </p:clrMapOvr>
-  <p:timing>
-    <p:tnLst>
-      <p:par>
-        <p:cTn id="1" dur="indefinite" restart="never" nodeType="tmRoot"/>
-      </p:par>
-    </p:tnLst>
-  </p:timing>
-</p:sld>
-</file>
-
-<file path=ppt/slides/slide7.xml><?xml version="1.0" encoding="utf-8"?>
-<p:sld xmlns:a="http://schemas.openxmlformats.org/drawingml/2006/main" xmlns:r="http://schemas.openxmlformats.org/officeDocument/2006/relationships" xmlns:p="http://schemas.openxmlformats.org/presentationml/2006/main">
-  <p:cSld>
-    <p:spTree>
-      <p:nvGrpSpPr>
-        <p:cNvPr id="1" name=""/>
-        <p:cNvGrpSpPr/>
-        <p:nvPr/>
-      </p:nvGrpSpPr>
-      <p:grpSpPr>
-        <a:xfrm>
-          <a:off x="0" y="0"/>
-          <a:ext cx="0" cy="0"/>
-          <a:chOff x="0" y="0"/>
-          <a:chExt cx="0" cy="0"/>
-        </a:xfrm>
-      </p:grpSpPr>
-      <p:sp>
-        <p:nvSpPr>
-          <p:cNvPr id="2" name="Title 1"/>
-          <p:cNvSpPr>
-            <a:spLocks noGrp="1"/>
-          </p:cNvSpPr>
-          <p:nvPr>
-            <p:ph type="title"/>
-          </p:nvPr>
-        </p:nvSpPr>
-        <p:spPr/>
-        <p:txBody>
-          <a:bodyPr/>
-          <a:lstStyle/>
-          <a:p>
-            <a:r>
-              <a:rPr lang="en-US" dirty="0" smtClean="0"/>
-              <a:t>Data</a:t>
-            </a:r>
-            <a:endParaRPr lang="en-US" dirty="0"/>
-          </a:p>
-        </p:txBody>
-      </p:sp>
-      <p:sp>
-        <p:nvSpPr>
-          <p:cNvPr id="3" name="Content Placeholder 2"/>
-          <p:cNvSpPr>
-            <a:spLocks noGrp="1"/>
-          </p:cNvSpPr>
-          <p:nvPr>
-            <p:ph idx="1"/>
-          </p:nvPr>
-        </p:nvSpPr>
-        <p:spPr>
-          <a:xfrm>
-            <a:off x="1175621" y="4095750"/>
-            <a:ext cx="4729879" cy="1918720"/>
-          </a:xfrm>
-        </p:spPr>
-        <p:txBody>
-          <a:bodyPr>
-            <a:normAutofit/>
-          </a:bodyPr>
-          <a:lstStyle/>
-          <a:p>
-            <a:r>
-              <a:rPr lang="en-US" dirty="0" smtClean="0"/>
-              <a:t>ATNT50:</a:t>
-            </a:r>
-          </a:p>
-          <a:p>
-            <a:pPr lvl="1"/>
-            <a:r>
-              <a:rPr lang="en-US" dirty="0" smtClean="0"/>
-              <a:t>45 training data points</a:t>
-            </a:r>
-          </a:p>
-          <a:p>
-            <a:pPr lvl="1"/>
-            <a:r>
-              <a:rPr lang="en-US" dirty="0" smtClean="0"/>
-              <a:t>5 classes</a:t>
-            </a:r>
-          </a:p>
-          <a:p>
-            <a:pPr lvl="1"/>
-            <a:r>
-              <a:rPr lang="en-US" dirty="0" smtClean="0"/>
-              <a:t>5 images to classify</a:t>
-            </a:r>
-          </a:p>
-        </p:txBody>
-      </p:sp>
-      <p:sp>
-        <p:nvSpPr>
-          <p:cNvPr id="4" name="Content Placeholder 2"/>
-          <p:cNvSpPr txBox="1">
-            <a:spLocks/>
-          </p:cNvSpPr>
-          <p:nvPr/>
-        </p:nvSpPr>
-        <p:spPr>
-          <a:xfrm>
-            <a:off x="6014321" y="4095750"/>
-            <a:ext cx="4729879" cy="1916639"/>
-          </a:xfrm>
-          <a:prstGeom prst="rect">
-            <a:avLst/>
-          </a:prstGeom>
-        </p:spPr>
-        <p:txBody>
-          <a:bodyPr vert="horz" lIns="91440" tIns="45720" rIns="91440" bIns="45720" rtlCol="0">
-            <a:normAutofit/>
-          </a:bodyPr>
-          <a:lstStyle>
-            <a:lvl1pPr marL="228600" indent="-228600" algn="l" defTabSz="914400" rtl="0" eaLnBrk="1" latinLnBrk="0" hangingPunct="1">
-              <a:lnSpc>
-                <a:spcPct val="90000"/>
-              </a:lnSpc>
-              <a:spcBef>
-                <a:spcPts val="1000"/>
-              </a:spcBef>
-              <a:buFont typeface="Arial" panose="020B0604020202020204" pitchFamily="34" charset="0"/>
-              <a:buChar char="•"/>
-              <a:defRPr sz="2400" kern="1200">
-                <a:solidFill>
-                  <a:schemeClr val="tx1"/>
-                </a:solidFill>
-                <a:latin typeface="+mn-lt"/>
-                <a:ea typeface="+mn-ea"/>
-                <a:cs typeface="+mn-cs"/>
-              </a:defRPr>
-            </a:lvl1pPr>
-            <a:lvl2pPr marL="685800" indent="-228600" algn="l" defTabSz="914400" rtl="0" eaLnBrk="1" latinLnBrk="0" hangingPunct="1">
-              <a:lnSpc>
-                <a:spcPct val="90000"/>
-              </a:lnSpc>
-              <a:spcBef>
-                <a:spcPts val="500"/>
-              </a:spcBef>
-              <a:buFont typeface="Arial" panose="020B0604020202020204" pitchFamily="34" charset="0"/>
-              <a:buChar char="•"/>
-              <a:defRPr sz="2000" kern="1200">
-                <a:solidFill>
-                  <a:schemeClr val="tx1"/>
-                </a:solidFill>
-                <a:latin typeface="+mn-lt"/>
-                <a:ea typeface="+mn-ea"/>
-                <a:cs typeface="+mn-cs"/>
-              </a:defRPr>
-            </a:lvl2pPr>
-            <a:lvl3pPr marL="1143000" indent="-228600" algn="l" defTabSz="914400" rtl="0" eaLnBrk="1" latinLnBrk="0" hangingPunct="1">
-              <a:lnSpc>
-                <a:spcPct val="90000"/>
-              </a:lnSpc>
-              <a:spcBef>
-                <a:spcPts val="500"/>
-              </a:spcBef>
-              <a:buFont typeface="Arial" panose="020B0604020202020204" pitchFamily="34" charset="0"/>
-              <a:buChar char="•"/>
-              <a:defRPr sz="1800" kern="1200">
-                <a:solidFill>
-                  <a:schemeClr val="tx1"/>
-                </a:solidFill>
-                <a:latin typeface="+mn-lt"/>
-                <a:ea typeface="+mn-ea"/>
-                <a:cs typeface="+mn-cs"/>
-              </a:defRPr>
-            </a:lvl3pPr>
-            <a:lvl4pPr marL="1600200" indent="-228600" algn="l" defTabSz="914400" rtl="0" eaLnBrk="1" latinLnBrk="0" hangingPunct="1">
-              <a:lnSpc>
-                <a:spcPct val="90000"/>
-              </a:lnSpc>
-              <a:spcBef>
-                <a:spcPts val="500"/>
-              </a:spcBef>
-              <a:buFont typeface="Arial" panose="020B0604020202020204" pitchFamily="34" charset="0"/>
-              <a:buChar char="•"/>
-              <a:defRPr sz="1600" kern="1200">
-                <a:solidFill>
-                  <a:schemeClr val="tx1"/>
-                </a:solidFill>
-                <a:latin typeface="+mn-lt"/>
-                <a:ea typeface="+mn-ea"/>
-                <a:cs typeface="+mn-cs"/>
-              </a:defRPr>
-            </a:lvl4pPr>
-            <a:lvl5pPr marL="2057400" indent="-228600" algn="l" defTabSz="914400" rtl="0" eaLnBrk="1" latinLnBrk="0" hangingPunct="1">
-              <a:lnSpc>
-                <a:spcPct val="90000"/>
-              </a:lnSpc>
-              <a:spcBef>
-                <a:spcPts val="500"/>
-              </a:spcBef>
-              <a:buFont typeface="Arial" panose="020B0604020202020204" pitchFamily="34" charset="0"/>
-              <a:buChar char="•"/>
-              <a:defRPr sz="1600" kern="1200">
-                <a:solidFill>
-                  <a:schemeClr val="tx1"/>
-                </a:solidFill>
-                <a:latin typeface="+mn-lt"/>
-                <a:ea typeface="+mn-ea"/>
-                <a:cs typeface="+mn-cs"/>
-              </a:defRPr>
-            </a:lvl5pPr>
-            <a:lvl6pPr marL="2514600" indent="-228600" algn="l" defTabSz="914400" rtl="0" eaLnBrk="1" latinLnBrk="0" hangingPunct="1">
-              <a:lnSpc>
-                <a:spcPct val="90000"/>
-              </a:lnSpc>
-              <a:spcBef>
-                <a:spcPts val="500"/>
-              </a:spcBef>
-              <a:buFont typeface="Arial" panose="020B0604020202020204" pitchFamily="34" charset="0"/>
-              <a:buChar char="•"/>
-              <a:defRPr sz="1400" kern="1200">
-                <a:solidFill>
-                  <a:schemeClr val="tx1"/>
-                </a:solidFill>
-                <a:latin typeface="+mn-lt"/>
-                <a:ea typeface="+mn-ea"/>
-                <a:cs typeface="+mn-cs"/>
-              </a:defRPr>
-            </a:lvl6pPr>
-            <a:lvl7pPr marL="2971800" indent="-228600" algn="l" defTabSz="914400" rtl="0" eaLnBrk="1" latinLnBrk="0" hangingPunct="1">
-              <a:lnSpc>
-                <a:spcPct val="90000"/>
-              </a:lnSpc>
-              <a:spcBef>
-                <a:spcPts val="500"/>
-              </a:spcBef>
-              <a:buFont typeface="Arial" panose="020B0604020202020204" pitchFamily="34" charset="0"/>
-              <a:buChar char="•"/>
-              <a:defRPr sz="1400" kern="1200">
-                <a:solidFill>
-                  <a:schemeClr val="tx1"/>
-                </a:solidFill>
-                <a:latin typeface="+mn-lt"/>
-                <a:ea typeface="+mn-ea"/>
-                <a:cs typeface="+mn-cs"/>
-              </a:defRPr>
-            </a:lvl7pPr>
-            <a:lvl8pPr marL="3429000" indent="-228600" algn="l" defTabSz="914400" rtl="0" eaLnBrk="1" latinLnBrk="0" hangingPunct="1">
-              <a:lnSpc>
-                <a:spcPct val="90000"/>
-              </a:lnSpc>
-              <a:spcBef>
-                <a:spcPts val="500"/>
-              </a:spcBef>
-              <a:buFont typeface="Arial" panose="020B0604020202020204" pitchFamily="34" charset="0"/>
-              <a:buChar char="•"/>
-              <a:defRPr sz="1400" kern="1200">
-                <a:solidFill>
-                  <a:schemeClr val="tx1"/>
-                </a:solidFill>
-                <a:latin typeface="+mn-lt"/>
-                <a:ea typeface="+mn-ea"/>
-                <a:cs typeface="+mn-cs"/>
-              </a:defRPr>
-            </a:lvl8pPr>
-            <a:lvl9pPr marL="3886200" indent="-228600" algn="l" defTabSz="914400" rtl="0" eaLnBrk="1" latinLnBrk="0" hangingPunct="1">
-              <a:lnSpc>
-                <a:spcPct val="90000"/>
-              </a:lnSpc>
-              <a:spcBef>
-                <a:spcPts val="500"/>
-              </a:spcBef>
-              <a:buFont typeface="Arial" panose="020B0604020202020204" pitchFamily="34" charset="0"/>
-              <a:buChar char="•"/>
-              <a:defRPr sz="1400" kern="1200">
-                <a:solidFill>
-                  <a:schemeClr val="tx1"/>
-                </a:solidFill>
-                <a:latin typeface="+mn-lt"/>
-                <a:ea typeface="+mn-ea"/>
-                <a:cs typeface="+mn-cs"/>
-              </a:defRPr>
-            </a:lvl9pPr>
-          </a:lstStyle>
-          <a:p>
-            <a:r>
-              <a:rPr lang="en-US" dirty="0" smtClean="0"/>
-              <a:t>ATNT200:</a:t>
-            </a:r>
-          </a:p>
-          <a:p>
-            <a:pPr lvl="1"/>
-            <a:r>
-              <a:rPr lang="en-US" dirty="0" smtClean="0"/>
-              <a:t>180 training data points</a:t>
-            </a:r>
-          </a:p>
-          <a:p>
-            <a:pPr lvl="1"/>
-            <a:r>
-              <a:rPr lang="en-US" dirty="0" smtClean="0"/>
-              <a:t>20 classes</a:t>
-            </a:r>
-          </a:p>
-          <a:p>
-            <a:pPr lvl="1"/>
-            <a:r>
-              <a:rPr lang="en-US" dirty="0" smtClean="0"/>
-              <a:t>20 images to classify</a:t>
-            </a:r>
-          </a:p>
-        </p:txBody>
-      </p:sp>
-      <p:sp>
-        <p:nvSpPr>
-          <p:cNvPr id="5" name="Content Placeholder 2"/>
-          <p:cNvSpPr txBox="1">
-            <a:spLocks/>
-          </p:cNvSpPr>
-          <p:nvPr/>
-        </p:nvSpPr>
-        <p:spPr>
-          <a:xfrm>
-            <a:off x="3227086" y="2489273"/>
-            <a:ext cx="4729879" cy="1606477"/>
-          </a:xfrm>
-          <a:prstGeom prst="rect">
-            <a:avLst/>
-          </a:prstGeom>
-        </p:spPr>
-        <p:txBody>
-          <a:bodyPr vert="horz" lIns="91440" tIns="45720" rIns="91440" bIns="45720" rtlCol="0">
-            <a:normAutofit/>
-          </a:bodyPr>
-          <a:lstStyle>
-            <a:lvl1pPr marL="228600" indent="-228600" algn="l" defTabSz="914400" rtl="0" eaLnBrk="1" latinLnBrk="0" hangingPunct="1">
-              <a:lnSpc>
-                <a:spcPct val="90000"/>
-              </a:lnSpc>
-              <a:spcBef>
-                <a:spcPts val="1000"/>
-              </a:spcBef>
-              <a:buFont typeface="Arial" panose="020B0604020202020204" pitchFamily="34" charset="0"/>
-              <a:buChar char="•"/>
-              <a:defRPr sz="2400" kern="1200">
-                <a:solidFill>
-                  <a:schemeClr val="tx1"/>
-                </a:solidFill>
-                <a:latin typeface="+mn-lt"/>
-                <a:ea typeface="+mn-ea"/>
-                <a:cs typeface="+mn-cs"/>
-              </a:defRPr>
-            </a:lvl1pPr>
-            <a:lvl2pPr marL="685800" indent="-228600" algn="l" defTabSz="914400" rtl="0" eaLnBrk="1" latinLnBrk="0" hangingPunct="1">
-              <a:lnSpc>
-                <a:spcPct val="90000"/>
-              </a:lnSpc>
-              <a:spcBef>
-                <a:spcPts val="500"/>
-              </a:spcBef>
-              <a:buFont typeface="Arial" panose="020B0604020202020204" pitchFamily="34" charset="0"/>
-              <a:buChar char="•"/>
-              <a:defRPr sz="2000" kern="1200">
-                <a:solidFill>
-                  <a:schemeClr val="tx1"/>
-                </a:solidFill>
-                <a:latin typeface="+mn-lt"/>
-                <a:ea typeface="+mn-ea"/>
-                <a:cs typeface="+mn-cs"/>
-              </a:defRPr>
-            </a:lvl2pPr>
-            <a:lvl3pPr marL="1143000" indent="-228600" algn="l" defTabSz="914400" rtl="0" eaLnBrk="1" latinLnBrk="0" hangingPunct="1">
-              <a:lnSpc>
-                <a:spcPct val="90000"/>
-              </a:lnSpc>
-              <a:spcBef>
-                <a:spcPts val="500"/>
-              </a:spcBef>
-              <a:buFont typeface="Arial" panose="020B0604020202020204" pitchFamily="34" charset="0"/>
-              <a:buChar char="•"/>
-              <a:defRPr sz="1800" kern="1200">
-                <a:solidFill>
-                  <a:schemeClr val="tx1"/>
-                </a:solidFill>
-                <a:latin typeface="+mn-lt"/>
-                <a:ea typeface="+mn-ea"/>
-                <a:cs typeface="+mn-cs"/>
-              </a:defRPr>
-            </a:lvl3pPr>
-            <a:lvl4pPr marL="1600200" indent="-228600" algn="l" defTabSz="914400" rtl="0" eaLnBrk="1" latinLnBrk="0" hangingPunct="1">
-              <a:lnSpc>
-                <a:spcPct val="90000"/>
-              </a:lnSpc>
-              <a:spcBef>
-                <a:spcPts val="500"/>
-              </a:spcBef>
-              <a:buFont typeface="Arial" panose="020B0604020202020204" pitchFamily="34" charset="0"/>
-              <a:buChar char="•"/>
-              <a:defRPr sz="1600" kern="1200">
-                <a:solidFill>
-                  <a:schemeClr val="tx1"/>
-                </a:solidFill>
-                <a:latin typeface="+mn-lt"/>
-                <a:ea typeface="+mn-ea"/>
-                <a:cs typeface="+mn-cs"/>
-              </a:defRPr>
-            </a:lvl4pPr>
-            <a:lvl5pPr marL="2057400" indent="-228600" algn="l" defTabSz="914400" rtl="0" eaLnBrk="1" latinLnBrk="0" hangingPunct="1">
-              <a:lnSpc>
-                <a:spcPct val="90000"/>
-              </a:lnSpc>
-              <a:spcBef>
-                <a:spcPts val="500"/>
-              </a:spcBef>
-              <a:buFont typeface="Arial" panose="020B0604020202020204" pitchFamily="34" charset="0"/>
-              <a:buChar char="•"/>
-              <a:defRPr sz="1600" kern="1200">
-                <a:solidFill>
-                  <a:schemeClr val="tx1"/>
-                </a:solidFill>
-                <a:latin typeface="+mn-lt"/>
-                <a:ea typeface="+mn-ea"/>
-                <a:cs typeface="+mn-cs"/>
-              </a:defRPr>
-            </a:lvl5pPr>
-            <a:lvl6pPr marL="2514600" indent="-228600" algn="l" defTabSz="914400" rtl="0" eaLnBrk="1" latinLnBrk="0" hangingPunct="1">
-              <a:lnSpc>
-                <a:spcPct val="90000"/>
-              </a:lnSpc>
-              <a:spcBef>
-                <a:spcPts val="500"/>
-              </a:spcBef>
-              <a:buFont typeface="Arial" panose="020B0604020202020204" pitchFamily="34" charset="0"/>
-              <a:buChar char="•"/>
-              <a:defRPr sz="1400" kern="1200">
-                <a:solidFill>
-                  <a:schemeClr val="tx1"/>
-                </a:solidFill>
-                <a:latin typeface="+mn-lt"/>
-                <a:ea typeface="+mn-ea"/>
-                <a:cs typeface="+mn-cs"/>
-              </a:defRPr>
-            </a:lvl6pPr>
-            <a:lvl7pPr marL="2971800" indent="-228600" algn="l" defTabSz="914400" rtl="0" eaLnBrk="1" latinLnBrk="0" hangingPunct="1">
-              <a:lnSpc>
-                <a:spcPct val="90000"/>
-              </a:lnSpc>
-              <a:spcBef>
-                <a:spcPts val="500"/>
-              </a:spcBef>
-              <a:buFont typeface="Arial" panose="020B0604020202020204" pitchFamily="34" charset="0"/>
-              <a:buChar char="•"/>
-              <a:defRPr sz="1400" kern="1200">
-                <a:solidFill>
-                  <a:schemeClr val="tx1"/>
-                </a:solidFill>
-                <a:latin typeface="+mn-lt"/>
-                <a:ea typeface="+mn-ea"/>
-                <a:cs typeface="+mn-cs"/>
-              </a:defRPr>
-            </a:lvl7pPr>
-            <a:lvl8pPr marL="3429000" indent="-228600" algn="l" defTabSz="914400" rtl="0" eaLnBrk="1" latinLnBrk="0" hangingPunct="1">
-              <a:lnSpc>
-                <a:spcPct val="90000"/>
-              </a:lnSpc>
-              <a:spcBef>
-                <a:spcPts val="500"/>
-              </a:spcBef>
-              <a:buFont typeface="Arial" panose="020B0604020202020204" pitchFamily="34" charset="0"/>
-              <a:buChar char="•"/>
-              <a:defRPr sz="1400" kern="1200">
-                <a:solidFill>
-                  <a:schemeClr val="tx1"/>
-                </a:solidFill>
-                <a:latin typeface="+mn-lt"/>
-                <a:ea typeface="+mn-ea"/>
-                <a:cs typeface="+mn-cs"/>
-              </a:defRPr>
-            </a:lvl8pPr>
-            <a:lvl9pPr marL="3886200" indent="-228600" algn="l" defTabSz="914400" rtl="0" eaLnBrk="1" latinLnBrk="0" hangingPunct="1">
-              <a:lnSpc>
-                <a:spcPct val="90000"/>
-              </a:lnSpc>
-              <a:spcBef>
-                <a:spcPts val="500"/>
-              </a:spcBef>
-              <a:buFont typeface="Arial" panose="020B0604020202020204" pitchFamily="34" charset="0"/>
-              <a:buChar char="•"/>
-              <a:defRPr sz="1400" kern="1200">
-                <a:solidFill>
-                  <a:schemeClr val="tx1"/>
-                </a:solidFill>
-                <a:latin typeface="+mn-lt"/>
-                <a:ea typeface="+mn-ea"/>
-                <a:cs typeface="+mn-cs"/>
-              </a:defRPr>
-            </a:lvl9pPr>
-          </a:lstStyle>
-          <a:p>
-            <a:r>
-              <a:rPr lang="en-US" b="1" dirty="0" smtClean="0"/>
-              <a:t>Feature Vector</a:t>
-            </a:r>
-          </a:p>
-          <a:p>
-            <a:pPr lvl="1"/>
-            <a:r>
-              <a:rPr lang="en-US" b="1" dirty="0" smtClean="0"/>
-              <a:t>2-dimensional in previous examples</a:t>
-            </a:r>
-          </a:p>
-          <a:p>
-            <a:pPr lvl="1"/>
-            <a:r>
-              <a:rPr lang="en-US" b="1" dirty="0" smtClean="0"/>
-              <a:t>46-dimensional in provided data</a:t>
-            </a:r>
-          </a:p>
-        </p:txBody>
-      </p:sp>
-    </p:spTree>
-    <p:extLst>
-      <p:ext uri="{BB962C8B-B14F-4D97-AF65-F5344CB8AC3E}">
-        <p14:creationId xmlns:p14="http://schemas.microsoft.com/office/powerpoint/2010/main" val="3703417356"/>
-      </p:ext>
-    </p:extLst>
-  </p:cSld>
-  <p:clrMapOvr>
-    <a:masterClrMapping/>
-  </p:clrMapOvr>
-  <p:timing>
-    <p:tnLst>
-      <p:par>
-        <p:cTn id="1" dur="indefinite" restart="never" nodeType="tmRoot"/>
-      </p:par>
-    </p:tnLst>
-  </p:timing>
-</p:sld>
-</file>
-
-<file path=ppt/slides/slide8.xml><?xml version="1.0" encoding="utf-8"?>
-<p:sld xmlns:a="http://schemas.openxmlformats.org/drawingml/2006/main" xmlns:r="http://schemas.openxmlformats.org/officeDocument/2006/relationships" xmlns:p="http://schemas.openxmlformats.org/presentationml/2006/main">
-  <p:cSld>
-    <p:spTree>
-      <p:nvGrpSpPr>
-        <p:cNvPr id="1" name=""/>
-        <p:cNvGrpSpPr/>
-        <p:nvPr/>
-      </p:nvGrpSpPr>
-      <p:grpSpPr>
-        <a:xfrm>
-          <a:off x="0" y="0"/>
-          <a:ext cx="0" cy="0"/>
-          <a:chOff x="0" y="0"/>
-          <a:chExt cx="0" cy="0"/>
-        </a:xfrm>
-      </p:grpSpPr>
-      <p:sp>
-        <p:nvSpPr>
-          <p:cNvPr id="2" name="Title 1"/>
-          <p:cNvSpPr>
-            <a:spLocks noGrp="1"/>
-          </p:cNvSpPr>
-          <p:nvPr>
-            <p:ph type="title"/>
-          </p:nvPr>
-        </p:nvSpPr>
-        <p:spPr/>
-        <p:txBody>
-          <a:bodyPr/>
-          <a:lstStyle/>
-          <a:p>
-            <a:r>
-              <a:rPr lang="en-US" dirty="0" smtClean="0"/>
-              <a:t>ANTN50 Results</a:t>
-            </a:r>
-            <a:endParaRPr lang="en-US" dirty="0"/>
-          </a:p>
-        </p:txBody>
-      </p:sp>
-      <p:sp>
-        <p:nvSpPr>
-          <p:cNvPr id="3" name="Content Placeholder 2"/>
-          <p:cNvSpPr>
-            <a:spLocks noGrp="1"/>
-          </p:cNvSpPr>
-          <p:nvPr>
-            <p:ph idx="1"/>
-          </p:nvPr>
-        </p:nvSpPr>
-        <p:spPr/>
-        <p:txBody>
-          <a:bodyPr/>
-          <a:lstStyle/>
-          <a:p>
-            <a:r>
-              <a:rPr lang="en-US" dirty="0" smtClean="0"/>
-              <a:t>Centroid </a:t>
-            </a:r>
-          </a:p>
-          <a:p>
-            <a:pPr lvl="1"/>
-            <a:r>
-              <a:rPr lang="en-US" dirty="0" smtClean="0"/>
-              <a:t>100% classified correctly</a:t>
-            </a:r>
-            <a:endParaRPr lang="en-US" dirty="0"/>
-          </a:p>
-          <a:p>
-            <a:endParaRPr lang="en-US" dirty="0" smtClean="0"/>
-          </a:p>
-          <a:p>
-            <a:endParaRPr lang="en-US" dirty="0"/>
-          </a:p>
-          <a:p>
-            <a:r>
-              <a:rPr lang="en-US" dirty="0" smtClean="0"/>
-              <a:t>Linear Regression</a:t>
-            </a:r>
-          </a:p>
-          <a:p>
-            <a:pPr lvl="1"/>
-            <a:r>
-              <a:rPr lang="en-US" dirty="0" smtClean="0"/>
-              <a:t>100</a:t>
-            </a:r>
-            <a:r>
-              <a:rPr lang="en-US" dirty="0"/>
-              <a:t>% classified correctly</a:t>
-            </a:r>
-          </a:p>
-          <a:p>
-            <a:endParaRPr lang="en-US" dirty="0"/>
-          </a:p>
-        </p:txBody>
-      </p:sp>
-    </p:spTree>
-    <p:extLst>
-      <p:ext uri="{BB962C8B-B14F-4D97-AF65-F5344CB8AC3E}">
-        <p14:creationId xmlns:p14="http://schemas.microsoft.com/office/powerpoint/2010/main" val="3264376173"/>
-      </p:ext>
-    </p:extLst>
-  </p:cSld>
-  <p:clrMapOvr>
-    <a:masterClrMapping/>
-  </p:clrMapOvr>
-  <p:timing>
-    <p:tnLst>
-      <p:par>
-        <p:cTn id="1" dur="indefinite" restart="never" nodeType="tmRoot"/>
-      </p:par>
-    </p:tnLst>
-  </p:timing>
-</p:sld>
-</file>
-
-<file path=ppt/slides/slide9.xml><?xml version="1.0" encoding="utf-8"?>
-<p:sld xmlns:a="http://schemas.openxmlformats.org/drawingml/2006/main" xmlns:r="http://schemas.openxmlformats.org/officeDocument/2006/relationships" xmlns:p="http://schemas.openxmlformats.org/presentationml/2006/main">
-  <p:cSld>
-    <p:spTree>
-      <p:nvGrpSpPr>
-        <p:cNvPr id="1" name=""/>
-        <p:cNvGrpSpPr/>
-        <p:nvPr/>
-      </p:nvGrpSpPr>
-      <p:grpSpPr>
-        <a:xfrm>
-          <a:off x="0" y="0"/>
-          <a:ext cx="0" cy="0"/>
-          <a:chOff x="0" y="0"/>
-          <a:chExt cx="0" cy="0"/>
-        </a:xfrm>
-      </p:grpSpPr>
-      <p:sp>
-        <p:nvSpPr>
-          <p:cNvPr id="2" name="Title 1"/>
-          <p:cNvSpPr>
-            <a:spLocks noGrp="1"/>
-          </p:cNvSpPr>
-          <p:nvPr>
-            <p:ph type="title"/>
-          </p:nvPr>
-        </p:nvSpPr>
-        <p:spPr/>
-        <p:txBody>
-          <a:bodyPr/>
-          <a:lstStyle/>
-          <a:p>
-            <a:r>
-              <a:rPr lang="en-US" dirty="0" smtClean="0"/>
-              <a:t>ANTN50 Results (</a:t>
-            </a:r>
-            <a:r>
-              <a:rPr lang="en-US" dirty="0" err="1"/>
-              <a:t>C</a:t>
-            </a:r>
-            <a:r>
-              <a:rPr lang="en-US" dirty="0" err="1" smtClean="0"/>
-              <a:t>ont</a:t>
-            </a:r>
-            <a:r>
-              <a:rPr lang="en-US" dirty="0" smtClean="0"/>
-              <a:t>)</a:t>
-            </a:r>
-            <a:endParaRPr lang="en-US" dirty="0"/>
-          </a:p>
-        </p:txBody>
-      </p:sp>
-      <p:graphicFrame>
-        <p:nvGraphicFramePr>
-          <p:cNvPr id="7" name="Chart 6"/>
-          <p:cNvGraphicFramePr>
-            <a:graphicFrameLocks/>
-          </p:cNvGraphicFramePr>
-          <p:nvPr>
-            <p:extLst>
-              <p:ext uri="{D42A27DB-BD31-4B8C-83A1-F6EECF244321}">
-                <p14:modId xmlns:p14="http://schemas.microsoft.com/office/powerpoint/2010/main" val="3020685381"/>
-              </p:ext>
-            </p:extLst>
-          </p:nvPr>
-        </p:nvGraphicFramePr>
-        <p:xfrm>
-          <a:off x="838200" y="2047876"/>
-          <a:ext cx="10172700" cy="4638674"/>
-        </p:xfrm>
-        <a:graphic>
-          <a:graphicData uri="http://schemas.openxmlformats.org/drawingml/2006/chart">
-            <c:chart xmlns:c="http://schemas.openxmlformats.org/drawingml/2006/chart" xmlns:r="http://schemas.openxmlformats.org/officeDocument/2006/relationships" r:id="rId2"/>
-          </a:graphicData>
-        </a:graphic>
-      </p:graphicFrame>
-    </p:spTree>
-    <p:extLst>
-      <p:ext uri="{BB962C8B-B14F-4D97-AF65-F5344CB8AC3E}">
-        <p14:creationId xmlns:p14="http://schemas.microsoft.com/office/powerpoint/2010/main" val="2888250365"/>
+        <p14:creationId xmlns:p14="http://schemas.microsoft.com/office/powerpoint/2010/main" val="1194822123"/>
       </p:ext>
     </p:extLst>
   </p:cSld>
@@ -11919,7 +9066,7 @@
   <a:extraClrSchemeLst/>
   <a:extLst>
     <a:ext uri="{05A4C25C-085E-4340-85A3-A5531E510DB2}">
-      <thm15:themeFamily xmlns:thm15="http://schemas.microsoft.com/office/thememl/2012/main" name="Berlin" id="{7B5DBA9E-B069-418E-9360-A61BDD0615A4}" vid="{C0CBE056-4EF4-4D92-969E-947779DA7AAA}"/>
+      <thm15:themeFamily xmlns="" xmlns:thm15="http://schemas.microsoft.com/office/thememl/2012/main" name="Berlin" id="{7B5DBA9E-B069-418E-9360-A61BDD0615A4}" vid="{C0CBE056-4EF4-4D92-969E-947779DA7AAA}"/>
     </a:ext>
   </a:extLst>
 </a:theme>

--- a/hw02/Data Mining Project 2.pptx
+++ b/hw02/Data Mining Project 2.pptx
@@ -10,6 +10,9 @@
     <p:sldId id="269" r:id="rId4"/>
     <p:sldId id="267" r:id="rId5"/>
     <p:sldId id="270" r:id="rId6"/>
+    <p:sldId id="271" r:id="rId7"/>
+    <p:sldId id="272" r:id="rId8"/>
+    <p:sldId id="273" r:id="rId9"/>
   </p:sldIdLst>
   <p:sldSz cx="12192000" cy="6858000"/>
   <p:notesSz cx="6858000" cy="9144000"/>
@@ -390,7 +393,7 @@
           <a:p>
             <a:fld id="{03953C3F-D36F-4B1A-A959-B36391D1B06D}" type="datetimeFigureOut">
               <a:rPr lang="en-US" smtClean="0"/>
-              <a:t>3/22/2016</a:t>
+              <a:t>3/29/2016</a:t>
             </a:fld>
             <a:endParaRPr lang="en-US" dirty="0"/>
           </a:p>
@@ -804,7 +807,7 @@
           <a:p>
             <a:fld id="{03953C3F-D36F-4B1A-A959-B36391D1B06D}" type="datetimeFigureOut">
               <a:rPr lang="en-US" smtClean="0"/>
-              <a:t>3/22/2016</a:t>
+              <a:t>3/29/2016</a:t>
             </a:fld>
             <a:endParaRPr lang="en-US" dirty="0"/>
           </a:p>
@@ -1140,7 +1143,7 @@
           <a:p>
             <a:fld id="{03953C3F-D36F-4B1A-A959-B36391D1B06D}" type="datetimeFigureOut">
               <a:rPr lang="en-US" smtClean="0"/>
-              <a:t>3/22/2016</a:t>
+              <a:t>3/29/2016</a:t>
             </a:fld>
             <a:endParaRPr lang="en-US" dirty="0"/>
           </a:p>
@@ -1545,7 +1548,7 @@
           <a:p>
             <a:fld id="{03953C3F-D36F-4B1A-A959-B36391D1B06D}" type="datetimeFigureOut">
               <a:rPr lang="en-US" smtClean="0"/>
-              <a:t>3/22/2016</a:t>
+              <a:t>3/29/2016</a:t>
             </a:fld>
             <a:endParaRPr lang="en-US" dirty="0"/>
           </a:p>
@@ -2113,7 +2116,7 @@
           <a:p>
             <a:fld id="{03953C3F-D36F-4B1A-A959-B36391D1B06D}" type="datetimeFigureOut">
               <a:rPr lang="en-US" smtClean="0"/>
-              <a:t>3/22/2016</a:t>
+              <a:t>3/29/2016</a:t>
             </a:fld>
             <a:endParaRPr lang="en-US" dirty="0"/>
           </a:p>
@@ -2794,7 +2797,7 @@
           <a:p>
             <a:fld id="{03953C3F-D36F-4B1A-A959-B36391D1B06D}" type="datetimeFigureOut">
               <a:rPr lang="en-US" smtClean="0"/>
-              <a:t>3/22/2016</a:t>
+              <a:t>3/29/2016</a:t>
             </a:fld>
             <a:endParaRPr lang="en-US" dirty="0"/>
           </a:p>
@@ -3707,7 +3710,7 @@
           <a:p>
             <a:fld id="{03953C3F-D36F-4B1A-A959-B36391D1B06D}" type="datetimeFigureOut">
               <a:rPr lang="en-US" smtClean="0"/>
-              <a:t>3/22/2016</a:t>
+              <a:t>3/29/2016</a:t>
             </a:fld>
             <a:endParaRPr lang="en-US" dirty="0"/>
           </a:p>
@@ -4020,7 +4023,7 @@
           <a:p>
             <a:fld id="{03953C3F-D36F-4B1A-A959-B36391D1B06D}" type="datetimeFigureOut">
               <a:rPr lang="en-US" smtClean="0"/>
-              <a:t>3/22/2016</a:t>
+              <a:t>3/29/2016</a:t>
             </a:fld>
             <a:endParaRPr lang="en-US" dirty="0"/>
           </a:p>
@@ -4284,7 +4287,7 @@
           <a:p>
             <a:fld id="{03953C3F-D36F-4B1A-A959-B36391D1B06D}" type="datetimeFigureOut">
               <a:rPr lang="en-US" smtClean="0"/>
-              <a:t>3/22/2016</a:t>
+              <a:t>3/29/2016</a:t>
             </a:fld>
             <a:endParaRPr lang="en-US" dirty="0"/>
           </a:p>
@@ -4607,7 +4610,7 @@
           <a:p>
             <a:fld id="{03953C3F-D36F-4B1A-A959-B36391D1B06D}" type="datetimeFigureOut">
               <a:rPr lang="en-US" smtClean="0"/>
-              <a:t>3/22/2016</a:t>
+              <a:t>3/29/2016</a:t>
             </a:fld>
             <a:endParaRPr lang="en-US" dirty="0"/>
           </a:p>
@@ -4996,7 +4999,7 @@
           <a:p>
             <a:fld id="{03953C3F-D36F-4B1A-A959-B36391D1B06D}" type="datetimeFigureOut">
               <a:rPr lang="en-US" smtClean="0"/>
-              <a:t>3/22/2016</a:t>
+              <a:t>3/29/2016</a:t>
             </a:fld>
             <a:endParaRPr lang="en-US" dirty="0"/>
           </a:p>
@@ -5372,7 +5375,7 @@
           <a:p>
             <a:fld id="{03953C3F-D36F-4B1A-A959-B36391D1B06D}" type="datetimeFigureOut">
               <a:rPr lang="en-US" smtClean="0"/>
-              <a:t>3/22/2016</a:t>
+              <a:t>3/29/2016</a:t>
             </a:fld>
             <a:endParaRPr lang="en-US" dirty="0"/>
           </a:p>
@@ -5878,7 +5881,7 @@
           <a:p>
             <a:fld id="{03953C3F-D36F-4B1A-A959-B36391D1B06D}" type="datetimeFigureOut">
               <a:rPr lang="en-US" smtClean="0"/>
-              <a:t>3/22/2016</a:t>
+              <a:t>3/29/2016</a:t>
             </a:fld>
             <a:endParaRPr lang="en-US" dirty="0"/>
           </a:p>
@@ -6135,7 +6138,7 @@
           <a:p>
             <a:fld id="{03953C3F-D36F-4B1A-A959-B36391D1B06D}" type="datetimeFigureOut">
               <a:rPr lang="en-US" smtClean="0"/>
-              <a:t>3/22/2016</a:t>
+              <a:t>3/29/2016</a:t>
             </a:fld>
             <a:endParaRPr lang="en-US" dirty="0"/>
           </a:p>
@@ -6298,7 +6301,7 @@
           <a:p>
             <a:fld id="{03953C3F-D36F-4B1A-A959-B36391D1B06D}" type="datetimeFigureOut">
               <a:rPr lang="en-US" smtClean="0"/>
-              <a:t>3/22/2016</a:t>
+              <a:t>3/29/2016</a:t>
             </a:fld>
             <a:endParaRPr lang="en-US" dirty="0"/>
           </a:p>
@@ -6688,7 +6691,7 @@
           <a:p>
             <a:fld id="{03953C3F-D36F-4B1A-A959-B36391D1B06D}" type="datetimeFigureOut">
               <a:rPr lang="en-US" smtClean="0"/>
-              <a:t>3/22/2016</a:t>
+              <a:t>3/29/2016</a:t>
             </a:fld>
             <a:endParaRPr lang="en-US" dirty="0"/>
           </a:p>
@@ -7097,7 +7100,7 @@
           <a:p>
             <a:fld id="{03953C3F-D36F-4B1A-A959-B36391D1B06D}" type="datetimeFigureOut">
               <a:rPr lang="en-US" smtClean="0"/>
-              <a:t>3/22/2016</a:t>
+              <a:t>3/29/2016</a:t>
             </a:fld>
             <a:endParaRPr lang="en-US" dirty="0"/>
           </a:p>
@@ -7341,7 +7344,7 @@
           <a:p>
             <a:fld id="{03953C3F-D36F-4B1A-A959-B36391D1B06D}" type="datetimeFigureOut">
               <a:rPr lang="en-US" smtClean="0"/>
-              <a:t>3/22/2016</a:t>
+              <a:t>3/29/2016</a:t>
             </a:fld>
             <a:endParaRPr lang="en-US" dirty="0"/>
           </a:p>
@@ -7896,8 +7899,20 @@
             <a:pPr lvl="1"/>
             <a:r>
               <a:rPr lang="en-US" dirty="0" smtClean="0"/>
-              <a:t>40 classes</a:t>
-            </a:r>
+              <a:t>40 </a:t>
+            </a:r>
+            <a:r>
+              <a:rPr lang="en-US" dirty="0" smtClean="0"/>
+              <a:t>classes</a:t>
+            </a:r>
+          </a:p>
+          <a:p>
+            <a:pPr lvl="1"/>
+            <a:r>
+              <a:rPr lang="en-US" dirty="0" smtClean="0"/>
+              <a:t>10 data points per class</a:t>
+            </a:r>
+            <a:endParaRPr lang="en-US" dirty="0" smtClean="0"/>
           </a:p>
           <a:p>
             <a:r>
@@ -8037,8 +8052,20 @@
             <a:pPr lvl="1"/>
             <a:r>
               <a:rPr lang="en-US" dirty="0" smtClean="0"/>
-              <a:t>26 classes</a:t>
-            </a:r>
+              <a:t>26 </a:t>
+            </a:r>
+            <a:r>
+              <a:rPr lang="en-US" dirty="0" smtClean="0"/>
+              <a:t>classes</a:t>
+            </a:r>
+          </a:p>
+          <a:p>
+            <a:pPr lvl="1"/>
+            <a:r>
+              <a:rPr lang="en-US" dirty="0" smtClean="0"/>
+              <a:t>39 data points per class</a:t>
+            </a:r>
+            <a:endParaRPr lang="en-US" dirty="0" smtClean="0"/>
           </a:p>
           <a:p>
             <a:r>
@@ -8818,6 +8845,982 @@
 </p:sld>
 </file>
 
+<file path=ppt/slides/slide6.xml><?xml version="1.0" encoding="utf-8"?>
+<p:sld xmlns:a="http://schemas.openxmlformats.org/drawingml/2006/main" xmlns:r="http://schemas.openxmlformats.org/officeDocument/2006/relationships" xmlns:p="http://schemas.openxmlformats.org/presentationml/2006/main">
+  <p:cSld>
+    <p:spTree>
+      <p:nvGrpSpPr>
+        <p:cNvPr id="1" name=""/>
+        <p:cNvGrpSpPr/>
+        <p:nvPr/>
+      </p:nvGrpSpPr>
+      <p:grpSpPr>
+        <a:xfrm>
+          <a:off x="0" y="0"/>
+          <a:ext cx="0" cy="0"/>
+          <a:chOff x="0" y="0"/>
+          <a:chExt cx="0" cy="0"/>
+        </a:xfrm>
+      </p:grpSpPr>
+      <p:sp>
+        <p:nvSpPr>
+          <p:cNvPr id="2" name="Title 1"/>
+          <p:cNvSpPr>
+            <a:spLocks noGrp="1"/>
+          </p:cNvSpPr>
+          <p:nvPr>
+            <p:ph type="title"/>
+          </p:nvPr>
+        </p:nvSpPr>
+        <p:spPr/>
+        <p:txBody>
+          <a:bodyPr/>
+          <a:lstStyle/>
+          <a:p>
+            <a:r>
+              <a:rPr lang="en-US" dirty="0" smtClean="0"/>
+              <a:t>K-Means Clustering</a:t>
+            </a:r>
+            <a:endParaRPr lang="en-US" dirty="0"/>
+          </a:p>
+        </p:txBody>
+      </p:sp>
+      <mc:AlternateContent xmlns:mc="http://schemas.openxmlformats.org/markup-compatibility/2006">
+        <mc:Choice xmlns:a14="http://schemas.microsoft.com/office/drawing/2010/main" Requires="a14">
+          <p:sp>
+            <p:nvSpPr>
+              <p:cNvPr id="3" name="Content Placeholder 2"/>
+              <p:cNvSpPr>
+                <a:spLocks noGrp="1"/>
+              </p:cNvSpPr>
+              <p:nvPr>
+                <p:ph idx="1"/>
+              </p:nvPr>
+            </p:nvSpPr>
+            <p:spPr/>
+            <p:txBody>
+              <a:bodyPr>
+                <a:normAutofit fontScale="77500" lnSpcReduction="20000"/>
+              </a:bodyPr>
+              <a:lstStyle/>
+              <a:p>
+                <a:r>
+                  <a:rPr lang="en-US" dirty="0" smtClean="0"/>
+                  <a:t>Group data points into </a:t>
+                </a:r>
+                <a:r>
+                  <a:rPr lang="en-US" i="1" dirty="0" smtClean="0"/>
+                  <a:t>k</a:t>
+                </a:r>
+                <a:r>
+                  <a:rPr lang="en-US" dirty="0"/>
+                  <a:t> </a:t>
+                </a:r>
+                <a:r>
+                  <a:rPr lang="en-US" dirty="0" smtClean="0"/>
+                  <a:t>groups such that</a:t>
+                </a:r>
+              </a:p>
+              <a:p>
+                <a:pPr marL="0" indent="0">
+                  <a:buNone/>
+                </a:pPr>
+                <a14:m>
+                  <m:oMathPara xmlns:m="http://schemas.openxmlformats.org/officeDocument/2006/math">
+                    <m:oMathParaPr>
+                      <m:jc m:val="centerGroup"/>
+                    </m:oMathParaPr>
+                    <m:oMath xmlns:m="http://schemas.openxmlformats.org/officeDocument/2006/math">
+                      <m:nary>
+                        <m:naryPr>
+                          <m:chr m:val="∑"/>
+                          <m:ctrlPr>
+                            <a:rPr lang="en-US" i="1">
+                              <a:latin typeface="Cambria Math"/>
+                            </a:rPr>
+                          </m:ctrlPr>
+                        </m:naryPr>
+                        <m:sub>
+                          <m:r>
+                            <m:rPr>
+                              <m:brk m:alnAt="23"/>
+                            </m:rPr>
+                            <a:rPr lang="en-US" b="0" i="1" smtClean="0">
+                              <a:latin typeface="Cambria Math"/>
+                            </a:rPr>
+                            <m:t>𝑖</m:t>
+                          </m:r>
+                          <m:r>
+                            <a:rPr lang="en-US" b="0" i="1" smtClean="0">
+                              <a:latin typeface="Cambria Math"/>
+                            </a:rPr>
+                            <m:t>=1</m:t>
+                          </m:r>
+                        </m:sub>
+                        <m:sup>
+                          <m:r>
+                            <a:rPr lang="en-US" b="0" i="1" smtClean="0">
+                              <a:latin typeface="Cambria Math"/>
+                            </a:rPr>
+                            <m:t>𝑘</m:t>
+                          </m:r>
+                        </m:sup>
+                        <m:e>
+                          <m:nary>
+                            <m:naryPr>
+                              <m:chr m:val="∑"/>
+                              <m:supHide m:val="on"/>
+                              <m:ctrlPr>
+                                <a:rPr lang="en-US" i="1">
+                                  <a:latin typeface="Cambria Math"/>
+                                </a:rPr>
+                              </m:ctrlPr>
+                            </m:naryPr>
+                            <m:sub>
+                              <m:r>
+                                <m:rPr>
+                                  <m:brk m:alnAt="7"/>
+                                </m:rPr>
+                                <a:rPr lang="en-US" b="1" i="0" smtClean="0">
+                                  <a:latin typeface="Cambria Math"/>
+                                </a:rPr>
+                                <m:t>𝐱</m:t>
+                              </m:r>
+                              <m:r>
+                                <m:rPr>
+                                  <m:brk m:alnAt="7"/>
+                                </m:rPr>
+                                <a:rPr lang="en-US" b="1" i="1" smtClean="0">
+                                  <a:latin typeface="Cambria Math"/>
+                                  <a:ea typeface="Cambria Math"/>
+                                </a:rPr>
+                                <m:t>∈</m:t>
+                              </m:r>
+                              <m:sSub>
+                                <m:sSubPr>
+                                  <m:ctrlPr>
+                                    <a:rPr lang="en-US" b="1" i="1" smtClean="0">
+                                      <a:latin typeface="Cambria Math"/>
+                                      <a:ea typeface="Cambria Math"/>
+                                    </a:rPr>
+                                  </m:ctrlPr>
+                                </m:sSubPr>
+                                <m:e>
+                                  <m:r>
+                                    <a:rPr lang="en-US" b="1" i="1" smtClean="0">
+                                      <a:latin typeface="Cambria Math"/>
+                                      <a:ea typeface="Cambria Math"/>
+                                    </a:rPr>
+                                    <m:t>𝑺</m:t>
+                                  </m:r>
+                                </m:e>
+                                <m:sub>
+                                  <m:r>
+                                    <a:rPr lang="en-US" b="1" i="1" smtClean="0">
+                                      <a:latin typeface="Cambria Math"/>
+                                      <a:ea typeface="Cambria Math"/>
+                                    </a:rPr>
+                                    <m:t>𝒊</m:t>
+                                  </m:r>
+                                </m:sub>
+                              </m:sSub>
+                            </m:sub>
+                            <m:sup/>
+                            <m:e>
+                              <m:sSup>
+                                <m:sSupPr>
+                                  <m:ctrlPr>
+                                    <a:rPr lang="en-US" b="0" i="1" smtClean="0">
+                                      <a:latin typeface="Cambria Math"/>
+                                      <a:ea typeface="Cambria Math"/>
+                                    </a:rPr>
+                                  </m:ctrlPr>
+                                </m:sSupPr>
+                                <m:e>
+                                  <m:r>
+                                    <a:rPr lang="en-US" b="0" i="1" smtClean="0">
+                                      <a:latin typeface="Cambria Math"/>
+                                      <a:ea typeface="Cambria Math"/>
+                                    </a:rPr>
+                                    <m:t>||</m:t>
+                                  </m:r>
+                                  <m:r>
+                                    <a:rPr lang="en-US" b="1" i="0" smtClean="0">
+                                      <a:latin typeface="Cambria Math"/>
+                                    </a:rPr>
+                                    <m:t>𝐱</m:t>
+                                  </m:r>
+                                  <m:r>
+                                    <a:rPr lang="en-US" i="1">
+                                      <a:latin typeface="Cambria Math"/>
+                                    </a:rPr>
+                                    <m:t>−</m:t>
+                                  </m:r>
+                                  <m:sSub>
+                                    <m:sSubPr>
+                                      <m:ctrlPr>
+                                        <a:rPr lang="en-US" i="1">
+                                          <a:latin typeface="Cambria Math"/>
+                                          <a:ea typeface="Cambria Math"/>
+                                        </a:rPr>
+                                      </m:ctrlPr>
+                                    </m:sSubPr>
+                                    <m:e>
+                                      <m:r>
+                                        <a:rPr lang="en-US" i="1">
+                                          <a:latin typeface="Cambria Math"/>
+                                          <a:ea typeface="Cambria Math"/>
+                                        </a:rPr>
+                                        <m:t>𝜇</m:t>
+                                      </m:r>
+                                    </m:e>
+                                    <m:sub>
+                                      <m:r>
+                                        <a:rPr lang="en-US" i="1">
+                                          <a:latin typeface="Cambria Math"/>
+                                          <a:ea typeface="Cambria Math"/>
+                                        </a:rPr>
+                                        <m:t>𝑖</m:t>
+                                      </m:r>
+                                    </m:sub>
+                                  </m:sSub>
+                                  <m:r>
+                                    <a:rPr lang="en-US" b="0" i="1" smtClean="0">
+                                      <a:latin typeface="Cambria Math"/>
+                                      <a:ea typeface="Cambria Math"/>
+                                    </a:rPr>
+                                    <m:t>||</m:t>
+                                  </m:r>
+                                </m:e>
+                                <m:sup>
+                                  <m:r>
+                                    <a:rPr lang="en-US" b="0" i="1" smtClean="0">
+                                      <a:latin typeface="Cambria Math"/>
+                                      <a:ea typeface="Cambria Math"/>
+                                    </a:rPr>
+                                    <m:t>2</m:t>
+                                  </m:r>
+                                </m:sup>
+                              </m:sSup>
+                            </m:e>
+                          </m:nary>
+                        </m:e>
+                      </m:nary>
+                    </m:oMath>
+                  </m:oMathPara>
+                </a14:m>
+                <a:endParaRPr lang="en-US" dirty="0" smtClean="0"/>
+              </a:p>
+              <a:p>
+                <a:pPr marL="0" indent="0">
+                  <a:buNone/>
+                </a:pPr>
+                <a:r>
+                  <a:rPr lang="en-US" dirty="0"/>
+                  <a:t> </a:t>
+                </a:r>
+                <a:r>
+                  <a:rPr lang="en-US" dirty="0" smtClean="0"/>
+                  <a:t>   is minimized	</a:t>
+                </a:r>
+              </a:p>
+              <a:p>
+                <a:r>
+                  <a:rPr lang="en-US" dirty="0" err="1" smtClean="0"/>
+                  <a:t>MatLab</a:t>
+                </a:r>
+                <a:r>
+                  <a:rPr lang="en-US" dirty="0" smtClean="0"/>
+                  <a:t> syntax:</a:t>
+                </a:r>
+              </a:p>
+              <a:p>
+                <a:pPr lvl="1"/>
+                <a:r>
+                  <a:rPr lang="en-US" dirty="0" smtClean="0">
+                    <a:latin typeface="Miriam Fixed" panose="020B0509050101010101" pitchFamily="49" charset="-79"/>
+                    <a:cs typeface="Miriam Fixed" panose="020B0509050101010101" pitchFamily="49" charset="-79"/>
+                  </a:rPr>
+                  <a:t>[</a:t>
+                </a:r>
+                <a:r>
+                  <a:rPr lang="en-US" dirty="0" err="1" smtClean="0">
+                    <a:latin typeface="Miriam Fixed" panose="020B0509050101010101" pitchFamily="49" charset="-79"/>
+                    <a:cs typeface="Miriam Fixed" panose="020B0509050101010101" pitchFamily="49" charset="-79"/>
+                  </a:rPr>
+                  <a:t>cluster_label,mean</a:t>
+                </a:r>
+                <a:r>
+                  <a:rPr lang="en-US" dirty="0" smtClean="0">
+                    <a:latin typeface="Miriam Fixed" panose="020B0509050101010101" pitchFamily="49" charset="-79"/>
+                    <a:cs typeface="Miriam Fixed" panose="020B0509050101010101" pitchFamily="49" charset="-79"/>
+                  </a:rPr>
+                  <a:t>] = </a:t>
+                </a:r>
+                <a:r>
+                  <a:rPr lang="en-US" dirty="0" err="1" smtClean="0">
+                    <a:latin typeface="Miriam Fixed" panose="020B0509050101010101" pitchFamily="49" charset="-79"/>
+                    <a:cs typeface="Miriam Fixed" panose="020B0509050101010101" pitchFamily="49" charset="-79"/>
+                  </a:rPr>
+                  <a:t>kmeans</a:t>
+                </a:r>
+                <a:r>
+                  <a:rPr lang="en-US" dirty="0" smtClean="0">
+                    <a:latin typeface="Miriam Fixed" panose="020B0509050101010101" pitchFamily="49" charset="-79"/>
+                    <a:cs typeface="Miriam Fixed" panose="020B0509050101010101" pitchFamily="49" charset="-79"/>
+                  </a:rPr>
+                  <a:t>([</a:t>
+                </a:r>
+                <a:r>
+                  <a:rPr lang="en-US" dirty="0" err="1" smtClean="0">
+                    <a:latin typeface="Miriam Fixed" panose="020B0509050101010101" pitchFamily="49" charset="-79"/>
+                    <a:cs typeface="Miriam Fixed" panose="020B0509050101010101" pitchFamily="49" charset="-79"/>
+                  </a:rPr>
+                  <a:t>data_points</a:t>
+                </a:r>
+                <a:r>
+                  <a:rPr lang="en-US" dirty="0" smtClean="0">
+                    <a:latin typeface="Miriam Fixed" panose="020B0509050101010101" pitchFamily="49" charset="-79"/>
+                    <a:cs typeface="Miriam Fixed" panose="020B0509050101010101" pitchFamily="49" charset="-79"/>
+                  </a:rPr>
+                  <a:t>],k)</a:t>
+                </a:r>
+              </a:p>
+              <a:p>
+                <a:pPr lvl="1"/>
+                <a:r>
+                  <a:rPr lang="en-US" dirty="0" smtClean="0"/>
+                  <a:t>Only uses raw data-points, and  number of clusters as inputs</a:t>
+                </a:r>
+              </a:p>
+              <a:p>
+                <a:pPr lvl="1"/>
+                <a:r>
+                  <a:rPr lang="en-US" dirty="0" smtClean="0"/>
+                  <a:t>No labels used as inputs, so outputted labels would not match actual class labels</a:t>
+                </a:r>
+                <a:endParaRPr lang="en-US" dirty="0" smtClean="0"/>
+              </a:p>
+              <a:p>
+                <a:r>
+                  <a:rPr lang="en-US" dirty="0" smtClean="0"/>
+                  <a:t>Confusion Matrix</a:t>
+                </a:r>
+                <a:endParaRPr lang="en-US" dirty="0" smtClean="0"/>
+              </a:p>
+              <a:p>
+                <a:pPr lvl="1"/>
+                <a:r>
+                  <a:rPr lang="en-US" dirty="0" smtClean="0"/>
+                  <a:t>Matches predicted labels (mentioned above) with actual class labels</a:t>
+                </a:r>
+                <a:endParaRPr lang="en-US" dirty="0" smtClean="0"/>
+              </a:p>
+              <a:p>
+                <a:pPr lvl="1"/>
+                <a:r>
+                  <a:rPr lang="en-US" dirty="0" smtClean="0"/>
+                  <a:t>Does this by rearranging columns into </a:t>
+                </a:r>
+                <a:r>
+                  <a:rPr lang="en-US" dirty="0" smtClean="0"/>
+                  <a:t>a sparse </a:t>
+                </a:r>
+                <a:r>
+                  <a:rPr lang="en-US" dirty="0" smtClean="0"/>
+                  <a:t>matrix</a:t>
+                </a:r>
+              </a:p>
+              <a:p>
+                <a:pPr lvl="1"/>
+                <a:r>
+                  <a:rPr lang="en-US" dirty="0" smtClean="0"/>
+                  <a:t>Done </a:t>
+                </a:r>
+                <a:r>
+                  <a:rPr lang="en-US" dirty="0" smtClean="0"/>
+                  <a:t>via Hungarian-method or Bi-partite matching</a:t>
+                </a:r>
+                <a:endParaRPr lang="en-US" dirty="0"/>
+              </a:p>
+              <a:p>
+                <a:pPr lvl="1"/>
+                <a:endParaRPr lang="en-US" dirty="0" smtClean="0"/>
+              </a:p>
+              <a:p>
+                <a:pPr lvl="1"/>
+                <a:endParaRPr lang="en-US" dirty="0" smtClean="0"/>
+              </a:p>
+              <a:p>
+                <a:endParaRPr lang="en-US" dirty="0" smtClean="0"/>
+              </a:p>
+            </p:txBody>
+          </p:sp>
+        </mc:Choice>
+        <mc:Fallback>
+          <p:sp>
+            <p:nvSpPr>
+              <p:cNvPr id="3" name="Content Placeholder 2"/>
+              <p:cNvSpPr>
+                <a:spLocks noGrp="1" noRot="1" noChangeAspect="1" noMove="1" noResize="1" noEditPoints="1" noAdjustHandles="1" noChangeArrowheads="1" noChangeShapeType="1" noTextEdit="1"/>
+              </p:cNvSpPr>
+              <p:nvPr>
+                <p:ph idx="1"/>
+              </p:nvPr>
+            </p:nvSpPr>
+            <p:spPr>
+              <a:blipFill rotWithShape="1">
+                <a:blip r:embed="rId2"/>
+                <a:stretch>
+                  <a:fillRect l="-507" t="-3215"/>
+                </a:stretch>
+              </a:blipFill>
+            </p:spPr>
+            <p:txBody>
+              <a:bodyPr/>
+              <a:lstStyle/>
+              <a:p>
+                <a:r>
+                  <a:rPr lang="en-US">
+                    <a:noFill/>
+                  </a:rPr>
+                  <a:t> </a:t>
+                </a:r>
+              </a:p>
+            </p:txBody>
+          </p:sp>
+        </mc:Fallback>
+      </mc:AlternateContent>
+    </p:spTree>
+    <p:extLst>
+      <p:ext uri="{BB962C8B-B14F-4D97-AF65-F5344CB8AC3E}">
+        <p14:creationId xmlns:p14="http://schemas.microsoft.com/office/powerpoint/2010/main" val="382326330"/>
+      </p:ext>
+    </p:extLst>
+  </p:cSld>
+  <p:clrMapOvr>
+    <a:masterClrMapping/>
+  </p:clrMapOvr>
+  <p:timing>
+    <p:tnLst>
+      <p:par>
+        <p:cTn id="1" dur="indefinite" restart="never" nodeType="tmRoot"/>
+      </p:par>
+    </p:tnLst>
+  </p:timing>
+</p:sld>
+</file>
+
+<file path=ppt/slides/slide7.xml><?xml version="1.0" encoding="utf-8"?>
+<p:sld xmlns:a="http://schemas.openxmlformats.org/drawingml/2006/main" xmlns:r="http://schemas.openxmlformats.org/officeDocument/2006/relationships" xmlns:p="http://schemas.openxmlformats.org/presentationml/2006/main">
+  <p:cSld>
+    <p:spTree>
+      <p:nvGrpSpPr>
+        <p:cNvPr id="1" name=""/>
+        <p:cNvGrpSpPr/>
+        <p:nvPr/>
+      </p:nvGrpSpPr>
+      <p:grpSpPr>
+        <a:xfrm>
+          <a:off x="0" y="0"/>
+          <a:ext cx="0" cy="0"/>
+          <a:chOff x="0" y="0"/>
+          <a:chExt cx="0" cy="0"/>
+        </a:xfrm>
+      </p:grpSpPr>
+      <p:sp>
+        <p:nvSpPr>
+          <p:cNvPr id="2" name="Title 1"/>
+          <p:cNvSpPr>
+            <a:spLocks noGrp="1"/>
+          </p:cNvSpPr>
+          <p:nvPr>
+            <p:ph type="title"/>
+          </p:nvPr>
+        </p:nvSpPr>
+        <p:spPr/>
+        <p:txBody>
+          <a:bodyPr/>
+          <a:lstStyle/>
+          <a:p>
+            <a:r>
+              <a:rPr lang="en-US" dirty="0" smtClean="0"/>
+              <a:t>Faces - Confusion Matrix / Sparse Matrix</a:t>
+            </a:r>
+            <a:endParaRPr lang="en-US" dirty="0"/>
+          </a:p>
+        </p:txBody>
+      </p:sp>
+      <p:sp>
+        <p:nvSpPr>
+          <p:cNvPr id="7" name="Content Placeholder 6"/>
+          <p:cNvSpPr>
+            <a:spLocks noGrp="1"/>
+          </p:cNvSpPr>
+          <p:nvPr>
+            <p:ph idx="1"/>
+          </p:nvPr>
+        </p:nvSpPr>
+        <p:spPr/>
+        <p:txBody>
+          <a:bodyPr>
+            <a:normAutofit lnSpcReduction="10000"/>
+          </a:bodyPr>
+          <a:lstStyle/>
+          <a:p>
+            <a:r>
+              <a:rPr lang="en-US" dirty="0" smtClean="0"/>
+              <a:t>Faces</a:t>
+            </a:r>
+          </a:p>
+          <a:p>
+            <a:pPr lvl="1"/>
+            <a:r>
+              <a:rPr lang="en-US" dirty="0" smtClean="0"/>
+              <a:t>40 classes</a:t>
+            </a:r>
+          </a:p>
+          <a:p>
+            <a:pPr lvl="1"/>
+            <a:r>
+              <a:rPr lang="en-US" dirty="0" smtClean="0"/>
+              <a:t>10 images per class</a:t>
+            </a:r>
+          </a:p>
+          <a:p>
+            <a:pPr lvl="1"/>
+            <a:r>
+              <a:rPr lang="en-US" dirty="0" smtClean="0"/>
+              <a:t>400 images total</a:t>
+            </a:r>
+          </a:p>
+          <a:p>
+            <a:r>
+              <a:rPr lang="en-US" dirty="0" smtClean="0"/>
+              <a:t>Images</a:t>
+            </a:r>
+          </a:p>
+          <a:p>
+            <a:pPr lvl="1"/>
+            <a:r>
+              <a:rPr lang="en-US" dirty="0" smtClean="0"/>
+              <a:t>Width of 23 pixels</a:t>
+            </a:r>
+          </a:p>
+          <a:p>
+            <a:pPr lvl="1"/>
+            <a:r>
+              <a:rPr lang="en-US" dirty="0" smtClean="0"/>
+              <a:t>Height of 28 pixels</a:t>
+            </a:r>
+            <a:endParaRPr lang="en-US" dirty="0"/>
+          </a:p>
+          <a:p>
+            <a:r>
+              <a:rPr lang="en-US" dirty="0" smtClean="0"/>
+              <a:t>Classification</a:t>
+            </a:r>
+            <a:endParaRPr lang="en-US" dirty="0"/>
+          </a:p>
+          <a:p>
+            <a:pPr lvl="1"/>
+            <a:r>
+              <a:rPr lang="en-US" dirty="0" smtClean="0"/>
+              <a:t># correct: 233 - 293</a:t>
+            </a:r>
+          </a:p>
+          <a:p>
+            <a:pPr lvl="1"/>
+            <a:r>
+              <a:rPr lang="en-US" dirty="0" smtClean="0"/>
+              <a:t>% correct: 58% - 73%</a:t>
+            </a:r>
+          </a:p>
+        </p:txBody>
+      </p:sp>
+      <p:pic>
+        <p:nvPicPr>
+          <p:cNvPr id="8" name="Picture 7"/>
+          <p:cNvPicPr>
+            <a:picLocks noChangeAspect="1"/>
+          </p:cNvPicPr>
+          <p:nvPr/>
+        </p:nvPicPr>
+        <p:blipFill>
+          <a:blip r:embed="rId2">
+            <a:extLst>
+              <a:ext uri="{28A0092B-C50C-407E-A947-70E740481C1C}">
+                <a14:useLocalDpi xmlns:a14="http://schemas.microsoft.com/office/drawing/2010/main" val="0"/>
+              </a:ext>
+            </a:extLst>
+          </a:blip>
+          <a:stretch>
+            <a:fillRect/>
+          </a:stretch>
+        </p:blipFill>
+        <p:spPr>
+          <a:xfrm>
+            <a:off x="4643152" y="2676797"/>
+            <a:ext cx="2980805" cy="2980805"/>
+          </a:xfrm>
+          <a:prstGeom prst="rect">
+            <a:avLst/>
+          </a:prstGeom>
+        </p:spPr>
+      </p:pic>
+      <p:pic>
+        <p:nvPicPr>
+          <p:cNvPr id="9" name="Picture 8"/>
+          <p:cNvPicPr>
+            <a:picLocks noChangeAspect="1"/>
+          </p:cNvPicPr>
+          <p:nvPr/>
+        </p:nvPicPr>
+        <p:blipFill>
+          <a:blip r:embed="rId3">
+            <a:extLst>
+              <a:ext uri="{28A0092B-C50C-407E-A947-70E740481C1C}">
+                <a14:useLocalDpi xmlns:a14="http://schemas.microsoft.com/office/drawing/2010/main" val="0"/>
+              </a:ext>
+            </a:extLst>
+          </a:blip>
+          <a:stretch>
+            <a:fillRect/>
+          </a:stretch>
+        </p:blipFill>
+        <p:spPr>
+          <a:xfrm>
+            <a:off x="8940040" y="2676797"/>
+            <a:ext cx="2980804" cy="2980804"/>
+          </a:xfrm>
+          <a:prstGeom prst="rect">
+            <a:avLst/>
+          </a:prstGeom>
+        </p:spPr>
+      </p:pic>
+      <p:sp>
+        <p:nvSpPr>
+          <p:cNvPr id="10" name="Right Arrow 9"/>
+          <p:cNvSpPr/>
+          <p:nvPr/>
+        </p:nvSpPr>
+        <p:spPr>
+          <a:xfrm>
+            <a:off x="7778337" y="3908383"/>
+            <a:ext cx="1045029" cy="517631"/>
+          </a:xfrm>
+          <a:prstGeom prst="rightArrow">
+            <a:avLst/>
+          </a:prstGeom>
+          <a:solidFill>
+            <a:srgbClr val="0070C0"/>
+          </a:solidFill>
+          <a:ln>
+            <a:solidFill>
+              <a:schemeClr val="bg1"/>
+            </a:solidFill>
+          </a:ln>
+        </p:spPr>
+        <p:style>
+          <a:lnRef idx="2">
+            <a:schemeClr val="accent1">
+              <a:shade val="50000"/>
+            </a:schemeClr>
+          </a:lnRef>
+          <a:fillRef idx="1">
+            <a:schemeClr val="accent1"/>
+          </a:fillRef>
+          <a:effectRef idx="0">
+            <a:schemeClr val="accent1"/>
+          </a:effectRef>
+          <a:fontRef idx="minor">
+            <a:schemeClr val="lt1"/>
+          </a:fontRef>
+        </p:style>
+        <p:txBody>
+          <a:bodyPr rtlCol="0" anchor="ctr"/>
+          <a:lstStyle/>
+          <a:p>
+            <a:pPr algn="ctr"/>
+            <a:endParaRPr lang="en-US"/>
+          </a:p>
+        </p:txBody>
+      </p:sp>
+    </p:spTree>
+    <p:extLst>
+      <p:ext uri="{BB962C8B-B14F-4D97-AF65-F5344CB8AC3E}">
+        <p14:creationId xmlns:p14="http://schemas.microsoft.com/office/powerpoint/2010/main" val="4254007130"/>
+      </p:ext>
+    </p:extLst>
+  </p:cSld>
+  <p:clrMapOvr>
+    <a:masterClrMapping/>
+  </p:clrMapOvr>
+  <p:timing>
+    <p:tnLst>
+      <p:par>
+        <p:cTn id="1" dur="indefinite" restart="never" nodeType="tmRoot"/>
+      </p:par>
+    </p:tnLst>
+  </p:timing>
+</p:sld>
+</file>
+
+<file path=ppt/slides/slide8.xml><?xml version="1.0" encoding="utf-8"?>
+<p:sld xmlns:a="http://schemas.openxmlformats.org/drawingml/2006/main" xmlns:r="http://schemas.openxmlformats.org/officeDocument/2006/relationships" xmlns:p="http://schemas.openxmlformats.org/presentationml/2006/main">
+  <p:cSld>
+    <p:spTree>
+      <p:nvGrpSpPr>
+        <p:cNvPr id="1" name=""/>
+        <p:cNvGrpSpPr/>
+        <p:nvPr/>
+      </p:nvGrpSpPr>
+      <p:grpSpPr>
+        <a:xfrm>
+          <a:off x="0" y="0"/>
+          <a:ext cx="0" cy="0"/>
+          <a:chOff x="0" y="0"/>
+          <a:chExt cx="0" cy="0"/>
+        </a:xfrm>
+      </p:grpSpPr>
+      <p:sp>
+        <p:nvSpPr>
+          <p:cNvPr id="2" name="Title 1"/>
+          <p:cNvSpPr>
+            <a:spLocks noGrp="1"/>
+          </p:cNvSpPr>
+          <p:nvPr>
+            <p:ph type="title"/>
+          </p:nvPr>
+        </p:nvSpPr>
+        <p:spPr/>
+        <p:txBody>
+          <a:bodyPr/>
+          <a:lstStyle/>
+          <a:p>
+            <a:r>
+              <a:rPr lang="en-US" dirty="0" smtClean="0"/>
+              <a:t>Letters - Confusion Matrix / Sparse Matrix</a:t>
+            </a:r>
+            <a:endParaRPr lang="en-US" dirty="0"/>
+          </a:p>
+        </p:txBody>
+      </p:sp>
+      <p:sp>
+        <p:nvSpPr>
+          <p:cNvPr id="7" name="Content Placeholder 6"/>
+          <p:cNvSpPr>
+            <a:spLocks noGrp="1"/>
+          </p:cNvSpPr>
+          <p:nvPr>
+            <p:ph idx="1"/>
+          </p:nvPr>
+        </p:nvSpPr>
+        <p:spPr/>
+        <p:txBody>
+          <a:bodyPr>
+            <a:normAutofit lnSpcReduction="10000"/>
+          </a:bodyPr>
+          <a:lstStyle/>
+          <a:p>
+            <a:r>
+              <a:rPr lang="en-US" dirty="0" smtClean="0"/>
+              <a:t>Letters</a:t>
+            </a:r>
+          </a:p>
+          <a:p>
+            <a:pPr lvl="1"/>
+            <a:r>
+              <a:rPr lang="en-US" dirty="0" smtClean="0"/>
+              <a:t>26 classes</a:t>
+            </a:r>
+          </a:p>
+          <a:p>
+            <a:pPr lvl="1"/>
+            <a:r>
+              <a:rPr lang="en-US" dirty="0" smtClean="0"/>
+              <a:t>39 images per class</a:t>
+            </a:r>
+          </a:p>
+          <a:p>
+            <a:pPr lvl="1"/>
+            <a:r>
+              <a:rPr lang="en-US" dirty="0" smtClean="0"/>
+              <a:t>1,014 images total</a:t>
+            </a:r>
+          </a:p>
+          <a:p>
+            <a:r>
+              <a:rPr lang="en-US" dirty="0" smtClean="0"/>
+              <a:t>Images</a:t>
+            </a:r>
+          </a:p>
+          <a:p>
+            <a:pPr lvl="1"/>
+            <a:r>
+              <a:rPr lang="en-US" dirty="0" smtClean="0"/>
+              <a:t>Width of 16 pixels</a:t>
+            </a:r>
+          </a:p>
+          <a:p>
+            <a:pPr lvl="1"/>
+            <a:r>
+              <a:rPr lang="en-US" dirty="0" smtClean="0"/>
+              <a:t>Height of 20 pixels</a:t>
+            </a:r>
+            <a:endParaRPr lang="en-US" dirty="0"/>
+          </a:p>
+          <a:p>
+            <a:r>
+              <a:rPr lang="en-US" dirty="0" smtClean="0"/>
+              <a:t>Classification</a:t>
+            </a:r>
+            <a:endParaRPr lang="en-US" dirty="0"/>
+          </a:p>
+          <a:p>
+            <a:pPr lvl="1"/>
+            <a:r>
+              <a:rPr lang="en-US" dirty="0" smtClean="0"/>
+              <a:t># correct: 464 - 519</a:t>
+            </a:r>
+          </a:p>
+          <a:p>
+            <a:pPr lvl="1"/>
+            <a:r>
+              <a:rPr lang="en-US" dirty="0" smtClean="0"/>
+              <a:t>% correct: 46% - 52%</a:t>
+            </a:r>
+          </a:p>
+        </p:txBody>
+      </p:sp>
+      <p:pic>
+        <p:nvPicPr>
+          <p:cNvPr id="8" name="Picture 7"/>
+          <p:cNvPicPr>
+            <a:picLocks noChangeAspect="1"/>
+          </p:cNvPicPr>
+          <p:nvPr/>
+        </p:nvPicPr>
+        <p:blipFill>
+          <a:blip r:embed="rId2">
+            <a:extLst>
+              <a:ext uri="{28A0092B-C50C-407E-A947-70E740481C1C}">
+                <a14:useLocalDpi xmlns:a14="http://schemas.microsoft.com/office/drawing/2010/main" val="0"/>
+              </a:ext>
+            </a:extLst>
+          </a:blip>
+          <a:stretch>
+            <a:fillRect/>
+          </a:stretch>
+        </p:blipFill>
+        <p:spPr>
+          <a:xfrm>
+            <a:off x="4643152" y="2676797"/>
+            <a:ext cx="2980805" cy="2980805"/>
+          </a:xfrm>
+          <a:prstGeom prst="rect">
+            <a:avLst/>
+          </a:prstGeom>
+        </p:spPr>
+      </p:pic>
+      <p:pic>
+        <p:nvPicPr>
+          <p:cNvPr id="9" name="Picture 8"/>
+          <p:cNvPicPr>
+            <a:picLocks noChangeAspect="1"/>
+          </p:cNvPicPr>
+          <p:nvPr/>
+        </p:nvPicPr>
+        <p:blipFill>
+          <a:blip r:embed="rId3">
+            <a:extLst>
+              <a:ext uri="{28A0092B-C50C-407E-A947-70E740481C1C}">
+                <a14:useLocalDpi xmlns:a14="http://schemas.microsoft.com/office/drawing/2010/main" val="0"/>
+              </a:ext>
+            </a:extLst>
+          </a:blip>
+          <a:stretch>
+            <a:fillRect/>
+          </a:stretch>
+        </p:blipFill>
+        <p:spPr>
+          <a:xfrm>
+            <a:off x="8940040" y="2676797"/>
+            <a:ext cx="2980804" cy="2980804"/>
+          </a:xfrm>
+          <a:prstGeom prst="rect">
+            <a:avLst/>
+          </a:prstGeom>
+        </p:spPr>
+      </p:pic>
+      <p:sp>
+        <p:nvSpPr>
+          <p:cNvPr id="10" name="Right Arrow 9"/>
+          <p:cNvSpPr/>
+          <p:nvPr/>
+        </p:nvSpPr>
+        <p:spPr>
+          <a:xfrm>
+            <a:off x="7778337" y="3908383"/>
+            <a:ext cx="1045029" cy="517631"/>
+          </a:xfrm>
+          <a:prstGeom prst="rightArrow">
+            <a:avLst/>
+          </a:prstGeom>
+          <a:solidFill>
+            <a:srgbClr val="0070C0"/>
+          </a:solidFill>
+          <a:ln>
+            <a:solidFill>
+              <a:schemeClr val="bg1"/>
+            </a:solidFill>
+          </a:ln>
+        </p:spPr>
+        <p:style>
+          <a:lnRef idx="2">
+            <a:schemeClr val="accent1">
+              <a:shade val="50000"/>
+            </a:schemeClr>
+          </a:lnRef>
+          <a:fillRef idx="1">
+            <a:schemeClr val="accent1"/>
+          </a:fillRef>
+          <a:effectRef idx="0">
+            <a:schemeClr val="accent1"/>
+          </a:effectRef>
+          <a:fontRef idx="minor">
+            <a:schemeClr val="lt1"/>
+          </a:fontRef>
+        </p:style>
+        <p:txBody>
+          <a:bodyPr rtlCol="0" anchor="ctr"/>
+          <a:lstStyle/>
+          <a:p>
+            <a:pPr algn="ctr"/>
+            <a:endParaRPr lang="en-US"/>
+          </a:p>
+        </p:txBody>
+      </p:sp>
+    </p:spTree>
+    <p:extLst>
+      <p:ext uri="{BB962C8B-B14F-4D97-AF65-F5344CB8AC3E}">
+        <p14:creationId xmlns:p14="http://schemas.microsoft.com/office/powerpoint/2010/main" val="1752666763"/>
+      </p:ext>
+    </p:extLst>
+  </p:cSld>
+  <p:clrMapOvr>
+    <a:masterClrMapping/>
+  </p:clrMapOvr>
+  <p:timing>
+    <p:tnLst>
+      <p:par>
+        <p:cTn id="1" dur="indefinite" restart="never" nodeType="tmRoot"/>
+      </p:par>
+    </p:tnLst>
+  </p:timing>
+</p:sld>
+</file>
+
 <file path=ppt/theme/theme1.xml><?xml version="1.0" encoding="utf-8"?>
 <a:theme xmlns:a="http://schemas.openxmlformats.org/drawingml/2006/main" name="Berlin">
   <a:themeElements>

--- a/hw02/Data Mining Project 2.pptx
+++ b/hw02/Data Mining Project 2.pptx
@@ -9,10 +9,10 @@
     <p:sldId id="257" r:id="rId3"/>
     <p:sldId id="269" r:id="rId4"/>
     <p:sldId id="267" r:id="rId5"/>
-    <p:sldId id="270" r:id="rId6"/>
-    <p:sldId id="271" r:id="rId7"/>
-    <p:sldId id="272" r:id="rId8"/>
-    <p:sldId id="273" r:id="rId9"/>
+    <p:sldId id="271" r:id="rId6"/>
+    <p:sldId id="272" r:id="rId7"/>
+    <p:sldId id="273" r:id="rId8"/>
+    <p:sldId id="274" r:id="rId9"/>
   </p:sldIdLst>
   <p:sldSz cx="12192000" cy="6858000"/>
   <p:notesSz cx="6858000" cy="9144000"/>
@@ -113,7 +113,18 @@
   </p:defaultTextStyle>
   <p:extLst>
     <p:ext uri="{EFAFB233-063F-42B5-8137-9DF3F51BA10A}">
-      <p15:sldGuideLst xmlns="" xmlns:p15="http://schemas.microsoft.com/office/powerpoint/2012/main"/>
+      <p15:sldGuideLst xmlns:p15="http://schemas.microsoft.com/office/powerpoint/2012/main">
+        <p15:guide id="1" orient="horz" pos="2160">
+          <p15:clr>
+            <a:srgbClr val="A4A3A4"/>
+          </p15:clr>
+        </p15:guide>
+        <p15:guide id="2" pos="3840">
+          <p15:clr>
+            <a:srgbClr val="A4A3A4"/>
+          </p15:clr>
+        </p15:guide>
+      </p15:sldGuideLst>
     </p:ext>
   </p:extLst>
 </p:presentation>
@@ -302,7 +313,7 @@
           </a:lstStyle>
           <a:p>
             <a:r>
-              <a:rPr lang="en-US" smtClean="0"/>
+              <a:rPr lang="en-US"/>
               <a:t>Click to edit Master title style</a:t>
             </a:r>
             <a:endParaRPr lang="en-US" dirty="0"/>
@@ -369,7 +380,7 @@
           </a:lstStyle>
           <a:p>
             <a:r>
-              <a:rPr lang="en-US" smtClean="0"/>
+              <a:rPr lang="en-US"/>
               <a:t>Click to edit Master subtitle style</a:t>
             </a:r>
             <a:endParaRPr lang="en-US" dirty="0"/>
@@ -393,7 +404,7 @@
           <a:p>
             <a:fld id="{03953C3F-D36F-4B1A-A959-B36391D1B06D}" type="datetimeFigureOut">
               <a:rPr lang="en-US" smtClean="0"/>
-              <a:t>3/29/2016</a:t>
+              <a:t>3/30/2016</a:t>
             </a:fld>
             <a:endParaRPr lang="en-US" dirty="0"/>
           </a:p>
@@ -642,7 +653,7 @@
           </a:lstStyle>
           <a:p>
             <a:r>
-              <a:rPr lang="en-US" smtClean="0"/>
+              <a:rPr lang="en-US"/>
               <a:t>Click to edit Master title style</a:t>
             </a:r>
             <a:endParaRPr lang="en-US" dirty="0"/>
@@ -718,7 +729,7 @@
           </a:lstStyle>
           <a:p>
             <a:r>
-              <a:rPr lang="en-US" smtClean="0"/>
+              <a:rPr lang="en-US"/>
               <a:t>Click icon to add picture</a:t>
             </a:r>
             <a:endParaRPr lang="en-US" dirty="0"/>
@@ -784,7 +795,7 @@
           <a:p>
             <a:pPr lvl="0"/>
             <a:r>
-              <a:rPr lang="en-US" smtClean="0"/>
+              <a:rPr lang="en-US"/>
               <a:t>Click to edit Master text styles</a:t>
             </a:r>
           </a:p>
@@ -807,7 +818,7 @@
           <a:p>
             <a:fld id="{03953C3F-D36F-4B1A-A959-B36391D1B06D}" type="datetimeFigureOut">
               <a:rPr lang="en-US" smtClean="0"/>
-              <a:t>3/29/2016</a:t>
+              <a:t>3/30/2016</a:t>
             </a:fld>
             <a:endParaRPr lang="en-US" dirty="0"/>
           </a:p>
@@ -1054,7 +1065,7 @@
           </a:lstStyle>
           <a:p>
             <a:r>
-              <a:rPr lang="en-US" smtClean="0"/>
+              <a:rPr lang="en-US"/>
               <a:t>Click to edit Master title style</a:t>
             </a:r>
             <a:endParaRPr lang="en-US" dirty="0"/>
@@ -1120,7 +1131,7 @@
           <a:p>
             <a:pPr lvl="0"/>
             <a:r>
-              <a:rPr lang="en-US" smtClean="0"/>
+              <a:rPr lang="en-US"/>
               <a:t>Click to edit Master text styles</a:t>
             </a:r>
           </a:p>
@@ -1143,7 +1154,7 @@
           <a:p>
             <a:fld id="{03953C3F-D36F-4B1A-A959-B36391D1B06D}" type="datetimeFigureOut">
               <a:rPr lang="en-US" smtClean="0"/>
-              <a:t>3/29/2016</a:t>
+              <a:t>3/30/2016</a:t>
             </a:fld>
             <a:endParaRPr lang="en-US" dirty="0"/>
           </a:p>
@@ -1390,7 +1401,7 @@
           </a:lstStyle>
           <a:p>
             <a:r>
-              <a:rPr lang="en-US" smtClean="0"/>
+              <a:rPr lang="en-US"/>
               <a:t>Click to edit Master title style</a:t>
             </a:r>
             <a:endParaRPr lang="en-US" dirty="0"/>
@@ -1458,7 +1469,7 @@
           <a:p>
             <a:pPr lvl="0"/>
             <a:r>
-              <a:rPr lang="en-US" smtClean="0"/>
+              <a:rPr lang="en-US"/>
               <a:t>Click to edit Master text styles</a:t>
             </a:r>
           </a:p>
@@ -1525,7 +1536,7 @@
           <a:p>
             <a:pPr lvl="0"/>
             <a:r>
-              <a:rPr lang="en-US" smtClean="0"/>
+              <a:rPr lang="en-US"/>
               <a:t>Click to edit Master text styles</a:t>
             </a:r>
           </a:p>
@@ -1548,7 +1559,7 @@
           <a:p>
             <a:fld id="{03953C3F-D36F-4B1A-A959-B36391D1B06D}" type="datetimeFigureOut">
               <a:rPr lang="en-US" smtClean="0"/>
-              <a:t>3/29/2016</a:t>
+              <a:t>3/30/2016</a:t>
             </a:fld>
             <a:endParaRPr lang="en-US" dirty="0"/>
           </a:p>
@@ -2027,7 +2038,7 @@
           </a:lstStyle>
           <a:p>
             <a:r>
-              <a:rPr lang="en-US" smtClean="0"/>
+              <a:rPr lang="en-US"/>
               <a:t>Click to edit Master title style</a:t>
             </a:r>
             <a:endParaRPr lang="en-US" dirty="0"/>
@@ -2093,7 +2104,7 @@
           <a:p>
             <a:pPr lvl="0"/>
             <a:r>
-              <a:rPr lang="en-US" smtClean="0"/>
+              <a:rPr lang="en-US"/>
               <a:t>Click to edit Master text styles</a:t>
             </a:r>
           </a:p>
@@ -2116,7 +2127,7 @@
           <a:p>
             <a:fld id="{03953C3F-D36F-4B1A-A959-B36391D1B06D}" type="datetimeFigureOut">
               <a:rPr lang="en-US" smtClean="0"/>
-              <a:t>3/29/2016</a:t>
+              <a:t>3/30/2016</a:t>
             </a:fld>
             <a:endParaRPr lang="en-US" dirty="0"/>
           </a:p>
@@ -2359,7 +2370,7 @@
           <a:lstStyle/>
           <a:p>
             <a:r>
-              <a:rPr lang="en-US" smtClean="0"/>
+              <a:rPr lang="en-US"/>
               <a:t>Click to edit Master title style</a:t>
             </a:r>
             <a:endParaRPr lang="en-US" dirty="0"/>
@@ -2431,7 +2442,7 @@
           <a:p>
             <a:pPr lvl="0"/>
             <a:r>
-              <a:rPr lang="en-US" smtClean="0"/>
+              <a:rPr lang="en-US"/>
               <a:t>Click to edit Master text styles</a:t>
             </a:r>
           </a:p>
@@ -2498,7 +2509,7 @@
           <a:p>
             <a:pPr lvl="0"/>
             <a:r>
-              <a:rPr lang="en-US" smtClean="0"/>
+              <a:rPr lang="en-US"/>
               <a:t>Click to edit Master text styles</a:t>
             </a:r>
           </a:p>
@@ -2569,7 +2580,7 @@
           <a:p>
             <a:pPr lvl="0"/>
             <a:r>
-              <a:rPr lang="en-US" smtClean="0"/>
+              <a:rPr lang="en-US"/>
               <a:t>Click to edit Master text styles</a:t>
             </a:r>
           </a:p>
@@ -2636,7 +2647,7 @@
           <a:p>
             <a:pPr lvl="0"/>
             <a:r>
-              <a:rPr lang="en-US" smtClean="0"/>
+              <a:rPr lang="en-US"/>
               <a:t>Click to edit Master text styles</a:t>
             </a:r>
           </a:p>
@@ -2707,7 +2718,7 @@
           <a:p>
             <a:pPr lvl="0"/>
             <a:r>
-              <a:rPr lang="en-US" smtClean="0"/>
+              <a:rPr lang="en-US"/>
               <a:t>Click to edit Master text styles</a:t>
             </a:r>
           </a:p>
@@ -2774,7 +2785,7 @@
           <a:p>
             <a:pPr lvl="0"/>
             <a:r>
-              <a:rPr lang="en-US" smtClean="0"/>
+              <a:rPr lang="en-US"/>
               <a:t>Click to edit Master text styles</a:t>
             </a:r>
           </a:p>
@@ -2797,7 +2808,7 @@
           <a:p>
             <a:fld id="{03953C3F-D36F-4B1A-A959-B36391D1B06D}" type="datetimeFigureOut">
               <a:rPr lang="en-US" smtClean="0"/>
-              <a:t>3/29/2016</a:t>
+              <a:t>3/30/2016</a:t>
             </a:fld>
             <a:endParaRPr lang="en-US" dirty="0"/>
           </a:p>
@@ -3035,7 +3046,7 @@
           <a:lstStyle/>
           <a:p>
             <a:r>
-              <a:rPr lang="en-US" smtClean="0"/>
+              <a:rPr lang="en-US"/>
               <a:t>Click to edit Master title style</a:t>
             </a:r>
             <a:endParaRPr lang="en-US" dirty="0"/>
@@ -3107,7 +3118,7 @@
           <a:p>
             <a:pPr lvl="0"/>
             <a:r>
-              <a:rPr lang="en-US" smtClean="0"/>
+              <a:rPr lang="en-US"/>
               <a:t>Click to edit Master text styles</a:t>
             </a:r>
           </a:p>
@@ -3185,7 +3196,7 @@
           </a:lstStyle>
           <a:p>
             <a:r>
-              <a:rPr lang="en-US" smtClean="0"/>
+              <a:rPr lang="en-US"/>
               <a:t>Click icon to add picture</a:t>
             </a:r>
             <a:endParaRPr lang="en-US" dirty="0"/>
@@ -3253,7 +3264,7 @@
           <a:p>
             <a:pPr lvl="0"/>
             <a:r>
-              <a:rPr lang="en-US" smtClean="0"/>
+              <a:rPr lang="en-US"/>
               <a:t>Click to edit Master text styles</a:t>
             </a:r>
           </a:p>
@@ -3324,7 +3335,7 @@
           <a:p>
             <a:pPr lvl="0"/>
             <a:r>
-              <a:rPr lang="en-US" smtClean="0"/>
+              <a:rPr lang="en-US"/>
               <a:t>Click to edit Master text styles</a:t>
             </a:r>
           </a:p>
@@ -3402,7 +3413,7 @@
           </a:lstStyle>
           <a:p>
             <a:r>
-              <a:rPr lang="en-US" smtClean="0"/>
+              <a:rPr lang="en-US"/>
               <a:t>Click icon to add picture</a:t>
             </a:r>
             <a:endParaRPr lang="en-US" dirty="0"/>
@@ -3470,7 +3481,7 @@
           <a:p>
             <a:pPr lvl="0"/>
             <a:r>
-              <a:rPr lang="en-US" smtClean="0"/>
+              <a:rPr lang="en-US"/>
               <a:t>Click to edit Master text styles</a:t>
             </a:r>
           </a:p>
@@ -3541,7 +3552,7 @@
           <a:p>
             <a:pPr lvl="0"/>
             <a:r>
-              <a:rPr lang="en-US" smtClean="0"/>
+              <a:rPr lang="en-US"/>
               <a:t>Click to edit Master text styles</a:t>
             </a:r>
           </a:p>
@@ -3619,7 +3630,7 @@
           </a:lstStyle>
           <a:p>
             <a:r>
-              <a:rPr lang="en-US" smtClean="0"/>
+              <a:rPr lang="en-US"/>
               <a:t>Click icon to add picture</a:t>
             </a:r>
             <a:endParaRPr lang="en-US" dirty="0"/>
@@ -3687,7 +3698,7 @@
           <a:p>
             <a:pPr lvl="0"/>
             <a:r>
-              <a:rPr lang="en-US" smtClean="0"/>
+              <a:rPr lang="en-US"/>
               <a:t>Click to edit Master text styles</a:t>
             </a:r>
           </a:p>
@@ -3710,7 +3721,7 @@
           <a:p>
             <a:fld id="{03953C3F-D36F-4B1A-A959-B36391D1B06D}" type="datetimeFigureOut">
               <a:rPr lang="en-US" smtClean="0"/>
-              <a:t>3/29/2016</a:t>
+              <a:t>3/30/2016</a:t>
             </a:fld>
             <a:endParaRPr lang="en-US" dirty="0"/>
           </a:p>
@@ -3947,7 +3958,7 @@
           </a:lstStyle>
           <a:p>
             <a:r>
-              <a:rPr lang="en-US" smtClean="0"/>
+              <a:rPr lang="en-US"/>
               <a:t>Click to edit Master title style</a:t>
             </a:r>
             <a:endParaRPr lang="en-US" dirty="0"/>
@@ -3971,35 +3982,35 @@
           <a:p>
             <a:pPr lvl="0"/>
             <a:r>
-              <a:rPr lang="en-US" smtClean="0"/>
+              <a:rPr lang="en-US"/>
               <a:t>Click to edit Master text styles</a:t>
             </a:r>
           </a:p>
           <a:p>
             <a:pPr lvl="1"/>
             <a:r>
-              <a:rPr lang="en-US" smtClean="0"/>
+              <a:rPr lang="en-US"/>
               <a:t>Second level</a:t>
             </a:r>
           </a:p>
           <a:p>
             <a:pPr lvl="2"/>
             <a:r>
-              <a:rPr lang="en-US" smtClean="0"/>
+              <a:rPr lang="en-US"/>
               <a:t>Third level</a:t>
             </a:r>
           </a:p>
           <a:p>
             <a:pPr lvl="3"/>
             <a:r>
-              <a:rPr lang="en-US" smtClean="0"/>
+              <a:rPr lang="en-US"/>
               <a:t>Fourth level</a:t>
             </a:r>
           </a:p>
           <a:p>
             <a:pPr lvl="4"/>
             <a:r>
-              <a:rPr lang="en-US" smtClean="0"/>
+              <a:rPr lang="en-US"/>
               <a:t>Fifth level</a:t>
             </a:r>
             <a:endParaRPr lang="en-US" dirty="0"/>
@@ -4023,7 +4034,7 @@
           <a:p>
             <a:fld id="{03953C3F-D36F-4B1A-A959-B36391D1B06D}" type="datetimeFigureOut">
               <a:rPr lang="en-US" smtClean="0"/>
-              <a:t>3/29/2016</a:t>
+              <a:t>3/30/2016</a:t>
             </a:fld>
             <a:endParaRPr lang="en-US" dirty="0"/>
           </a:p>
@@ -4201,7 +4212,7 @@
           <a:lstStyle/>
           <a:p>
             <a:r>
-              <a:rPr lang="en-US" smtClean="0"/>
+              <a:rPr lang="en-US"/>
               <a:t>Click to edit Master title style</a:t>
             </a:r>
             <a:endParaRPr lang="en-US" dirty="0"/>
@@ -4230,35 +4241,35 @@
           <a:p>
             <a:pPr lvl="0"/>
             <a:r>
-              <a:rPr lang="en-US" smtClean="0"/>
+              <a:rPr lang="en-US"/>
               <a:t>Click to edit Master text styles</a:t>
             </a:r>
           </a:p>
           <a:p>
             <a:pPr lvl="1"/>
             <a:r>
-              <a:rPr lang="en-US" smtClean="0"/>
+              <a:rPr lang="en-US"/>
               <a:t>Second level</a:t>
             </a:r>
           </a:p>
           <a:p>
             <a:pPr lvl="2"/>
             <a:r>
-              <a:rPr lang="en-US" smtClean="0"/>
+              <a:rPr lang="en-US"/>
               <a:t>Third level</a:t>
             </a:r>
           </a:p>
           <a:p>
             <a:pPr lvl="3"/>
             <a:r>
-              <a:rPr lang="en-US" smtClean="0"/>
+              <a:rPr lang="en-US"/>
               <a:t>Fourth level</a:t>
             </a:r>
           </a:p>
           <a:p>
             <a:pPr lvl="4"/>
             <a:r>
-              <a:rPr lang="en-US" smtClean="0"/>
+              <a:rPr lang="en-US"/>
               <a:t>Fifth level</a:t>
             </a:r>
             <a:endParaRPr lang="en-US" dirty="0"/>
@@ -4287,7 +4298,7 @@
           <a:p>
             <a:fld id="{03953C3F-D36F-4B1A-A959-B36391D1B06D}" type="datetimeFigureOut">
               <a:rPr lang="en-US" smtClean="0"/>
-              <a:t>3/29/2016</a:t>
+              <a:t>3/30/2016</a:t>
             </a:fld>
             <a:endParaRPr lang="en-US" dirty="0"/>
           </a:p>
@@ -4534,7 +4545,7 @@
           <a:lstStyle/>
           <a:p>
             <a:r>
-              <a:rPr lang="en-US" smtClean="0"/>
+              <a:rPr lang="en-US"/>
               <a:t>Click to edit Master title style</a:t>
             </a:r>
             <a:endParaRPr lang="en-US" dirty="0"/>
@@ -4558,35 +4569,35 @@
           <a:p>
             <a:pPr lvl="0"/>
             <a:r>
-              <a:rPr lang="en-US" smtClean="0"/>
+              <a:rPr lang="en-US"/>
               <a:t>Click to edit Master text styles</a:t>
             </a:r>
           </a:p>
           <a:p>
             <a:pPr lvl="1"/>
             <a:r>
-              <a:rPr lang="en-US" smtClean="0"/>
+              <a:rPr lang="en-US"/>
               <a:t>Second level</a:t>
             </a:r>
           </a:p>
           <a:p>
             <a:pPr lvl="2"/>
             <a:r>
-              <a:rPr lang="en-US" smtClean="0"/>
+              <a:rPr lang="en-US"/>
               <a:t>Third level</a:t>
             </a:r>
           </a:p>
           <a:p>
             <a:pPr lvl="3"/>
             <a:r>
-              <a:rPr lang="en-US" smtClean="0"/>
+              <a:rPr lang="en-US"/>
               <a:t>Fourth level</a:t>
             </a:r>
           </a:p>
           <a:p>
             <a:pPr lvl="4"/>
             <a:r>
-              <a:rPr lang="en-US" smtClean="0"/>
+              <a:rPr lang="en-US"/>
               <a:t>Fifth level</a:t>
             </a:r>
             <a:endParaRPr lang="en-US" dirty="0"/>
@@ -4610,7 +4621,7 @@
           <a:p>
             <a:fld id="{03953C3F-D36F-4B1A-A959-B36391D1B06D}" type="datetimeFigureOut">
               <a:rPr lang="en-US" smtClean="0"/>
-              <a:t>3/29/2016</a:t>
+              <a:t>3/30/2016</a:t>
             </a:fld>
             <a:endParaRPr lang="en-US" dirty="0"/>
           </a:p>
@@ -4854,7 +4865,7 @@
           </a:lstStyle>
           <a:p>
             <a:r>
-              <a:rPr lang="en-US" smtClean="0"/>
+              <a:rPr lang="en-US"/>
               <a:t>Click to edit Master title style</a:t>
             </a:r>
             <a:endParaRPr lang="en-US" dirty="0"/>
@@ -4976,7 +4987,7 @@
           <a:p>
             <a:pPr lvl="0"/>
             <a:r>
-              <a:rPr lang="en-US" smtClean="0"/>
+              <a:rPr lang="en-US"/>
               <a:t>Click to edit Master text styles</a:t>
             </a:r>
           </a:p>
@@ -4999,7 +5010,7 @@
           <a:p>
             <a:fld id="{03953C3F-D36F-4B1A-A959-B36391D1B06D}" type="datetimeFigureOut">
               <a:rPr lang="en-US" smtClean="0"/>
-              <a:t>3/29/2016</a:t>
+              <a:t>3/30/2016</a:t>
             </a:fld>
             <a:endParaRPr lang="en-US" dirty="0"/>
           </a:p>
@@ -5237,7 +5248,7 @@
           <a:lstStyle/>
           <a:p>
             <a:r>
-              <a:rPr lang="en-US" smtClean="0"/>
+              <a:rPr lang="en-US"/>
               <a:t>Click to edit Master title style</a:t>
             </a:r>
             <a:endParaRPr lang="en-US" dirty="0"/>
@@ -5266,35 +5277,35 @@
           <a:p>
             <a:pPr lvl="0"/>
             <a:r>
-              <a:rPr lang="en-US" smtClean="0"/>
+              <a:rPr lang="en-US"/>
               <a:t>Click to edit Master text styles</a:t>
             </a:r>
           </a:p>
           <a:p>
             <a:pPr lvl="1"/>
             <a:r>
-              <a:rPr lang="en-US" smtClean="0"/>
+              <a:rPr lang="en-US"/>
               <a:t>Second level</a:t>
             </a:r>
           </a:p>
           <a:p>
             <a:pPr lvl="2"/>
             <a:r>
-              <a:rPr lang="en-US" smtClean="0"/>
+              <a:rPr lang="en-US"/>
               <a:t>Third level</a:t>
             </a:r>
           </a:p>
           <a:p>
             <a:pPr lvl="3"/>
             <a:r>
-              <a:rPr lang="en-US" smtClean="0"/>
+              <a:rPr lang="en-US"/>
               <a:t>Fourth level</a:t>
             </a:r>
           </a:p>
           <a:p>
             <a:pPr lvl="4"/>
             <a:r>
-              <a:rPr lang="en-US" smtClean="0"/>
+              <a:rPr lang="en-US"/>
               <a:t>Fifth level</a:t>
             </a:r>
             <a:endParaRPr lang="en-US" dirty="0"/>
@@ -5323,35 +5334,35 @@
           <a:p>
             <a:pPr lvl="0"/>
             <a:r>
-              <a:rPr lang="en-US" smtClean="0"/>
+              <a:rPr lang="en-US"/>
               <a:t>Click to edit Master text styles</a:t>
             </a:r>
           </a:p>
           <a:p>
             <a:pPr lvl="1"/>
             <a:r>
-              <a:rPr lang="en-US" smtClean="0"/>
+              <a:rPr lang="en-US"/>
               <a:t>Second level</a:t>
             </a:r>
           </a:p>
           <a:p>
             <a:pPr lvl="2"/>
             <a:r>
-              <a:rPr lang="en-US" smtClean="0"/>
+              <a:rPr lang="en-US"/>
               <a:t>Third level</a:t>
             </a:r>
           </a:p>
           <a:p>
             <a:pPr lvl="3"/>
             <a:r>
-              <a:rPr lang="en-US" smtClean="0"/>
+              <a:rPr lang="en-US"/>
               <a:t>Fourth level</a:t>
             </a:r>
           </a:p>
           <a:p>
             <a:pPr lvl="4"/>
             <a:r>
-              <a:rPr lang="en-US" smtClean="0"/>
+              <a:rPr lang="en-US"/>
               <a:t>Fifth level</a:t>
             </a:r>
             <a:endParaRPr lang="en-US" dirty="0"/>
@@ -5375,7 +5386,7 @@
           <a:p>
             <a:fld id="{03953C3F-D36F-4B1A-A959-B36391D1B06D}" type="datetimeFigureOut">
               <a:rPr lang="en-US" smtClean="0"/>
-              <a:t>3/29/2016</a:t>
+              <a:t>3/30/2016</a:t>
             </a:fld>
             <a:endParaRPr lang="en-US" dirty="0"/>
           </a:p>
@@ -5613,7 +5624,7 @@
           <a:lstStyle/>
           <a:p>
             <a:r>
-              <a:rPr lang="en-US" smtClean="0"/>
+              <a:rPr lang="en-US"/>
               <a:t>Click to edit Master title style</a:t>
             </a:r>
             <a:endParaRPr lang="en-US" dirty="0"/>
@@ -5679,7 +5690,7 @@
           <a:p>
             <a:pPr lvl="0"/>
             <a:r>
-              <a:rPr lang="en-US" smtClean="0"/>
+              <a:rPr lang="en-US"/>
               <a:t>Click to edit Master text styles</a:t>
             </a:r>
           </a:p>
@@ -5707,35 +5718,35 @@
           <a:p>
             <a:pPr lvl="0"/>
             <a:r>
-              <a:rPr lang="en-US" smtClean="0"/>
+              <a:rPr lang="en-US"/>
               <a:t>Click to edit Master text styles</a:t>
             </a:r>
           </a:p>
           <a:p>
             <a:pPr lvl="1"/>
             <a:r>
-              <a:rPr lang="en-US" smtClean="0"/>
+              <a:rPr lang="en-US"/>
               <a:t>Second level</a:t>
             </a:r>
           </a:p>
           <a:p>
             <a:pPr lvl="2"/>
             <a:r>
-              <a:rPr lang="en-US" smtClean="0"/>
+              <a:rPr lang="en-US"/>
               <a:t>Third level</a:t>
             </a:r>
           </a:p>
           <a:p>
             <a:pPr lvl="3"/>
             <a:r>
-              <a:rPr lang="en-US" smtClean="0"/>
+              <a:rPr lang="en-US"/>
               <a:t>Fourth level</a:t>
             </a:r>
           </a:p>
           <a:p>
             <a:pPr lvl="4"/>
             <a:r>
-              <a:rPr lang="en-US" smtClean="0"/>
+              <a:rPr lang="en-US"/>
               <a:t>Fifth level</a:t>
             </a:r>
             <a:endParaRPr lang="en-US" dirty="0"/>
@@ -5801,7 +5812,7 @@
           <a:p>
             <a:pPr lvl="0"/>
             <a:r>
-              <a:rPr lang="en-US" smtClean="0"/>
+              <a:rPr lang="en-US"/>
               <a:t>Click to edit Master text styles</a:t>
             </a:r>
           </a:p>
@@ -5829,35 +5840,35 @@
           <a:p>
             <a:pPr lvl="0"/>
             <a:r>
-              <a:rPr lang="en-US" smtClean="0"/>
+              <a:rPr lang="en-US"/>
               <a:t>Click to edit Master text styles</a:t>
             </a:r>
           </a:p>
           <a:p>
             <a:pPr lvl="1"/>
             <a:r>
-              <a:rPr lang="en-US" smtClean="0"/>
+              <a:rPr lang="en-US"/>
               <a:t>Second level</a:t>
             </a:r>
           </a:p>
           <a:p>
             <a:pPr lvl="2"/>
             <a:r>
-              <a:rPr lang="en-US" smtClean="0"/>
+              <a:rPr lang="en-US"/>
               <a:t>Third level</a:t>
             </a:r>
           </a:p>
           <a:p>
             <a:pPr lvl="3"/>
             <a:r>
-              <a:rPr lang="en-US" smtClean="0"/>
+              <a:rPr lang="en-US"/>
               <a:t>Fourth level</a:t>
             </a:r>
           </a:p>
           <a:p>
             <a:pPr lvl="4"/>
             <a:r>
-              <a:rPr lang="en-US" smtClean="0"/>
+              <a:rPr lang="en-US"/>
               <a:t>Fifth level</a:t>
             </a:r>
             <a:endParaRPr lang="en-US" dirty="0"/>
@@ -5881,7 +5892,7 @@
           <a:p>
             <a:fld id="{03953C3F-D36F-4B1A-A959-B36391D1B06D}" type="datetimeFigureOut">
               <a:rPr lang="en-US" smtClean="0"/>
-              <a:t>3/29/2016</a:t>
+              <a:t>3/30/2016</a:t>
             </a:fld>
             <a:endParaRPr lang="en-US" dirty="0"/>
           </a:p>
@@ -6114,7 +6125,7 @@
           <a:lstStyle/>
           <a:p>
             <a:r>
-              <a:rPr lang="en-US" smtClean="0"/>
+              <a:rPr lang="en-US"/>
               <a:t>Click to edit Master title style</a:t>
             </a:r>
             <a:endParaRPr lang="en-US" dirty="0"/>
@@ -6138,7 +6149,7 @@
           <a:p>
             <a:fld id="{03953C3F-D36F-4B1A-A959-B36391D1B06D}" type="datetimeFigureOut">
               <a:rPr lang="en-US" smtClean="0"/>
-              <a:t>3/29/2016</a:t>
+              <a:t>3/30/2016</a:t>
             </a:fld>
             <a:endParaRPr lang="en-US" dirty="0"/>
           </a:p>
@@ -6301,7 +6312,7 @@
           <a:p>
             <a:fld id="{03953C3F-D36F-4B1A-A959-B36391D1B06D}" type="datetimeFigureOut">
               <a:rPr lang="en-US" smtClean="0"/>
-              <a:t>3/29/2016</a:t>
+              <a:t>3/30/2016</a:t>
             </a:fld>
             <a:endParaRPr lang="en-US" dirty="0"/>
           </a:p>
@@ -6545,7 +6556,7 @@
           </a:lstStyle>
           <a:p>
             <a:r>
-              <a:rPr lang="en-US" smtClean="0"/>
+              <a:rPr lang="en-US"/>
               <a:t>Click to edit Master title style</a:t>
             </a:r>
             <a:endParaRPr lang="en-US" dirty="0"/>
@@ -6574,35 +6585,35 @@
           <a:p>
             <a:pPr lvl="0"/>
             <a:r>
-              <a:rPr lang="en-US" smtClean="0"/>
+              <a:rPr lang="en-US"/>
               <a:t>Click to edit Master text styles</a:t>
             </a:r>
           </a:p>
           <a:p>
             <a:pPr lvl="1"/>
             <a:r>
-              <a:rPr lang="en-US" smtClean="0"/>
+              <a:rPr lang="en-US"/>
               <a:t>Second level</a:t>
             </a:r>
           </a:p>
           <a:p>
             <a:pPr lvl="2"/>
             <a:r>
-              <a:rPr lang="en-US" smtClean="0"/>
+              <a:rPr lang="en-US"/>
               <a:t>Third level</a:t>
             </a:r>
           </a:p>
           <a:p>
             <a:pPr lvl="3"/>
             <a:r>
-              <a:rPr lang="en-US" smtClean="0"/>
+              <a:rPr lang="en-US"/>
               <a:t>Fourth level</a:t>
             </a:r>
           </a:p>
           <a:p>
             <a:pPr lvl="4"/>
             <a:r>
-              <a:rPr lang="en-US" smtClean="0"/>
+              <a:rPr lang="en-US"/>
               <a:t>Fifth level</a:t>
             </a:r>
             <a:endParaRPr lang="en-US" dirty="0"/>
@@ -6668,7 +6679,7 @@
           <a:p>
             <a:pPr lvl="0"/>
             <a:r>
-              <a:rPr lang="en-US" smtClean="0"/>
+              <a:rPr lang="en-US"/>
               <a:t>Click to edit Master text styles</a:t>
             </a:r>
           </a:p>
@@ -6691,7 +6702,7 @@
           <a:p>
             <a:fld id="{03953C3F-D36F-4B1A-A959-B36391D1B06D}" type="datetimeFigureOut">
               <a:rPr lang="en-US" smtClean="0"/>
-              <a:t>3/29/2016</a:t>
+              <a:t>3/30/2016</a:t>
             </a:fld>
             <a:endParaRPr lang="en-US" dirty="0"/>
           </a:p>
@@ -6935,7 +6946,7 @@
           </a:lstStyle>
           <a:p>
             <a:r>
-              <a:rPr lang="en-US" smtClean="0"/>
+              <a:rPr lang="en-US"/>
               <a:t>Click to edit Master title style</a:t>
             </a:r>
             <a:endParaRPr lang="en-US" dirty="0"/>
@@ -7011,7 +7022,7 @@
           </a:lstStyle>
           <a:p>
             <a:r>
-              <a:rPr lang="en-US" smtClean="0"/>
+              <a:rPr lang="en-US"/>
               <a:t>Click icon to add picture</a:t>
             </a:r>
             <a:endParaRPr lang="en-US" dirty="0"/>
@@ -7077,7 +7088,7 @@
           <a:p>
             <a:pPr lvl="0"/>
             <a:r>
-              <a:rPr lang="en-US" smtClean="0"/>
+              <a:rPr lang="en-US"/>
               <a:t>Click to edit Master text styles</a:t>
             </a:r>
           </a:p>
@@ -7100,7 +7111,7 @@
           <a:p>
             <a:fld id="{03953C3F-D36F-4B1A-A959-B36391D1B06D}" type="datetimeFigureOut">
               <a:rPr lang="en-US" smtClean="0"/>
-              <a:t>3/29/2016</a:t>
+              <a:t>3/30/2016</a:t>
             </a:fld>
             <a:endParaRPr lang="en-US" dirty="0"/>
           </a:p>
@@ -7240,7 +7251,7 @@
           <a:lstStyle/>
           <a:p>
             <a:r>
-              <a:rPr lang="en-US" smtClean="0"/>
+              <a:rPr lang="en-US"/>
               <a:t>Click to edit Master title style</a:t>
             </a:r>
             <a:endParaRPr lang="en-US" dirty="0"/>
@@ -7274,35 +7285,35 @@
           <a:p>
             <a:pPr lvl="0"/>
             <a:r>
-              <a:rPr lang="en-US" smtClean="0"/>
+              <a:rPr lang="en-US"/>
               <a:t>Click to edit Master text styles</a:t>
             </a:r>
           </a:p>
           <a:p>
             <a:pPr lvl="1"/>
             <a:r>
-              <a:rPr lang="en-US" smtClean="0"/>
+              <a:rPr lang="en-US"/>
               <a:t>Second level</a:t>
             </a:r>
           </a:p>
           <a:p>
             <a:pPr lvl="2"/>
             <a:r>
-              <a:rPr lang="en-US" smtClean="0"/>
+              <a:rPr lang="en-US"/>
               <a:t>Third level</a:t>
             </a:r>
           </a:p>
           <a:p>
             <a:pPr lvl="3"/>
             <a:r>
-              <a:rPr lang="en-US" smtClean="0"/>
+              <a:rPr lang="en-US"/>
               <a:t>Fourth level</a:t>
             </a:r>
           </a:p>
           <a:p>
             <a:pPr lvl="4"/>
             <a:r>
-              <a:rPr lang="en-US" smtClean="0"/>
+              <a:rPr lang="en-US"/>
               <a:t>Fifth level</a:t>
             </a:r>
             <a:endParaRPr lang="en-US" dirty="0"/>
@@ -7344,7 +7355,7 @@
           <a:p>
             <a:fld id="{03953C3F-D36F-4B1A-A959-B36391D1B06D}" type="datetimeFigureOut">
               <a:rPr lang="en-US" smtClean="0"/>
-              <a:t>3/29/2016</a:t>
+              <a:t>3/30/2016</a:t>
             </a:fld>
             <a:endParaRPr lang="en-US" dirty="0"/>
           </a:p>
@@ -7771,10 +7782,9 @@
           <a:lstStyle/>
           <a:p>
             <a:r>
-              <a:rPr lang="en-US" dirty="0" smtClean="0"/>
+              <a:rPr lang="en-US" dirty="0"/>
               <a:t>Data Mining Project 2</a:t>
             </a:r>
-            <a:endParaRPr lang="en-US" dirty="0"/>
           </a:p>
         </p:txBody>
       </p:sp>
@@ -7794,16 +7804,15 @@
           <a:lstStyle/>
           <a:p>
             <a:r>
-              <a:rPr lang="en-US" dirty="0" smtClean="0"/>
+              <a:rPr lang="en-US" dirty="0"/>
               <a:t>Jeff Wood</a:t>
             </a:r>
           </a:p>
           <a:p>
             <a:r>
-              <a:rPr lang="en-US" dirty="0" smtClean="0"/>
+              <a:rPr lang="en-US" dirty="0"/>
               <a:t>Ethan Bowen</a:t>
             </a:r>
-            <a:endParaRPr lang="en-US" dirty="0"/>
           </a:p>
         </p:txBody>
       </p:sp>
@@ -7817,13 +7826,6 @@
   <p:clrMapOvr>
     <a:masterClrMapping/>
   </p:clrMapOvr>
-  <p:timing>
-    <p:tnLst>
-      <p:par>
-        <p:cTn id="1" dur="indefinite" restart="never" nodeType="tmRoot"/>
-      </p:par>
-    </p:tnLst>
-  </p:timing>
 </p:sld>
 </file>
 
@@ -7860,18 +7862,13 @@
           <a:lstStyle/>
           <a:p>
             <a:r>
-              <a:rPr lang="en-US" dirty="0" smtClean="0"/>
-              <a:t>Dataset </a:t>
-            </a:r>
-            <a:r>
               <a:rPr lang="en-US" dirty="0"/>
-              <a:t>– </a:t>
-            </a:r>
-            <a:r>
-              <a:rPr lang="en-US" i="1" dirty="0" smtClean="0"/>
+              <a:t>Dataset – </a:t>
+            </a:r>
+            <a:r>
+              <a:rPr lang="en-US" i="1" dirty="0"/>
               <a:t>ATNTFaceImages400.txt</a:t>
             </a:r>
-            <a:endParaRPr lang="en-US" i="1" dirty="0"/>
           </a:p>
         </p:txBody>
       </p:sp>
@@ -7891,42 +7888,36 @@
           <a:lstStyle/>
           <a:p>
             <a:r>
-              <a:rPr lang="en-US" dirty="0" smtClean="0"/>
+              <a:rPr lang="en-US" dirty="0"/>
               <a:t>400 data points</a:t>
             </a:r>
           </a:p>
           <a:p>
             <a:pPr lvl="1"/>
             <a:r>
-              <a:rPr lang="en-US" dirty="0" smtClean="0"/>
-              <a:t>40 </a:t>
-            </a:r>
-            <a:r>
-              <a:rPr lang="en-US" dirty="0" smtClean="0"/>
-              <a:t>classes</a:t>
+              <a:rPr lang="en-US" dirty="0"/>
+              <a:t>40 classes</a:t>
             </a:r>
           </a:p>
           <a:p>
             <a:pPr lvl="1"/>
             <a:r>
-              <a:rPr lang="en-US" dirty="0" smtClean="0"/>
+              <a:rPr lang="en-US" dirty="0"/>
               <a:t>10 data points per class</a:t>
             </a:r>
-            <a:endParaRPr lang="en-US" dirty="0" smtClean="0"/>
-          </a:p>
-          <a:p>
-            <a:r>
-              <a:rPr lang="en-US" dirty="0" smtClean="0"/>
+          </a:p>
+          <a:p>
+            <a:r>
+              <a:rPr lang="en-US" dirty="0"/>
               <a:t>644 Length vector</a:t>
             </a:r>
           </a:p>
           <a:p>
             <a:pPr lvl="1"/>
             <a:r>
-              <a:rPr lang="en-US" dirty="0" smtClean="0"/>
+              <a:rPr lang="en-US" dirty="0"/>
               <a:t>28 x 23 sized images</a:t>
             </a:r>
-            <a:endParaRPr lang="en-US" dirty="0"/>
           </a:p>
         </p:txBody>
       </p:sp>
@@ -7970,13 +7961,6 @@
   <p:clrMapOvr>
     <a:masterClrMapping/>
   </p:clrMapOvr>
-  <p:timing>
-    <p:tnLst>
-      <p:par>
-        <p:cTn id="1" dur="indefinite" restart="never" nodeType="tmRoot"/>
-      </p:par>
-    </p:tnLst>
-  </p:timing>
 </p:sld>
 </file>
 
@@ -8013,18 +7997,13 @@
           <a:lstStyle/>
           <a:p>
             <a:r>
-              <a:rPr lang="en-US" dirty="0" smtClean="0"/>
-              <a:t>Dataset </a:t>
-            </a:r>
-            <a:r>
               <a:rPr lang="en-US" dirty="0"/>
-              <a:t>– </a:t>
-            </a:r>
-            <a:r>
-              <a:rPr lang="en-US" i="1" dirty="0" smtClean="0"/>
+              <a:t>Dataset – </a:t>
+            </a:r>
+            <a:r>
+              <a:rPr lang="en-US" i="1" dirty="0"/>
               <a:t>HandWrittenLetters.txt</a:t>
             </a:r>
-            <a:endParaRPr lang="en-US" i="1" dirty="0"/>
           </a:p>
         </p:txBody>
       </p:sp>
@@ -8044,42 +8023,36 @@
           <a:lstStyle/>
           <a:p>
             <a:r>
-              <a:rPr lang="en-US" dirty="0" smtClean="0"/>
+              <a:rPr lang="en-US" dirty="0"/>
               <a:t>1,014 data points</a:t>
             </a:r>
           </a:p>
           <a:p>
             <a:pPr lvl="1"/>
             <a:r>
-              <a:rPr lang="en-US" dirty="0" smtClean="0"/>
-              <a:t>26 </a:t>
-            </a:r>
-            <a:r>
-              <a:rPr lang="en-US" dirty="0" smtClean="0"/>
-              <a:t>classes</a:t>
+              <a:rPr lang="en-US" dirty="0"/>
+              <a:t>26 classes</a:t>
             </a:r>
           </a:p>
           <a:p>
             <a:pPr lvl="1"/>
             <a:r>
-              <a:rPr lang="en-US" dirty="0" smtClean="0"/>
+              <a:rPr lang="en-US" dirty="0"/>
               <a:t>39 data points per class</a:t>
             </a:r>
-            <a:endParaRPr lang="en-US" dirty="0" smtClean="0"/>
-          </a:p>
-          <a:p>
-            <a:r>
-              <a:rPr lang="en-US" dirty="0" smtClean="0"/>
+          </a:p>
+          <a:p>
+            <a:r>
+              <a:rPr lang="en-US" dirty="0"/>
               <a:t>644 Length vector</a:t>
             </a:r>
           </a:p>
           <a:p>
             <a:pPr lvl="1"/>
             <a:r>
-              <a:rPr lang="en-US" dirty="0" smtClean="0"/>
+              <a:rPr lang="en-US" dirty="0"/>
               <a:t>20 x 16 sized images</a:t>
             </a:r>
-            <a:endParaRPr lang="en-US" dirty="0"/>
           </a:p>
         </p:txBody>
       </p:sp>
@@ -8123,13 +8096,6 @@
   <p:clrMapOvr>
     <a:masterClrMapping/>
   </p:clrMapOvr>
-  <p:timing>
-    <p:tnLst>
-      <p:par>
-        <p:cTn id="1" dur="indefinite" restart="never" nodeType="tmRoot"/>
-      </p:par>
-    </p:tnLst>
-  </p:timing>
 </p:sld>
 </file>
 
@@ -8166,10 +8132,9 @@
           <a:lstStyle/>
           <a:p>
             <a:r>
-              <a:rPr lang="en-US" dirty="0" smtClean="0"/>
+              <a:rPr lang="en-US" dirty="0"/>
               <a:t>K-Fold Algorithm</a:t>
             </a:r>
-            <a:endParaRPr lang="en-US" dirty="0"/>
           </a:p>
         </p:txBody>
       </p:sp>
@@ -8191,14 +8156,14 @@
               <a:lstStyle/>
               <a:p>
                 <a:r>
-                  <a:rPr lang="en-US" dirty="0" smtClean="0"/>
+                  <a:rPr lang="en-US" dirty="0"/>
                   <a:t>Originally tested Idea of all discrete combinations</a:t>
                 </a:r>
               </a:p>
               <a:p>
                 <a:pPr lvl="1"/>
                 <a:r>
-                  <a:rPr lang="en-US" dirty="0" smtClean="0"/>
+                  <a:rPr lang="en-US" dirty="0"/>
                   <a:t>Results in </a:t>
                 </a:r>
                 <a14:m>
@@ -8207,7 +8172,7 @@
                       <m:fPr>
                         <m:ctrlPr>
                           <a:rPr lang="en-US" i="1" smtClean="0">
-                            <a:latin typeface="Cambria Math"/>
+                            <a:latin typeface="Cambria Math" panose="02040503050406030204" pitchFamily="18" charset="0"/>
                           </a:rPr>
                         </m:ctrlPr>
                       </m:fPr>
@@ -8242,7 +8207,7 @@
                           <m:dPr>
                             <m:ctrlPr>
                               <a:rPr lang="en-US" b="0" i="1" smtClean="0">
-                                <a:latin typeface="Cambria Math"/>
+                                <a:latin typeface="Cambria Math" panose="02040503050406030204" pitchFamily="18" charset="0"/>
                               </a:rPr>
                             </m:ctrlPr>
                           </m:dPr>
@@ -8278,7 +8243,7 @@
                   </m:oMath>
                 </a14:m>
                 <a:r>
-                  <a:rPr lang="en-US" dirty="0" smtClean="0"/>
+                  <a:rPr lang="en-US" dirty="0"/>
                   <a:t> subsets to test where:</a:t>
                 </a:r>
               </a:p>
@@ -8295,14 +8260,14 @@
                   </m:oMath>
                 </a14:m>
                 <a:r>
-                  <a:rPr lang="en-US" dirty="0" smtClean="0"/>
+                  <a:rPr lang="en-US" dirty="0"/>
                   <a:t> is the number of </a:t>
                 </a:r>
                 <a:r>
-                  <a:rPr lang="en-US" dirty="0" err="1" smtClean="0"/>
+                  <a:rPr lang="en-US" dirty="0" err="1"/>
                   <a:t>datapoints</a:t>
                 </a:r>
-                <a:endParaRPr lang="en-US" dirty="0" smtClean="0"/>
+                <a:endParaRPr lang="en-US" dirty="0"/>
               </a:p>
               <a:p>
                 <a:pPr lvl="2"/>
@@ -8318,58 +8283,54 @@
                 </a14:m>
                 <a:r>
                   <a:rPr lang="en-US" dirty="0"/>
-                  <a:t> </a:t>
-                </a:r>
-                <a:r>
-                  <a:rPr lang="en-US" dirty="0" smtClean="0"/>
-                  <a:t>is the subset size</a:t>
+                  <a:t> is the subset size</a:t>
                 </a:r>
               </a:p>
               <a:p>
                 <a:pPr lvl="1"/>
                 <a:r>
-                  <a:rPr lang="en-US" dirty="0" smtClean="0"/>
+                  <a:rPr lang="en-US" dirty="0"/>
                   <a:t>Impractical using </a:t>
                 </a:r>
                 <a:r>
-                  <a:rPr lang="en-US" dirty="0" err="1" smtClean="0"/>
+                  <a:rPr lang="en-US" dirty="0" err="1"/>
                   <a:t>MatLab</a:t>
                 </a:r>
-                <a:endParaRPr lang="en-US" dirty="0" smtClean="0"/>
+                <a:endParaRPr lang="en-US" dirty="0"/>
               </a:p>
               <a:p>
                 <a:r>
-                  <a:rPr lang="en-US" dirty="0" smtClean="0"/>
+                  <a:rPr lang="en-US" dirty="0"/>
                   <a:t>Implemented </a:t>
                 </a:r>
                 <a:r>
-                  <a:rPr lang="en-US" i="1" dirty="0" smtClean="0"/>
+                  <a:rPr lang="en-US" i="1" dirty="0"/>
                   <a:t>k</a:t>
                 </a:r>
                 <a:r>
-                  <a:rPr lang="en-US" dirty="0" smtClean="0"/>
+                  <a:rPr lang="en-US" dirty="0"/>
                   <a:t>-fold</a:t>
                 </a:r>
               </a:p>
               <a:p>
                 <a:pPr lvl="1"/>
                 <a:r>
-                  <a:rPr lang="en-US" dirty="0" smtClean="0"/>
+                  <a:rPr lang="en-US" dirty="0"/>
                   <a:t>Results in </a:t>
                 </a:r>
                 <a:r>
-                  <a:rPr lang="en-US" i="1" dirty="0" smtClean="0"/>
+                  <a:rPr lang="en-US" i="1" dirty="0"/>
                   <a:t>k</a:t>
                 </a:r>
                 <a:r>
-                  <a:rPr lang="en-US" dirty="0" smtClean="0"/>
+                  <a:rPr lang="en-US" dirty="0"/>
                   <a:t> subsets</a:t>
                 </a:r>
               </a:p>
               <a:p>
                 <a:pPr lvl="1"/>
                 <a:r>
-                  <a:rPr lang="en-US" dirty="0" smtClean="0"/>
+                  <a:rPr lang="en-US" dirty="0"/>
                   <a:t>Subsets of size </a:t>
                 </a:r>
                 <a14:m>
@@ -8393,7 +8354,7 @@
                       <m:fPr>
                         <m:ctrlPr>
                           <a:rPr lang="en-US" i="1">
-                            <a:latin typeface="Cambria Math"/>
+                            <a:latin typeface="Cambria Math" panose="02040503050406030204" pitchFamily="18" charset="0"/>
                           </a:rPr>
                         </m:ctrlPr>
                       </m:fPr>
@@ -8423,14 +8384,14 @@
               </a:p>
               <a:p>
                 <a:pPr lvl="1"/>
-                <a:endParaRPr lang="en-US" dirty="0" smtClean="0"/>
+                <a:endParaRPr lang="en-US" dirty="0"/>
               </a:p>
               <a:p>
                 <a:pPr lvl="1"/>
-                <a:endParaRPr lang="en-US" dirty="0" smtClean="0"/>
+                <a:endParaRPr lang="en-US" dirty="0"/>
               </a:p>
               <a:p>
-                <a:endParaRPr lang="en-US" dirty="0" smtClean="0"/>
+                <a:endParaRPr lang="en-US" dirty="0"/>
               </a:p>
             </p:txBody>
           </p:sp>
@@ -8479,13 +8440,6 @@
   <p:clrMapOvr>
     <a:masterClrMapping/>
   </p:clrMapOvr>
-  <p:timing>
-    <p:tnLst>
-      <p:par>
-        <p:cTn id="1" dur="indefinite" restart="never" nodeType="tmRoot"/>
-      </p:par>
-    </p:tnLst>
-  </p:timing>
 </p:sld>
 </file>
 
@@ -8522,371 +8476,14 @@
           <a:lstStyle/>
           <a:p>
             <a:r>
-              <a:rPr lang="en-US" dirty="0" smtClean="0"/>
-              <a:t>Clustering of Data</a:t>
-            </a:r>
-            <a:endParaRPr lang="en-US" dirty="0"/>
+              <a:rPr lang="en-US" dirty="0"/>
+              <a:t>K-Means Clustering</a:t>
+            </a:r>
           </a:p>
         </p:txBody>
       </p:sp>
       <mc:AlternateContent xmlns:mc="http://schemas.openxmlformats.org/markup-compatibility/2006" xmlns:a14="http://schemas.microsoft.com/office/drawing/2010/main">
         <mc:Choice Requires="a14">
-          <p:sp>
-            <p:nvSpPr>
-              <p:cNvPr id="3" name="Content Placeholder 2"/>
-              <p:cNvSpPr>
-                <a:spLocks noGrp="1"/>
-              </p:cNvSpPr>
-              <p:nvPr>
-                <p:ph idx="1"/>
-              </p:nvPr>
-            </p:nvSpPr>
-            <p:spPr/>
-            <p:txBody>
-              <a:bodyPr/>
-              <a:lstStyle/>
-              <a:p>
-                <a:r>
-                  <a:rPr lang="en-US" dirty="0" smtClean="0"/>
-                  <a:t>Originally tested Idea of all discrete combinations</a:t>
-                </a:r>
-              </a:p>
-              <a:p>
-                <a:pPr lvl="1"/>
-                <a:r>
-                  <a:rPr lang="en-US" dirty="0" smtClean="0"/>
-                  <a:t>Results in </a:t>
-                </a:r>
-                <a14:m>
-                  <m:oMath xmlns:m="http://schemas.openxmlformats.org/officeDocument/2006/math">
-                    <m:f>
-                      <m:fPr>
-                        <m:ctrlPr>
-                          <a:rPr lang="en-US" i="1" smtClean="0">
-                            <a:latin typeface="Cambria Math"/>
-                          </a:rPr>
-                        </m:ctrlPr>
-                      </m:fPr>
-                      <m:num>
-                        <m:r>
-                          <a:rPr lang="en-US" b="0" i="1" smtClean="0">
-                            <a:latin typeface="Cambria Math"/>
-                          </a:rPr>
-                          <m:t>𝑛</m:t>
-                        </m:r>
-                        <m:r>
-                          <a:rPr lang="en-US" b="0" i="1" smtClean="0">
-                            <a:latin typeface="Cambria Math"/>
-                          </a:rPr>
-                          <m:t>!</m:t>
-                        </m:r>
-                      </m:num>
-                      <m:den>
-                        <m:r>
-                          <a:rPr lang="en-US" b="0" i="1" smtClean="0">
-                            <a:latin typeface="Cambria Math"/>
-                          </a:rPr>
-                          <m:t>𝑠</m:t>
-                        </m:r>
-                        <m:r>
-                          <a:rPr lang="en-US" b="0" i="1" smtClean="0">
-                            <a:latin typeface="Cambria Math"/>
-                          </a:rPr>
-                          <m:t>! </m:t>
-                        </m:r>
-                        <m:d>
-                          <m:dPr>
-                            <m:ctrlPr>
-                              <a:rPr lang="en-US" b="0" i="1" smtClean="0">
-                                <a:latin typeface="Cambria Math"/>
-                              </a:rPr>
-                            </m:ctrlPr>
-                          </m:dPr>
-                          <m:e>
-                            <m:r>
-                              <a:rPr lang="en-US" b="0" i="1" smtClean="0">
-                                <a:latin typeface="Cambria Math"/>
-                              </a:rPr>
-                              <m:t>𝑛</m:t>
-                            </m:r>
-                            <m:r>
-                              <a:rPr lang="en-US" b="0" i="1" smtClean="0">
-                                <a:latin typeface="Cambria Math"/>
-                              </a:rPr>
-                              <m:t>−</m:t>
-                            </m:r>
-                            <m:r>
-                              <a:rPr lang="en-US" b="0" i="1" smtClean="0">
-                                <a:latin typeface="Cambria Math"/>
-                              </a:rPr>
-                              <m:t>𝑠</m:t>
-                            </m:r>
-                          </m:e>
-                        </m:d>
-                        <m:r>
-                          <a:rPr lang="en-US" b="0" i="1" smtClean="0">
-                            <a:latin typeface="Cambria Math"/>
-                          </a:rPr>
-                          <m:t>!</m:t>
-                        </m:r>
-                      </m:den>
-                    </m:f>
-                  </m:oMath>
-                </a14:m>
-                <a:r>
-                  <a:rPr lang="en-US" dirty="0" smtClean="0"/>
-                  <a:t> subsets to test where:</a:t>
-                </a:r>
-              </a:p>
-              <a:p>
-                <a:pPr lvl="2"/>
-                <a14:m>
-                  <m:oMath xmlns:m="http://schemas.openxmlformats.org/officeDocument/2006/math">
-                    <m:r>
-                      <a:rPr lang="en-US" b="0" i="1" smtClean="0">
-                        <a:latin typeface="Cambria Math"/>
-                      </a:rPr>
-                      <m:t>𝑛</m:t>
-                    </m:r>
-                  </m:oMath>
-                </a14:m>
-                <a:r>
-                  <a:rPr lang="en-US" dirty="0" smtClean="0"/>
-                  <a:t> is the number of </a:t>
-                </a:r>
-                <a:r>
-                  <a:rPr lang="en-US" dirty="0" err="1" smtClean="0"/>
-                  <a:t>datapoints</a:t>
-                </a:r>
-                <a:endParaRPr lang="en-US" dirty="0" smtClean="0"/>
-              </a:p>
-              <a:p>
-                <a:pPr lvl="2"/>
-                <a14:m>
-                  <m:oMath xmlns:m="http://schemas.openxmlformats.org/officeDocument/2006/math">
-                    <m:r>
-                      <a:rPr lang="en-US" b="0" i="1" smtClean="0">
-                        <a:latin typeface="Cambria Math"/>
-                      </a:rPr>
-                      <m:t>𝑠</m:t>
-                    </m:r>
-                  </m:oMath>
-                </a14:m>
-                <a:r>
-                  <a:rPr lang="en-US" dirty="0"/>
-                  <a:t> </a:t>
-                </a:r>
-                <a:r>
-                  <a:rPr lang="en-US" dirty="0" smtClean="0"/>
-                  <a:t>is the subset size</a:t>
-                </a:r>
-              </a:p>
-              <a:p>
-                <a:pPr lvl="1"/>
-                <a:r>
-                  <a:rPr lang="en-US" dirty="0" smtClean="0"/>
-                  <a:t>Impractical using </a:t>
-                </a:r>
-                <a:r>
-                  <a:rPr lang="en-US" dirty="0" err="1" smtClean="0"/>
-                  <a:t>MatLab</a:t>
-                </a:r>
-                <a:endParaRPr lang="en-US" dirty="0" smtClean="0"/>
-              </a:p>
-              <a:p>
-                <a:r>
-                  <a:rPr lang="en-US" dirty="0" smtClean="0"/>
-                  <a:t>Implemented </a:t>
-                </a:r>
-                <a:r>
-                  <a:rPr lang="en-US" i="1" dirty="0" smtClean="0"/>
-                  <a:t>k</a:t>
-                </a:r>
-                <a:r>
-                  <a:rPr lang="en-US" dirty="0" smtClean="0"/>
-                  <a:t>-fold</a:t>
-                </a:r>
-              </a:p>
-              <a:p>
-                <a:pPr lvl="1"/>
-                <a:r>
-                  <a:rPr lang="en-US" dirty="0" smtClean="0"/>
-                  <a:t>Results in </a:t>
-                </a:r>
-                <a:r>
-                  <a:rPr lang="en-US" i="1" dirty="0" smtClean="0"/>
-                  <a:t>k</a:t>
-                </a:r>
-                <a:r>
-                  <a:rPr lang="en-US" dirty="0" smtClean="0"/>
-                  <a:t> subsets</a:t>
-                </a:r>
-              </a:p>
-              <a:p>
-                <a:pPr lvl="1"/>
-                <a:r>
-                  <a:rPr lang="en-US" dirty="0" smtClean="0"/>
-                  <a:t>Subsets of size </a:t>
-                </a:r>
-                <a14:m>
-                  <m:oMath xmlns:m="http://schemas.openxmlformats.org/officeDocument/2006/math">
-                    <m:r>
-                      <m:rPr>
-                        <m:sty m:val="p"/>
-                      </m:rPr>
-                      <a:rPr lang="en-US" b="0" i="0" smtClean="0">
-                        <a:latin typeface="Cambria Math"/>
-                      </a:rPr>
-                      <m:t>s</m:t>
-                    </m:r>
-                    <m:r>
-                      <a:rPr lang="en-US" b="0" i="0" smtClean="0">
-                        <a:latin typeface="Cambria Math"/>
-                      </a:rPr>
-                      <m:t>=</m:t>
-                    </m:r>
-                    <m:f>
-                      <m:fPr>
-                        <m:ctrlPr>
-                          <a:rPr lang="en-US" i="1">
-                            <a:latin typeface="Cambria Math"/>
-                          </a:rPr>
-                        </m:ctrlPr>
-                      </m:fPr>
-                      <m:num>
-                        <m:r>
-                          <a:rPr lang="en-US" i="1">
-                            <a:latin typeface="Cambria Math"/>
-                          </a:rPr>
-                          <m:t>𝑛</m:t>
-                        </m:r>
-                      </m:num>
-                      <m:den>
-                        <m:r>
-                          <a:rPr lang="en-US" b="0" i="1" smtClean="0">
-                            <a:latin typeface="Cambria Math"/>
-                          </a:rPr>
-                          <m:t>𝑘</m:t>
-                        </m:r>
-                      </m:den>
-                    </m:f>
-                  </m:oMath>
-                </a14:m>
-                <a:r>
-                  <a:rPr lang="en-US" dirty="0"/>
-                  <a:t> </a:t>
-                </a:r>
-              </a:p>
-              <a:p>
-                <a:pPr lvl="1"/>
-                <a:endParaRPr lang="en-US" dirty="0" smtClean="0"/>
-              </a:p>
-              <a:p>
-                <a:pPr lvl="1"/>
-                <a:endParaRPr lang="en-US" dirty="0" smtClean="0"/>
-              </a:p>
-              <a:p>
-                <a:endParaRPr lang="en-US" dirty="0" smtClean="0"/>
-              </a:p>
-            </p:txBody>
-          </p:sp>
-        </mc:Choice>
-        <mc:Fallback xmlns="">
-          <p:sp>
-            <p:nvSpPr>
-              <p:cNvPr id="3" name="Content Placeholder 2"/>
-              <p:cNvSpPr>
-                <a:spLocks noGrp="1" noRot="1" noChangeAspect="1" noMove="1" noResize="1" noEditPoints="1" noAdjustHandles="1" noChangeArrowheads="1" noChangeShapeType="1" noTextEdit="1"/>
-              </p:cNvSpPr>
-              <p:nvPr>
-                <p:ph idx="1"/>
-              </p:nvPr>
-            </p:nvSpPr>
-            <p:spPr>
-              <a:blipFill rotWithShape="1">
-                <a:blip r:embed="rId2"/>
-                <a:stretch>
-                  <a:fillRect l="-888" t="-2369"/>
-                </a:stretch>
-              </a:blipFill>
-            </p:spPr>
-            <p:txBody>
-              <a:bodyPr/>
-              <a:lstStyle/>
-              <a:p>
-                <a:r>
-                  <a:rPr lang="en-US">
-                    <a:noFill/>
-                  </a:rPr>
-                  <a:t> </a:t>
-                </a:r>
-              </a:p>
-            </p:txBody>
-          </p:sp>
-        </mc:Fallback>
-      </mc:AlternateContent>
-    </p:spTree>
-    <p:extLst>
-      <p:ext uri="{BB962C8B-B14F-4D97-AF65-F5344CB8AC3E}">
-        <p14:creationId xmlns:p14="http://schemas.microsoft.com/office/powerpoint/2010/main" val="1194822123"/>
-      </p:ext>
-    </p:extLst>
-  </p:cSld>
-  <p:clrMapOvr>
-    <a:masterClrMapping/>
-  </p:clrMapOvr>
-  <p:timing>
-    <p:tnLst>
-      <p:par>
-        <p:cTn id="1" dur="indefinite" restart="never" nodeType="tmRoot"/>
-      </p:par>
-    </p:tnLst>
-  </p:timing>
-</p:sld>
-</file>
-
-<file path=ppt/slides/slide6.xml><?xml version="1.0" encoding="utf-8"?>
-<p:sld xmlns:a="http://schemas.openxmlformats.org/drawingml/2006/main" xmlns:r="http://schemas.openxmlformats.org/officeDocument/2006/relationships" xmlns:p="http://schemas.openxmlformats.org/presentationml/2006/main">
-  <p:cSld>
-    <p:spTree>
-      <p:nvGrpSpPr>
-        <p:cNvPr id="1" name=""/>
-        <p:cNvGrpSpPr/>
-        <p:nvPr/>
-      </p:nvGrpSpPr>
-      <p:grpSpPr>
-        <a:xfrm>
-          <a:off x="0" y="0"/>
-          <a:ext cx="0" cy="0"/>
-          <a:chOff x="0" y="0"/>
-          <a:chExt cx="0" cy="0"/>
-        </a:xfrm>
-      </p:grpSpPr>
-      <p:sp>
-        <p:nvSpPr>
-          <p:cNvPr id="2" name="Title 1"/>
-          <p:cNvSpPr>
-            <a:spLocks noGrp="1"/>
-          </p:cNvSpPr>
-          <p:nvPr>
-            <p:ph type="title"/>
-          </p:nvPr>
-        </p:nvSpPr>
-        <p:spPr/>
-        <p:txBody>
-          <a:bodyPr/>
-          <a:lstStyle/>
-          <a:p>
-            <a:r>
-              <a:rPr lang="en-US" dirty="0" smtClean="0"/>
-              <a:t>K-Means Clustering</a:t>
-            </a:r>
-            <a:endParaRPr lang="en-US" dirty="0"/>
-          </a:p>
-        </p:txBody>
-      </p:sp>
-      <mc:AlternateContent xmlns:mc="http://schemas.openxmlformats.org/markup-compatibility/2006">
-        <mc:Choice xmlns:a14="http://schemas.microsoft.com/office/drawing/2010/main" Requires="a14">
           <p:sp>
             <p:nvSpPr>
               <p:cNvPr id="3" name="Content Placeholder 2"/>
@@ -8905,20 +8502,16 @@
               <a:lstStyle/>
               <a:p>
                 <a:r>
-                  <a:rPr lang="en-US" dirty="0" smtClean="0"/>
+                  <a:rPr lang="en-US" dirty="0"/>
                   <a:t>Group data points into </a:t>
                 </a:r>
                 <a:r>
-                  <a:rPr lang="en-US" i="1" dirty="0" smtClean="0"/>
+                  <a:rPr lang="en-US" i="1" dirty="0"/>
                   <a:t>k</a:t>
                 </a:r>
                 <a:r>
                   <a:rPr lang="en-US" dirty="0"/>
-                  <a:t> </a:t>
-                </a:r>
-                <a:r>
-                  <a:rPr lang="en-US" dirty="0" smtClean="0"/>
-                  <a:t>groups such that</a:t>
+                  <a:t> groups such that</a:t>
                 </a:r>
               </a:p>
               <a:p>
@@ -8936,7 +8529,7 @@
                           <m:chr m:val="∑"/>
                           <m:ctrlPr>
                             <a:rPr lang="en-US" i="1">
-                              <a:latin typeface="Cambria Math"/>
+                              <a:latin typeface="Cambria Math" panose="02040503050406030204" pitchFamily="18" charset="0"/>
                             </a:rPr>
                           </m:ctrlPr>
                         </m:naryPr>
@@ -8972,7 +8565,7 @@
                               <m:supHide m:val="on"/>
                               <m:ctrlPr>
                                 <a:rPr lang="en-US" i="1">
-                                  <a:latin typeface="Cambria Math"/>
+                                  <a:latin typeface="Cambria Math" panose="02040503050406030204" pitchFamily="18" charset="0"/>
                                 </a:rPr>
                               </m:ctrlPr>
                             </m:naryPr>
@@ -9000,7 +8593,7 @@
                                 <m:sSubPr>
                                   <m:ctrlPr>
                                     <a:rPr lang="en-US" b="1" i="1" smtClean="0">
-                                      <a:latin typeface="Cambria Math"/>
+                                      <a:latin typeface="Cambria Math" panose="02040503050406030204" pitchFamily="18" charset="0"/>
                                       <a:ea typeface="Cambria Math"/>
                                     </a:rPr>
                                   </m:ctrlPr>
@@ -9031,7 +8624,7 @@
                                 <m:sSupPr>
                                   <m:ctrlPr>
                                     <a:rPr lang="en-US" b="0" i="1" smtClean="0">
-                                      <a:latin typeface="Cambria Math"/>
+                                      <a:latin typeface="Cambria Math" panose="02040503050406030204" pitchFamily="18" charset="0"/>
                                       <a:ea typeface="Cambria Math"/>
                                     </a:rPr>
                                   </m:ctrlPr>
@@ -9060,7 +8653,7 @@
                                     <m:sSubPr>
                                       <m:ctrlPr>
                                         <a:rPr lang="en-US" i="1">
-                                          <a:latin typeface="Cambria Math"/>
+                                          <a:latin typeface="Cambria Math" panose="02040503050406030204" pitchFamily="18" charset="0"/>
                                           <a:ea typeface="Cambria Math"/>
                                         </a:rPr>
                                       </m:ctrlPr>
@@ -9109,7 +8702,7 @@
                     </m:oMath>
                   </m:oMathPara>
                 </a14:m>
-                <a:endParaRPr lang="en-US" dirty="0" smtClean="0"/>
+                <a:endParaRPr lang="en-US" dirty="0"/>
               </a:p>
               <a:p>
                 <a:pPr marL="0" indent="0">
@@ -9117,69 +8710,65 @@
                 </a:pPr>
                 <a:r>
                   <a:rPr lang="en-US" dirty="0"/>
-                  <a:t> </a:t>
-                </a:r>
-                <a:r>
-                  <a:rPr lang="en-US" dirty="0" smtClean="0"/>
-                  <a:t>   is minimized	</a:t>
+                  <a:t>    is minimized	</a:t>
                 </a:r>
               </a:p>
               <a:p>
                 <a:r>
-                  <a:rPr lang="en-US" dirty="0" err="1" smtClean="0"/>
+                  <a:rPr lang="en-US" dirty="0" err="1"/>
                   <a:t>MatLab</a:t>
                 </a:r>
                 <a:r>
-                  <a:rPr lang="en-US" dirty="0" smtClean="0"/>
+                  <a:rPr lang="en-US" dirty="0"/>
                   <a:t> syntax:</a:t>
                 </a:r>
               </a:p>
               <a:p>
                 <a:pPr lvl="1"/>
                 <a:r>
-                  <a:rPr lang="en-US" dirty="0" smtClean="0">
+                  <a:rPr lang="en-US" dirty="0">
                     <a:latin typeface="Miriam Fixed" panose="020B0509050101010101" pitchFamily="49" charset="-79"/>
                     <a:cs typeface="Miriam Fixed" panose="020B0509050101010101" pitchFamily="49" charset="-79"/>
                   </a:rPr>
                   <a:t>[</a:t>
                 </a:r>
                 <a:r>
-                  <a:rPr lang="en-US" dirty="0" err="1" smtClean="0">
+                  <a:rPr lang="en-US" dirty="0" err="1">
                     <a:latin typeface="Miriam Fixed" panose="020B0509050101010101" pitchFamily="49" charset="-79"/>
                     <a:cs typeface="Miriam Fixed" panose="020B0509050101010101" pitchFamily="49" charset="-79"/>
                   </a:rPr>
                   <a:t>cluster_label,mean</a:t>
                 </a:r>
                 <a:r>
-                  <a:rPr lang="en-US" dirty="0" smtClean="0">
+                  <a:rPr lang="en-US" dirty="0">
                     <a:latin typeface="Miriam Fixed" panose="020B0509050101010101" pitchFamily="49" charset="-79"/>
                     <a:cs typeface="Miriam Fixed" panose="020B0509050101010101" pitchFamily="49" charset="-79"/>
                   </a:rPr>
                   <a:t>] = </a:t>
                 </a:r>
                 <a:r>
-                  <a:rPr lang="en-US" dirty="0" err="1" smtClean="0">
+                  <a:rPr lang="en-US" dirty="0" err="1">
                     <a:latin typeface="Miriam Fixed" panose="020B0509050101010101" pitchFamily="49" charset="-79"/>
                     <a:cs typeface="Miriam Fixed" panose="020B0509050101010101" pitchFamily="49" charset="-79"/>
                   </a:rPr>
                   <a:t>kmeans</a:t>
                 </a:r>
                 <a:r>
-                  <a:rPr lang="en-US" dirty="0" smtClean="0">
+                  <a:rPr lang="en-US" dirty="0">
                     <a:latin typeface="Miriam Fixed" panose="020B0509050101010101" pitchFamily="49" charset="-79"/>
                     <a:cs typeface="Miriam Fixed" panose="020B0509050101010101" pitchFamily="49" charset="-79"/>
                   </a:rPr>
                   <a:t>([</a:t>
                 </a:r>
                 <a:r>
-                  <a:rPr lang="en-US" dirty="0" err="1" smtClean="0">
+                  <a:rPr lang="en-US" dirty="0" err="1">
                     <a:latin typeface="Miriam Fixed" panose="020B0509050101010101" pitchFamily="49" charset="-79"/>
                     <a:cs typeface="Miriam Fixed" panose="020B0509050101010101" pitchFamily="49" charset="-79"/>
                   </a:rPr>
                   <a:t>data_points</a:t>
                 </a:r>
                 <a:r>
-                  <a:rPr lang="en-US" dirty="0" smtClean="0">
+                  <a:rPr lang="en-US" dirty="0">
                     <a:latin typeface="Miriam Fixed" panose="020B0509050101010101" pitchFamily="49" charset="-79"/>
                     <a:cs typeface="Miriam Fixed" panose="020B0509050101010101" pitchFamily="49" charset="-79"/>
                   </a:rPr>
@@ -9189,75 +8778,59 @@
               <a:p>
                 <a:pPr lvl="1"/>
                 <a:r>
-                  <a:rPr lang="en-US" dirty="0" smtClean="0"/>
+                  <a:rPr lang="en-US" dirty="0"/>
                   <a:t>Only uses raw data-points, and  number of clusters as inputs</a:t>
                 </a:r>
               </a:p>
               <a:p>
                 <a:pPr lvl="1"/>
                 <a:r>
-                  <a:rPr lang="en-US" dirty="0" smtClean="0"/>
+                  <a:rPr lang="en-US" dirty="0"/>
                   <a:t>No labels used as inputs, so outputted labels would not match actual class labels</a:t>
                 </a:r>
-                <a:endParaRPr lang="en-US" dirty="0" smtClean="0"/>
               </a:p>
               <a:p>
                 <a:r>
-                  <a:rPr lang="en-US" dirty="0" smtClean="0"/>
+                  <a:rPr lang="en-US" dirty="0"/>
                   <a:t>Confusion Matrix</a:t>
-                </a:r>
-                <a:endParaRPr lang="en-US" dirty="0" smtClean="0"/>
-              </a:p>
-              <a:p>
-                <a:pPr lvl="1"/>
-                <a:r>
-                  <a:rPr lang="en-US" dirty="0" smtClean="0"/>
-                  <a:t>Matches predicted labels (mentioned above) with actual class labels</a:t>
-                </a:r>
-                <a:endParaRPr lang="en-US" dirty="0" smtClean="0"/>
-              </a:p>
-              <a:p>
-                <a:pPr lvl="1"/>
-                <a:r>
-                  <a:rPr lang="en-US" dirty="0" smtClean="0"/>
-                  <a:t>Does this by rearranging columns into </a:t>
-                </a:r>
-                <a:r>
-                  <a:rPr lang="en-US" dirty="0" smtClean="0"/>
-                  <a:t>a sparse </a:t>
-                </a:r>
-                <a:r>
-                  <a:rPr lang="en-US" dirty="0" smtClean="0"/>
-                  <a:t>matrix</a:t>
                 </a:r>
               </a:p>
               <a:p>
                 <a:pPr lvl="1"/>
                 <a:r>
-                  <a:rPr lang="en-US" dirty="0" smtClean="0"/>
-                  <a:t>Done </a:t>
+                  <a:rPr lang="en-US" dirty="0"/>
+                  <a:t>Matches predicted labels (mentioned above) with actual class labels</a:t>
                 </a:r>
+              </a:p>
+              <a:p>
+                <a:pPr lvl="1"/>
                 <a:r>
-                  <a:rPr lang="en-US" dirty="0" smtClean="0"/>
-                  <a:t>via Hungarian-method or Bi-partite matching</a:t>
+                  <a:rPr lang="en-US" dirty="0"/>
+                  <a:t>Does this by rearranging columns into a sparse matrix</a:t>
                 </a:r>
+              </a:p>
+              <a:p>
+                <a:pPr lvl="1"/>
+                <a:r>
+                  <a:rPr lang="en-US" dirty="0"/>
+                  <a:t>Done via Hungarian-method or Bi-partite matching</a:t>
+                </a:r>
+              </a:p>
+              <a:p>
+                <a:pPr lvl="1"/>
                 <a:endParaRPr lang="en-US" dirty="0"/>
               </a:p>
               <a:p>
                 <a:pPr lvl="1"/>
-                <a:endParaRPr lang="en-US" dirty="0" smtClean="0"/>
+                <a:endParaRPr lang="en-US" dirty="0"/>
               </a:p>
               <a:p>
-                <a:pPr lvl="1"/>
-                <a:endParaRPr lang="en-US" dirty="0" smtClean="0"/>
-              </a:p>
-              <a:p>
-                <a:endParaRPr lang="en-US" dirty="0" smtClean="0"/>
+                <a:endParaRPr lang="en-US" dirty="0"/>
               </a:p>
             </p:txBody>
           </p:sp>
         </mc:Choice>
-        <mc:Fallback>
+        <mc:Fallback xmlns="">
           <p:sp>
             <p:nvSpPr>
               <p:cNvPr id="3" name="Content Placeholder 2"/>
@@ -9301,17 +8874,10 @@
   <p:clrMapOvr>
     <a:masterClrMapping/>
   </p:clrMapOvr>
-  <p:timing>
-    <p:tnLst>
-      <p:par>
-        <p:cTn id="1" dur="indefinite" restart="never" nodeType="tmRoot"/>
-      </p:par>
-    </p:tnLst>
-  </p:timing>
 </p:sld>
 </file>
 
-<file path=ppt/slides/slide7.xml><?xml version="1.0" encoding="utf-8"?>
+<file path=ppt/slides/slide6.xml><?xml version="1.0" encoding="utf-8"?>
 <p:sld xmlns:a="http://schemas.openxmlformats.org/drawingml/2006/main" xmlns:r="http://schemas.openxmlformats.org/officeDocument/2006/relationships" xmlns:p="http://schemas.openxmlformats.org/presentationml/2006/main">
   <p:cSld>
     <p:spTree>
@@ -9344,10 +8910,9 @@
           <a:lstStyle/>
           <a:p>
             <a:r>
-              <a:rPr lang="en-US" dirty="0" smtClean="0"/>
+              <a:rPr lang="en-US" dirty="0"/>
               <a:t>Faces - Confusion Matrix / Sparse Matrix</a:t>
             </a:r>
-            <a:endParaRPr lang="en-US" dirty="0"/>
           </a:p>
         </p:txBody>
       </p:sp>
@@ -9369,70 +8934,68 @@
           <a:lstStyle/>
           <a:p>
             <a:r>
-              <a:rPr lang="en-US" dirty="0" smtClean="0"/>
+              <a:rPr lang="en-US" dirty="0"/>
               <a:t>Faces</a:t>
             </a:r>
           </a:p>
           <a:p>
             <a:pPr lvl="1"/>
             <a:r>
-              <a:rPr lang="en-US" dirty="0" smtClean="0"/>
+              <a:rPr lang="en-US" dirty="0"/>
               <a:t>40 classes</a:t>
             </a:r>
           </a:p>
           <a:p>
             <a:pPr lvl="1"/>
             <a:r>
-              <a:rPr lang="en-US" dirty="0" smtClean="0"/>
+              <a:rPr lang="en-US" dirty="0"/>
               <a:t>10 images per class</a:t>
             </a:r>
           </a:p>
           <a:p>
             <a:pPr lvl="1"/>
             <a:r>
-              <a:rPr lang="en-US" dirty="0" smtClean="0"/>
+              <a:rPr lang="en-US" dirty="0"/>
               <a:t>400 images total</a:t>
             </a:r>
           </a:p>
           <a:p>
             <a:r>
-              <a:rPr lang="en-US" dirty="0" smtClean="0"/>
+              <a:rPr lang="en-US" dirty="0"/>
               <a:t>Images</a:t>
             </a:r>
           </a:p>
           <a:p>
             <a:pPr lvl="1"/>
             <a:r>
-              <a:rPr lang="en-US" dirty="0" smtClean="0"/>
+              <a:rPr lang="en-US" dirty="0"/>
               <a:t>Width of 23 pixels</a:t>
             </a:r>
           </a:p>
           <a:p>
             <a:pPr lvl="1"/>
             <a:r>
-              <a:rPr lang="en-US" dirty="0" smtClean="0"/>
+              <a:rPr lang="en-US" dirty="0"/>
               <a:t>Height of 28 pixels</a:t>
             </a:r>
-            <a:endParaRPr lang="en-US" dirty="0"/>
-          </a:p>
-          <a:p>
-            <a:r>
-              <a:rPr lang="en-US" dirty="0" smtClean="0"/>
+          </a:p>
+          <a:p>
+            <a:r>
+              <a:rPr lang="en-US" dirty="0"/>
               <a:t>Classification</a:t>
             </a:r>
-            <a:endParaRPr lang="en-US" dirty="0"/>
           </a:p>
           <a:p>
             <a:pPr lvl="1"/>
             <a:r>
-              <a:rPr lang="en-US" dirty="0" smtClean="0"/>
+              <a:rPr lang="en-US" dirty="0"/>
               <a:t># correct: 233 - 293</a:t>
             </a:r>
           </a:p>
           <a:p>
             <a:pPr lvl="1"/>
             <a:r>
-              <a:rPr lang="en-US" dirty="0" smtClean="0"/>
+              <a:rPr lang="en-US" dirty="0"/>
               <a:t>% correct: 58% - 73%</a:t>
             </a:r>
           </a:p>
@@ -9556,17 +9119,10 @@
   <p:clrMapOvr>
     <a:masterClrMapping/>
   </p:clrMapOvr>
-  <p:timing>
-    <p:tnLst>
-      <p:par>
-        <p:cTn id="1" dur="indefinite" restart="never" nodeType="tmRoot"/>
-      </p:par>
-    </p:tnLst>
-  </p:timing>
 </p:sld>
 </file>
 
-<file path=ppt/slides/slide8.xml><?xml version="1.0" encoding="utf-8"?>
+<file path=ppt/slides/slide7.xml><?xml version="1.0" encoding="utf-8"?>
 <p:sld xmlns:a="http://schemas.openxmlformats.org/drawingml/2006/main" xmlns:r="http://schemas.openxmlformats.org/officeDocument/2006/relationships" xmlns:p="http://schemas.openxmlformats.org/presentationml/2006/main">
   <p:cSld>
     <p:spTree>
@@ -9599,10 +9155,9 @@
           <a:lstStyle/>
           <a:p>
             <a:r>
-              <a:rPr lang="en-US" dirty="0" smtClean="0"/>
+              <a:rPr lang="en-US" dirty="0"/>
               <a:t>Letters - Confusion Matrix / Sparse Matrix</a:t>
             </a:r>
-            <a:endParaRPr lang="en-US" dirty="0"/>
           </a:p>
         </p:txBody>
       </p:sp>
@@ -9624,70 +9179,68 @@
           <a:lstStyle/>
           <a:p>
             <a:r>
-              <a:rPr lang="en-US" dirty="0" smtClean="0"/>
+              <a:rPr lang="en-US" dirty="0"/>
               <a:t>Letters</a:t>
             </a:r>
           </a:p>
           <a:p>
             <a:pPr lvl="1"/>
             <a:r>
-              <a:rPr lang="en-US" dirty="0" smtClean="0"/>
+              <a:rPr lang="en-US" dirty="0"/>
               <a:t>26 classes</a:t>
             </a:r>
           </a:p>
           <a:p>
             <a:pPr lvl="1"/>
             <a:r>
-              <a:rPr lang="en-US" dirty="0" smtClean="0"/>
+              <a:rPr lang="en-US" dirty="0"/>
               <a:t>39 images per class</a:t>
             </a:r>
           </a:p>
           <a:p>
             <a:pPr lvl="1"/>
             <a:r>
-              <a:rPr lang="en-US" dirty="0" smtClean="0"/>
+              <a:rPr lang="en-US" dirty="0"/>
               <a:t>1,014 images total</a:t>
             </a:r>
           </a:p>
           <a:p>
             <a:r>
-              <a:rPr lang="en-US" dirty="0" smtClean="0"/>
+              <a:rPr lang="en-US" dirty="0"/>
               <a:t>Images</a:t>
             </a:r>
           </a:p>
           <a:p>
             <a:pPr lvl="1"/>
             <a:r>
-              <a:rPr lang="en-US" dirty="0" smtClean="0"/>
+              <a:rPr lang="en-US" dirty="0"/>
               <a:t>Width of 16 pixels</a:t>
             </a:r>
           </a:p>
           <a:p>
             <a:pPr lvl="1"/>
             <a:r>
-              <a:rPr lang="en-US" dirty="0" smtClean="0"/>
+              <a:rPr lang="en-US" dirty="0"/>
               <a:t>Height of 20 pixels</a:t>
             </a:r>
-            <a:endParaRPr lang="en-US" dirty="0"/>
-          </a:p>
-          <a:p>
-            <a:r>
-              <a:rPr lang="en-US" dirty="0" smtClean="0"/>
+          </a:p>
+          <a:p>
+            <a:r>
+              <a:rPr lang="en-US" dirty="0"/>
               <a:t>Classification</a:t>
             </a:r>
-            <a:endParaRPr lang="en-US" dirty="0"/>
           </a:p>
           <a:p>
             <a:pPr lvl="1"/>
             <a:r>
-              <a:rPr lang="en-US" dirty="0" smtClean="0"/>
+              <a:rPr lang="en-US" dirty="0"/>
               <a:t># correct: 464 - 519</a:t>
             </a:r>
           </a:p>
           <a:p>
             <a:pPr lvl="1"/>
             <a:r>
-              <a:rPr lang="en-US" dirty="0" smtClean="0"/>
+              <a:rPr lang="en-US" dirty="0"/>
               <a:t>% correct: 46% - 52%</a:t>
             </a:r>
           </a:p>
@@ -9811,13 +9364,129 @@
   <p:clrMapOvr>
     <a:masterClrMapping/>
   </p:clrMapOvr>
-  <p:timing>
-    <p:tnLst>
-      <p:par>
-        <p:cTn id="1" dur="indefinite" restart="never" nodeType="tmRoot"/>
-      </p:par>
-    </p:tnLst>
-  </p:timing>
+</p:sld>
+</file>
+
+<file path=ppt/slides/slide8.xml><?xml version="1.0" encoding="utf-8"?>
+<p:sld xmlns:a="http://schemas.openxmlformats.org/drawingml/2006/main" xmlns:r="http://schemas.openxmlformats.org/officeDocument/2006/relationships" xmlns:p="http://schemas.openxmlformats.org/presentationml/2006/main">
+  <p:cSld>
+    <p:spTree>
+      <p:nvGrpSpPr>
+        <p:cNvPr id="1" name=""/>
+        <p:cNvGrpSpPr/>
+        <p:nvPr/>
+      </p:nvGrpSpPr>
+      <p:grpSpPr>
+        <a:xfrm>
+          <a:off x="0" y="0"/>
+          <a:ext cx="0" cy="0"/>
+          <a:chOff x="0" y="0"/>
+          <a:chExt cx="0" cy="0"/>
+        </a:xfrm>
+      </p:grpSpPr>
+      <p:sp>
+        <p:nvSpPr>
+          <p:cNvPr id="2" name="Title 1"/>
+          <p:cNvSpPr>
+            <a:spLocks noGrp="1"/>
+          </p:cNvSpPr>
+          <p:nvPr>
+            <p:ph type="title"/>
+          </p:nvPr>
+        </p:nvSpPr>
+        <p:spPr/>
+        <p:txBody>
+          <a:bodyPr/>
+          <a:lstStyle/>
+          <a:p>
+            <a:r>
+              <a:rPr lang="en-US" dirty="0"/>
+              <a:t>Support Vector Machine</a:t>
+            </a:r>
+          </a:p>
+        </p:txBody>
+      </p:sp>
+      <p:sp>
+        <p:nvSpPr>
+          <p:cNvPr id="3" name="Content Placeholder 2"/>
+          <p:cNvSpPr>
+            <a:spLocks noGrp="1"/>
+          </p:cNvSpPr>
+          <p:nvPr>
+            <p:ph idx="1"/>
+          </p:nvPr>
+        </p:nvSpPr>
+        <p:spPr/>
+        <p:txBody>
+          <a:bodyPr/>
+          <a:lstStyle/>
+          <a:p>
+            <a:r>
+              <a:rPr lang="en-US" dirty="0"/>
+              <a:t>Kernels</a:t>
+            </a:r>
+          </a:p>
+          <a:p>
+            <a:pPr lvl="1"/>
+            <a:r>
+              <a:rPr lang="en-US" dirty="0"/>
+              <a:t>Linear – maps data on a 2 dimensional plane</a:t>
+            </a:r>
+          </a:p>
+          <a:p>
+            <a:pPr lvl="1"/>
+            <a:r>
+              <a:rPr lang="en-US" dirty="0"/>
+              <a:t>Gaussian – maps data on a 3 dimensional plane</a:t>
+            </a:r>
+          </a:p>
+          <a:p>
+            <a:pPr lvl="1"/>
+            <a:endParaRPr lang="en-US" dirty="0"/>
+          </a:p>
+          <a:p>
+            <a:r>
+              <a:rPr lang="en-US" dirty="0"/>
+              <a:t>Results</a:t>
+            </a:r>
+          </a:p>
+          <a:p>
+            <a:pPr lvl="1"/>
+            <a:r>
+              <a:rPr lang="en-US" dirty="0"/>
+              <a:t>SVM correct labeling – </a:t>
+            </a:r>
+          </a:p>
+          <a:p>
+            <a:pPr lvl="2"/>
+            <a:r>
+              <a:rPr lang="en-US" dirty="0"/>
+              <a:t>50 dataset – 80% correct (Assignment 1 Data)</a:t>
+            </a:r>
+          </a:p>
+          <a:p>
+            <a:pPr lvl="2"/>
+            <a:r>
+              <a:rPr lang="en-US" dirty="0"/>
+              <a:t>200 dataset - 95% (Assignment 1 Data)</a:t>
+            </a:r>
+          </a:p>
+          <a:p>
+            <a:pPr lvl="1"/>
+            <a:endParaRPr lang="en-US" dirty="0"/>
+          </a:p>
+        </p:txBody>
+      </p:sp>
+    </p:spTree>
+    <p:extLst>
+      <p:ext uri="{BB962C8B-B14F-4D97-AF65-F5344CB8AC3E}">
+        <p14:creationId xmlns:p14="http://schemas.microsoft.com/office/powerpoint/2010/main" val="1764275509"/>
+      </p:ext>
+    </p:extLst>
+  </p:cSld>
+  <p:clrMapOvr>
+    <a:masterClrMapping/>
+  </p:clrMapOvr>
 </p:sld>
 </file>
 
@@ -10069,7 +9738,7 @@
   <a:extraClrSchemeLst/>
   <a:extLst>
     <a:ext uri="{05A4C25C-085E-4340-85A3-A5531E510DB2}">
-      <thm15:themeFamily xmlns="" xmlns:thm15="http://schemas.microsoft.com/office/thememl/2012/main" name="Berlin" id="{7B5DBA9E-B069-418E-9360-A61BDD0615A4}" vid="{C0CBE056-4EF4-4D92-969E-947779DA7AAA}"/>
+      <thm15:themeFamily xmlns:thm15="http://schemas.microsoft.com/office/thememl/2012/main" name="Berlin" id="{7B5DBA9E-B069-418E-9360-A61BDD0615A4}" vid="{C0CBE056-4EF4-4D92-969E-947779DA7AAA}"/>
     </a:ext>
   </a:extLst>
 </a:theme>
